--- a/documentation/2022-03-29_MAP-structure-draft.pptx
+++ b/documentation/2022-03-29_MAP-structure-draft.pptx
@@ -279,7 +279,7 @@
           <a:p>
             <a:fld id="{62F3D5BE-FB1C-4CCB-95C2-71F9060ACFEB}" type="datetimeFigureOut">
               <a:rPr lang="de-DE" smtClean="0"/>
-              <a:t>29.03.2022</a:t>
+              <a:t>11.05.2022</a:t>
             </a:fld>
             <a:endParaRPr lang="de-DE"/>
           </a:p>
@@ -333,7 +333,7 @@
           <a:p>
             <a:fld id="{C57A2588-1B83-42E4-B93D-30E8DEF851DE}" type="slidenum">
               <a:rPr lang="de-DE" smtClean="0"/>
-              <a:t>‹Nr.›</a:t>
+              <a:t>‹#›</a:t>
             </a:fld>
             <a:endParaRPr lang="de-DE"/>
           </a:p>
@@ -477,7 +477,7 @@
           <a:p>
             <a:fld id="{62F3D5BE-FB1C-4CCB-95C2-71F9060ACFEB}" type="datetimeFigureOut">
               <a:rPr lang="de-DE" smtClean="0"/>
-              <a:t>29.03.2022</a:t>
+              <a:t>11.05.2022</a:t>
             </a:fld>
             <a:endParaRPr lang="de-DE"/>
           </a:p>
@@ -531,7 +531,7 @@
           <a:p>
             <a:fld id="{C57A2588-1B83-42E4-B93D-30E8DEF851DE}" type="slidenum">
               <a:rPr lang="de-DE" smtClean="0"/>
-              <a:t>‹Nr.›</a:t>
+              <a:t>‹#›</a:t>
             </a:fld>
             <a:endParaRPr lang="de-DE"/>
           </a:p>
@@ -685,7 +685,7 @@
           <a:p>
             <a:fld id="{62F3D5BE-FB1C-4CCB-95C2-71F9060ACFEB}" type="datetimeFigureOut">
               <a:rPr lang="de-DE" smtClean="0"/>
-              <a:t>29.03.2022</a:t>
+              <a:t>11.05.2022</a:t>
             </a:fld>
             <a:endParaRPr lang="de-DE"/>
           </a:p>
@@ -739,7 +739,7 @@
           <a:p>
             <a:fld id="{C57A2588-1B83-42E4-B93D-30E8DEF851DE}" type="slidenum">
               <a:rPr lang="de-DE" smtClean="0"/>
-              <a:t>‹Nr.›</a:t>
+              <a:t>‹#›</a:t>
             </a:fld>
             <a:endParaRPr lang="de-DE"/>
           </a:p>
@@ -883,7 +883,7 @@
           <a:p>
             <a:fld id="{62F3D5BE-FB1C-4CCB-95C2-71F9060ACFEB}" type="datetimeFigureOut">
               <a:rPr lang="de-DE" smtClean="0"/>
-              <a:t>29.03.2022</a:t>
+              <a:t>11.05.2022</a:t>
             </a:fld>
             <a:endParaRPr lang="de-DE"/>
           </a:p>
@@ -937,7 +937,7 @@
           <a:p>
             <a:fld id="{C57A2588-1B83-42E4-B93D-30E8DEF851DE}" type="slidenum">
               <a:rPr lang="de-DE" smtClean="0"/>
-              <a:t>‹Nr.›</a:t>
+              <a:t>‹#›</a:t>
             </a:fld>
             <a:endParaRPr lang="de-DE"/>
           </a:p>
@@ -1158,7 +1158,7 @@
           <a:p>
             <a:fld id="{62F3D5BE-FB1C-4CCB-95C2-71F9060ACFEB}" type="datetimeFigureOut">
               <a:rPr lang="de-DE" smtClean="0"/>
-              <a:t>29.03.2022</a:t>
+              <a:t>11.05.2022</a:t>
             </a:fld>
             <a:endParaRPr lang="de-DE"/>
           </a:p>
@@ -1212,7 +1212,7 @@
           <a:p>
             <a:fld id="{C57A2588-1B83-42E4-B93D-30E8DEF851DE}" type="slidenum">
               <a:rPr lang="de-DE" smtClean="0"/>
-              <a:t>‹Nr.›</a:t>
+              <a:t>‹#›</a:t>
             </a:fld>
             <a:endParaRPr lang="de-DE"/>
           </a:p>
@@ -1423,7 +1423,7 @@
           <a:p>
             <a:fld id="{62F3D5BE-FB1C-4CCB-95C2-71F9060ACFEB}" type="datetimeFigureOut">
               <a:rPr lang="de-DE" smtClean="0"/>
-              <a:t>29.03.2022</a:t>
+              <a:t>11.05.2022</a:t>
             </a:fld>
             <a:endParaRPr lang="de-DE"/>
           </a:p>
@@ -1477,7 +1477,7 @@
           <a:p>
             <a:fld id="{C57A2588-1B83-42E4-B93D-30E8DEF851DE}" type="slidenum">
               <a:rPr lang="de-DE" smtClean="0"/>
-              <a:t>‹Nr.›</a:t>
+              <a:t>‹#›</a:t>
             </a:fld>
             <a:endParaRPr lang="de-DE"/>
           </a:p>
@@ -1835,7 +1835,7 @@
           <a:p>
             <a:fld id="{62F3D5BE-FB1C-4CCB-95C2-71F9060ACFEB}" type="datetimeFigureOut">
               <a:rPr lang="de-DE" smtClean="0"/>
-              <a:t>29.03.2022</a:t>
+              <a:t>11.05.2022</a:t>
             </a:fld>
             <a:endParaRPr lang="de-DE"/>
           </a:p>
@@ -1889,7 +1889,7 @@
           <a:p>
             <a:fld id="{C57A2588-1B83-42E4-B93D-30E8DEF851DE}" type="slidenum">
               <a:rPr lang="de-DE" smtClean="0"/>
-              <a:t>‹Nr.›</a:t>
+              <a:t>‹#›</a:t>
             </a:fld>
             <a:endParaRPr lang="de-DE"/>
           </a:p>
@@ -1976,7 +1976,7 @@
           <a:p>
             <a:fld id="{62F3D5BE-FB1C-4CCB-95C2-71F9060ACFEB}" type="datetimeFigureOut">
               <a:rPr lang="de-DE" smtClean="0"/>
-              <a:t>29.03.2022</a:t>
+              <a:t>11.05.2022</a:t>
             </a:fld>
             <a:endParaRPr lang="de-DE"/>
           </a:p>
@@ -2030,7 +2030,7 @@
           <a:p>
             <a:fld id="{C57A2588-1B83-42E4-B93D-30E8DEF851DE}" type="slidenum">
               <a:rPr lang="de-DE" smtClean="0"/>
-              <a:t>‹Nr.›</a:t>
+              <a:t>‹#›</a:t>
             </a:fld>
             <a:endParaRPr lang="de-DE"/>
           </a:p>
@@ -2089,7 +2089,7 @@
           <a:p>
             <a:fld id="{62F3D5BE-FB1C-4CCB-95C2-71F9060ACFEB}" type="datetimeFigureOut">
               <a:rPr lang="de-DE" smtClean="0"/>
-              <a:t>29.03.2022</a:t>
+              <a:t>11.05.2022</a:t>
             </a:fld>
             <a:endParaRPr lang="de-DE"/>
           </a:p>
@@ -2143,7 +2143,7 @@
           <a:p>
             <a:fld id="{C57A2588-1B83-42E4-B93D-30E8DEF851DE}" type="slidenum">
               <a:rPr lang="de-DE" smtClean="0"/>
-              <a:t>‹Nr.›</a:t>
+              <a:t>‹#›</a:t>
             </a:fld>
             <a:endParaRPr lang="de-DE"/>
           </a:p>
@@ -2400,7 +2400,7 @@
           <a:p>
             <a:fld id="{62F3D5BE-FB1C-4CCB-95C2-71F9060ACFEB}" type="datetimeFigureOut">
               <a:rPr lang="de-DE" smtClean="0"/>
-              <a:t>29.03.2022</a:t>
+              <a:t>11.05.2022</a:t>
             </a:fld>
             <a:endParaRPr lang="de-DE"/>
           </a:p>
@@ -2454,7 +2454,7 @@
           <a:p>
             <a:fld id="{C57A2588-1B83-42E4-B93D-30E8DEF851DE}" type="slidenum">
               <a:rPr lang="de-DE" smtClean="0"/>
-              <a:t>‹Nr.›</a:t>
+              <a:t>‹#›</a:t>
             </a:fld>
             <a:endParaRPr lang="de-DE"/>
           </a:p>
@@ -2688,7 +2688,7 @@
           <a:p>
             <a:fld id="{62F3D5BE-FB1C-4CCB-95C2-71F9060ACFEB}" type="datetimeFigureOut">
               <a:rPr lang="de-DE" smtClean="0"/>
-              <a:t>29.03.2022</a:t>
+              <a:t>11.05.2022</a:t>
             </a:fld>
             <a:endParaRPr lang="de-DE"/>
           </a:p>
@@ -2742,7 +2742,7 @@
           <a:p>
             <a:fld id="{C57A2588-1B83-42E4-B93D-30E8DEF851DE}" type="slidenum">
               <a:rPr lang="de-DE" smtClean="0"/>
-              <a:t>‹Nr.›</a:t>
+              <a:t>‹#›</a:t>
             </a:fld>
             <a:endParaRPr lang="de-DE"/>
           </a:p>
@@ -2929,7 +2929,7 @@
           <a:p>
             <a:fld id="{62F3D5BE-FB1C-4CCB-95C2-71F9060ACFEB}" type="datetimeFigureOut">
               <a:rPr lang="de-DE" smtClean="0"/>
-              <a:t>29.03.2022</a:t>
+              <a:t>11.05.2022</a:t>
             </a:fld>
             <a:endParaRPr lang="de-DE"/>
           </a:p>
@@ -3019,7 +3019,7 @@
           <a:p>
             <a:fld id="{C57A2588-1B83-42E4-B93D-30E8DEF851DE}" type="slidenum">
               <a:rPr lang="de-DE" smtClean="0"/>
-              <a:t>‹Nr.›</a:t>
+              <a:t>‹#›</a:t>
             </a:fld>
             <a:endParaRPr lang="de-DE"/>
           </a:p>
@@ -3915,7 +3915,7 @@
             <p:nvPr/>
           </p:nvPicPr>
           <p:blipFill rotWithShape="1">
-            <a:blip r:embed="rId3">
+            <a:blip r:embed="rId3" cstate="hqprint">
               <a:extLst>
                 <a:ext uri="{28A0092B-C50C-407E-A947-70E740481C1C}">
                   <a14:useLocalDpi xmlns:a14="http://schemas.microsoft.com/office/drawing/2010/main" val="0"/>
@@ -3950,7 +3950,7 @@
             <p:nvPr/>
           </p:nvPicPr>
           <p:blipFill>
-            <a:blip r:embed="rId4">
+            <a:blip r:embed="rId4" cstate="hqprint">
               <a:extLst>
                 <a:ext uri="{28A0092B-C50C-407E-A947-70E740481C1C}">
                   <a14:useLocalDpi xmlns:a14="http://schemas.microsoft.com/office/drawing/2010/main" val="0"/>
@@ -5075,7 +5075,7 @@
             <p:nvPr/>
           </p:nvPicPr>
           <p:blipFill rotWithShape="1">
-            <a:blip r:embed="rId2">
+            <a:blip r:embed="rId2" cstate="hqprint">
               <a:extLst>
                 <a:ext uri="{28A0092B-C50C-407E-A947-70E740481C1C}">
                   <a14:useLocalDpi xmlns:a14="http://schemas.microsoft.com/office/drawing/2010/main" val="0"/>
@@ -5110,7 +5110,7 @@
             <p:nvPr/>
           </p:nvPicPr>
           <p:blipFill>
-            <a:blip r:embed="rId3">
+            <a:blip r:embed="rId3" cstate="hqprint">
               <a:extLst>
                 <a:ext uri="{28A0092B-C50C-407E-A947-70E740481C1C}">
                   <a14:useLocalDpi xmlns:a14="http://schemas.microsoft.com/office/drawing/2010/main" val="0"/>
@@ -5488,10 +5488,10 @@
       </p:grpSpPr>
       <p:grpSp>
         <p:nvGrpSpPr>
-          <p:cNvPr id="12" name="Gruppieren 11">
+          <p:cNvPr id="21" name="Gruppieren 20">
             <a:extLst>
               <a:ext uri="{FF2B5EF4-FFF2-40B4-BE49-F238E27FC236}">
-                <a16:creationId xmlns:a16="http://schemas.microsoft.com/office/drawing/2014/main" id="{93490CA0-EE61-4F89-8948-933AAE49F515}"/>
+                <a16:creationId xmlns:a16="http://schemas.microsoft.com/office/drawing/2014/main" id="{4AFB3734-87FC-4D67-BE0A-B2364179B0BD}"/>
               </a:ext>
             </a:extLst>
           </p:cNvPr>
@@ -5500,18 +5500,119 @@
         </p:nvGrpSpPr>
         <p:grpSpPr>
           <a:xfrm>
-            <a:off x="1567135" y="1800239"/>
-            <a:ext cx="4572000" cy="2414116"/>
-            <a:chOff x="1581150" y="2352675"/>
-            <a:chExt cx="4572000" cy="2414116"/>
+            <a:off x="441651" y="364538"/>
+            <a:ext cx="11394450" cy="601997"/>
+            <a:chOff x="441651" y="364538"/>
+            <a:chExt cx="11394450" cy="601997"/>
           </a:xfrm>
         </p:grpSpPr>
+        <p:pic>
+          <p:nvPicPr>
+            <p:cNvPr id="26" name="Grafik 25">
+              <a:extLst>
+                <a:ext uri="{FF2B5EF4-FFF2-40B4-BE49-F238E27FC236}">
+                  <a16:creationId xmlns:a16="http://schemas.microsoft.com/office/drawing/2014/main" id="{971C55E3-C3BC-486F-937A-99CE2D611E7A}"/>
+                </a:ext>
+              </a:extLst>
+            </p:cNvPr>
+            <p:cNvPicPr>
+              <a:picLocks noChangeAspect="1"/>
+            </p:cNvPicPr>
+            <p:nvPr/>
+          </p:nvPicPr>
+          <p:blipFill rotWithShape="1">
+            <a:blip r:embed="rId2" cstate="hqprint">
+              <a:extLst>
+                <a:ext uri="{28A0092B-C50C-407E-A947-70E740481C1C}">
+                  <a14:useLocalDpi xmlns:a14="http://schemas.microsoft.com/office/drawing/2010/main" val="0"/>
+                </a:ext>
+              </a:extLst>
+            </a:blip>
+            <a:srcRect r="60746"/>
+            <a:stretch/>
+          </p:blipFill>
+          <p:spPr>
+            <a:xfrm>
+              <a:off x="441651" y="364538"/>
+              <a:ext cx="986688" cy="601997"/>
+            </a:xfrm>
+            <a:prstGeom prst="rect">
+              <a:avLst/>
+            </a:prstGeom>
+          </p:spPr>
+        </p:pic>
+        <p:pic>
+          <p:nvPicPr>
+            <p:cNvPr id="27" name="Grafik 26">
+              <a:extLst>
+                <a:ext uri="{FF2B5EF4-FFF2-40B4-BE49-F238E27FC236}">
+                  <a16:creationId xmlns:a16="http://schemas.microsoft.com/office/drawing/2014/main" id="{9340CE5E-9219-4906-A6E1-0920F0F39436}"/>
+                </a:ext>
+              </a:extLst>
+            </p:cNvPr>
+            <p:cNvPicPr>
+              <a:picLocks noChangeAspect="1"/>
+            </p:cNvPicPr>
+            <p:nvPr/>
+          </p:nvPicPr>
+          <p:blipFill>
+            <a:blip r:embed="rId3" cstate="hqprint">
+              <a:extLst>
+                <a:ext uri="{28A0092B-C50C-407E-A947-70E740481C1C}">
+                  <a14:useLocalDpi xmlns:a14="http://schemas.microsoft.com/office/drawing/2010/main" val="0"/>
+                </a:ext>
+              </a:extLst>
+            </a:blip>
+            <a:stretch>
+              <a:fillRect/>
+            </a:stretch>
+          </p:blipFill>
+          <p:spPr>
+            <a:xfrm>
+              <a:off x="10849413" y="364538"/>
+              <a:ext cx="986688" cy="469401"/>
+            </a:xfrm>
+            <a:prstGeom prst="rect">
+              <a:avLst/>
+            </a:prstGeom>
+          </p:spPr>
+        </p:pic>
+        <p:pic>
+          <p:nvPicPr>
+            <p:cNvPr id="31" name="Grafik 30">
+              <a:extLst>
+                <a:ext uri="{FF2B5EF4-FFF2-40B4-BE49-F238E27FC236}">
+                  <a16:creationId xmlns:a16="http://schemas.microsoft.com/office/drawing/2014/main" id="{2E4A886F-C0B5-4F39-B395-5EFBDB883E64}"/>
+                </a:ext>
+              </a:extLst>
+            </p:cNvPr>
+            <p:cNvPicPr>
+              <a:picLocks noChangeAspect="1"/>
+            </p:cNvPicPr>
+            <p:nvPr/>
+          </p:nvPicPr>
+          <p:blipFill>
+            <a:blip r:embed="rId4"/>
+            <a:stretch>
+              <a:fillRect/>
+            </a:stretch>
+          </p:blipFill>
+          <p:spPr>
+            <a:xfrm>
+              <a:off x="10367387" y="439868"/>
+              <a:ext cx="396274" cy="426757"/>
+            </a:xfrm>
+            <a:prstGeom prst="rect">
+              <a:avLst/>
+            </a:prstGeom>
+          </p:spPr>
+        </p:pic>
         <p:sp>
           <p:nvSpPr>
-            <p:cNvPr id="22" name="Textfeld 21">
+            <p:cNvPr id="32" name="Textfeld 31">
               <a:extLst>
                 <a:ext uri="{FF2B5EF4-FFF2-40B4-BE49-F238E27FC236}">
-                  <a16:creationId xmlns:a16="http://schemas.microsoft.com/office/drawing/2014/main" id="{822A20CA-BD29-477C-87A1-B6C494EC8978}"/>
+                  <a16:creationId xmlns:a16="http://schemas.microsoft.com/office/drawing/2014/main" id="{D4B15484-D442-4794-8CAF-20F7FA199E8A}"/>
                 </a:ext>
               </a:extLst>
             </p:cNvPr>
@@ -5520,13 +5621,20 @@
           </p:nvSpPr>
           <p:spPr>
             <a:xfrm>
-              <a:off x="1581150" y="2352675"/>
-              <a:ext cx="4572000" cy="523220"/>
+              <a:off x="4888724" y="480871"/>
+              <a:ext cx="946491" cy="369332"/>
             </a:xfrm>
             <a:prstGeom prst="rect">
               <a:avLst/>
             </a:prstGeom>
-            <a:noFill/>
+            <a:solidFill>
+              <a:schemeClr val="bg1"/>
+            </a:solidFill>
+            <a:ln>
+              <a:solidFill>
+                <a:schemeClr val="tx1"/>
+              </a:solidFill>
+            </a:ln>
           </p:spPr>
           <p:txBody>
             <a:bodyPr wrap="square" rtlCol="0">
@@ -5535,30 +5643,289 @@
             <a:lstStyle/>
             <a:p>
               <a:r>
-                <a:rPr lang="de-DE" sz="2800" dirty="0" err="1">
-                  <a:solidFill>
-                    <a:srgbClr val="C00000"/>
-                  </a:solidFill>
-                </a:rPr>
-                <a:t>Latest</a:t>
-              </a:r>
-              <a:r>
-                <a:rPr lang="de-DE" sz="2800" dirty="0">
-                  <a:solidFill>
-                    <a:srgbClr val="C00000"/>
-                  </a:solidFill>
-                </a:rPr>
-                <a:t> release</a:t>
+                <a:rPr lang="de-DE" dirty="0"/>
+                <a:t>Tools</a:t>
               </a:r>
             </a:p>
           </p:txBody>
         </p:sp>
         <p:sp>
           <p:nvSpPr>
-            <p:cNvPr id="11" name="Rechteck 10">
+            <p:cNvPr id="33" name="Textfeld 32">
               <a:extLst>
                 <a:ext uri="{FF2B5EF4-FFF2-40B4-BE49-F238E27FC236}">
-                  <a16:creationId xmlns:a16="http://schemas.microsoft.com/office/drawing/2014/main" id="{6E8D0C4A-D82D-472F-860F-078D99089A20}"/>
+                  <a16:creationId xmlns:a16="http://schemas.microsoft.com/office/drawing/2014/main" id="{BFCAF835-3C0F-4EE8-A5B8-58C230B0E615}"/>
+                </a:ext>
+              </a:extLst>
+            </p:cNvPr>
+            <p:cNvSpPr txBox="1"/>
+            <p:nvPr/>
+          </p:nvSpPr>
+          <p:spPr>
+            <a:xfrm>
+              <a:off x="5521569" y="480871"/>
+              <a:ext cx="1266093" cy="369332"/>
+            </a:xfrm>
+            <a:prstGeom prst="rect">
+              <a:avLst/>
+            </a:prstGeom>
+            <a:solidFill>
+              <a:schemeClr val="bg1"/>
+            </a:solidFill>
+            <a:ln>
+              <a:solidFill>
+                <a:schemeClr val="tx1"/>
+              </a:solidFill>
+            </a:ln>
+          </p:spPr>
+          <p:txBody>
+            <a:bodyPr wrap="square" rtlCol="0">
+              <a:spAutoFit/>
+            </a:bodyPr>
+            <a:lstStyle/>
+            <a:p>
+              <a:r>
+                <a:rPr lang="de-DE" dirty="0"/>
+                <a:t>Resources</a:t>
+              </a:r>
+            </a:p>
+          </p:txBody>
+        </p:sp>
+        <p:sp>
+          <p:nvSpPr>
+            <p:cNvPr id="34" name="Textfeld 33">
+              <a:extLst>
+                <a:ext uri="{FF2B5EF4-FFF2-40B4-BE49-F238E27FC236}">
+                  <a16:creationId xmlns:a16="http://schemas.microsoft.com/office/drawing/2014/main" id="{C8EA2BBE-7880-4DB3-8746-7B0237D4C861}"/>
+                </a:ext>
+              </a:extLst>
+            </p:cNvPr>
+            <p:cNvSpPr txBox="1"/>
+            <p:nvPr/>
+          </p:nvSpPr>
+          <p:spPr>
+            <a:xfrm>
+              <a:off x="6632372" y="480871"/>
+              <a:ext cx="1905612" cy="369332"/>
+            </a:xfrm>
+            <a:prstGeom prst="rect">
+              <a:avLst/>
+            </a:prstGeom>
+            <a:solidFill>
+              <a:schemeClr val="bg1"/>
+            </a:solidFill>
+            <a:ln>
+              <a:solidFill>
+                <a:schemeClr val="tx1"/>
+              </a:solidFill>
+            </a:ln>
+          </p:spPr>
+          <p:txBody>
+            <a:bodyPr wrap="square" rtlCol="0">
+              <a:spAutoFit/>
+            </a:bodyPr>
+            <a:lstStyle/>
+            <a:p>
+              <a:r>
+                <a:rPr lang="de-DE" dirty="0"/>
+                <a:t>News and Events</a:t>
+              </a:r>
+            </a:p>
+          </p:txBody>
+        </p:sp>
+        <p:sp>
+          <p:nvSpPr>
+            <p:cNvPr id="35" name="Textfeld 34">
+              <a:extLst>
+                <a:ext uri="{FF2B5EF4-FFF2-40B4-BE49-F238E27FC236}">
+                  <a16:creationId xmlns:a16="http://schemas.microsoft.com/office/drawing/2014/main" id="{47F6846D-7B6F-4046-A079-CD7953FD8667}"/>
+                </a:ext>
+              </a:extLst>
+            </p:cNvPr>
+            <p:cNvSpPr txBox="1"/>
+            <p:nvPr/>
+          </p:nvSpPr>
+          <p:spPr>
+            <a:xfrm>
+              <a:off x="9335141" y="480871"/>
+              <a:ext cx="975370" cy="369332"/>
+            </a:xfrm>
+            <a:prstGeom prst="rect">
+              <a:avLst/>
+            </a:prstGeom>
+            <a:solidFill>
+              <a:schemeClr val="bg1"/>
+            </a:solidFill>
+            <a:ln>
+              <a:solidFill>
+                <a:schemeClr val="tx1"/>
+              </a:solidFill>
+            </a:ln>
+          </p:spPr>
+          <p:txBody>
+            <a:bodyPr wrap="square" rtlCol="0">
+              <a:spAutoFit/>
+            </a:bodyPr>
+            <a:lstStyle/>
+            <a:p>
+              <a:r>
+                <a:rPr lang="de-DE" dirty="0"/>
+                <a:t>About</a:t>
+              </a:r>
+            </a:p>
+          </p:txBody>
+        </p:sp>
+        <p:sp>
+          <p:nvSpPr>
+            <p:cNvPr id="36" name="Textfeld 35">
+              <a:extLst>
+                <a:ext uri="{FF2B5EF4-FFF2-40B4-BE49-F238E27FC236}">
+                  <a16:creationId xmlns:a16="http://schemas.microsoft.com/office/drawing/2014/main" id="{C1CBF2EB-1246-4E01-890A-071E3BCAE8F3}"/>
+                </a:ext>
+              </a:extLst>
+            </p:cNvPr>
+            <p:cNvSpPr txBox="1"/>
+            <p:nvPr/>
+          </p:nvSpPr>
+          <p:spPr>
+            <a:xfrm>
+              <a:off x="3151485" y="480871"/>
+              <a:ext cx="1736449" cy="369332"/>
+            </a:xfrm>
+            <a:prstGeom prst="rect">
+              <a:avLst/>
+            </a:prstGeom>
+            <a:solidFill>
+              <a:srgbClr val="C00000"/>
+            </a:solidFill>
+            <a:ln>
+              <a:solidFill>
+                <a:schemeClr val="tx1"/>
+              </a:solidFill>
+            </a:ln>
+          </p:spPr>
+          <p:txBody>
+            <a:bodyPr wrap="square" rtlCol="0">
+              <a:spAutoFit/>
+            </a:bodyPr>
+            <a:lstStyle/>
+            <a:p>
+              <a:r>
+                <a:rPr lang="de-DE" dirty="0" err="1"/>
+                <a:t>Specification</a:t>
+              </a:r>
+              <a:endParaRPr lang="de-DE" dirty="0"/>
+            </a:p>
+          </p:txBody>
+        </p:sp>
+        <p:sp>
+          <p:nvSpPr>
+            <p:cNvPr id="37" name="Textfeld 36">
+              <a:extLst>
+                <a:ext uri="{FF2B5EF4-FFF2-40B4-BE49-F238E27FC236}">
+                  <a16:creationId xmlns:a16="http://schemas.microsoft.com/office/drawing/2014/main" id="{8482F79B-C456-46B4-BEF6-F25BA14F880B}"/>
+                </a:ext>
+              </a:extLst>
+            </p:cNvPr>
+            <p:cNvSpPr txBox="1"/>
+            <p:nvPr/>
+          </p:nvSpPr>
+          <p:spPr>
+            <a:xfrm>
+              <a:off x="8537984" y="480871"/>
+              <a:ext cx="797157" cy="369332"/>
+            </a:xfrm>
+            <a:prstGeom prst="rect">
+              <a:avLst/>
+            </a:prstGeom>
+            <a:noFill/>
+            <a:ln>
+              <a:solidFill>
+                <a:schemeClr val="tx1"/>
+              </a:solidFill>
+            </a:ln>
+          </p:spPr>
+          <p:txBody>
+            <a:bodyPr wrap="square" rtlCol="0">
+              <a:spAutoFit/>
+            </a:bodyPr>
+            <a:lstStyle/>
+            <a:p>
+              <a:r>
+                <a:rPr lang="de-DE" dirty="0"/>
+                <a:t>FAQ</a:t>
+              </a:r>
+            </a:p>
+          </p:txBody>
+        </p:sp>
+        <p:sp>
+          <p:nvSpPr>
+            <p:cNvPr id="45" name="Textfeld 44">
+              <a:extLst>
+                <a:ext uri="{FF2B5EF4-FFF2-40B4-BE49-F238E27FC236}">
+                  <a16:creationId xmlns:a16="http://schemas.microsoft.com/office/drawing/2014/main" id="{5E4EFCF5-EE54-4B0C-8F85-5B8FB7D1634A}"/>
+                </a:ext>
+              </a:extLst>
+            </p:cNvPr>
+            <p:cNvSpPr txBox="1"/>
+            <p:nvPr/>
+          </p:nvSpPr>
+          <p:spPr>
+            <a:xfrm>
+              <a:off x="1684821" y="480871"/>
+              <a:ext cx="1477982" cy="369332"/>
+            </a:xfrm>
+            <a:prstGeom prst="rect">
+              <a:avLst/>
+            </a:prstGeom>
+            <a:noFill/>
+            <a:ln>
+              <a:solidFill>
+                <a:schemeClr val="tx1"/>
+              </a:solidFill>
+            </a:ln>
+          </p:spPr>
+          <p:txBody>
+            <a:bodyPr wrap="square" rtlCol="0">
+              <a:spAutoFit/>
+            </a:bodyPr>
+            <a:lstStyle/>
+            <a:p>
+              <a:r>
+                <a:rPr lang="de-DE" dirty="0" err="1"/>
+                <a:t>Introduction</a:t>
+              </a:r>
+              <a:endParaRPr lang="de-DE" dirty="0"/>
+            </a:p>
+          </p:txBody>
+        </p:sp>
+      </p:grpSp>
+      <p:grpSp>
+        <p:nvGrpSpPr>
+          <p:cNvPr id="24" name="Gruppieren 7">
+            <a:extLst>
+              <a:ext uri="{FF2B5EF4-FFF2-40B4-BE49-F238E27FC236}">
+                <a16:creationId xmlns:a16="http://schemas.microsoft.com/office/drawing/2014/main" id="{A49D6D6D-D5C6-4554-861C-717288779528}"/>
+              </a:ext>
+            </a:extLst>
+          </p:cNvPr>
+          <p:cNvGrpSpPr/>
+          <p:nvPr/>
+        </p:nvGrpSpPr>
+        <p:grpSpPr>
+          <a:xfrm>
+            <a:off x="393129" y="1933575"/>
+            <a:ext cx="11411862" cy="4051177"/>
+            <a:chOff x="392226" y="2438400"/>
+            <a:chExt cx="11411862" cy="4051177"/>
+          </a:xfrm>
+        </p:grpSpPr>
+        <p:sp>
+          <p:nvSpPr>
+            <p:cNvPr id="28" name="Rechteck 1">
+              <a:extLst>
+                <a:ext uri="{FF2B5EF4-FFF2-40B4-BE49-F238E27FC236}">
+                  <a16:creationId xmlns:a16="http://schemas.microsoft.com/office/drawing/2014/main" id="{C74F339A-E417-4A59-ACFE-B1560FFA775B}"/>
                 </a:ext>
               </a:extLst>
             </p:cNvPr>
@@ -5567,14 +5934,14 @@
           </p:nvSpPr>
           <p:spPr>
             <a:xfrm>
-              <a:off x="1698835" y="4312824"/>
-              <a:ext cx="2558705" cy="453967"/>
+              <a:off x="392227" y="2438400"/>
+              <a:ext cx="3552825" cy="1981200"/>
             </a:xfrm>
             <a:prstGeom prst="rect">
               <a:avLst/>
             </a:prstGeom>
             <a:solidFill>
-              <a:srgbClr val="C00000"/>
+              <a:schemeClr val="bg1"/>
             </a:solidFill>
             <a:ln>
               <a:solidFill>
@@ -5603,40 +5970,16 @@
             <a:lstStyle/>
             <a:p>
               <a:pPr algn="ctr"/>
-              <a:r>
-                <a:rPr lang="de-DE" dirty="0"/>
-                <a:t> link </a:t>
-              </a:r>
-              <a:r>
-                <a:rPr lang="de-DE" dirty="0" err="1"/>
-                <a:t>to</a:t>
-              </a:r>
-              <a:r>
-                <a:rPr lang="de-DE" dirty="0"/>
-                <a:t> </a:t>
-              </a:r>
-              <a:r>
-                <a:rPr lang="de-DE" dirty="0" err="1"/>
-                <a:t>beta</a:t>
-              </a:r>
-              <a:r>
-                <a:rPr lang="de-DE" dirty="0"/>
-                <a:t> </a:t>
-              </a:r>
-              <a:r>
-                <a:rPr lang="de-DE" dirty="0" err="1"/>
-                <a:t>specification</a:t>
-              </a:r>
               <a:endParaRPr lang="de-DE" dirty="0"/>
             </a:p>
           </p:txBody>
         </p:sp>
         <p:sp>
           <p:nvSpPr>
-            <p:cNvPr id="25" name="Rechteck 24">
+            <p:cNvPr id="29" name="Rechteck 20">
               <a:extLst>
                 <a:ext uri="{FF2B5EF4-FFF2-40B4-BE49-F238E27FC236}">
-                  <a16:creationId xmlns:a16="http://schemas.microsoft.com/office/drawing/2014/main" id="{72B35C7B-2B44-4CA7-ADE2-1B0D6C0DD422}"/>
+                  <a16:creationId xmlns:a16="http://schemas.microsoft.com/office/drawing/2014/main" id="{1C125254-E1BA-4BDA-BF9C-E7110471B9D7}"/>
                 </a:ext>
               </a:extLst>
             </p:cNvPr>
@@ -5645,14 +5988,14 @@
           </p:nvSpPr>
           <p:spPr>
             <a:xfrm>
-              <a:off x="1698836" y="2996769"/>
-              <a:ext cx="2558705" cy="453967"/>
+              <a:off x="4321745" y="2438400"/>
+              <a:ext cx="3552825" cy="1981200"/>
             </a:xfrm>
             <a:prstGeom prst="rect">
               <a:avLst/>
             </a:prstGeom>
             <a:solidFill>
-              <a:srgbClr val="C00000"/>
+              <a:schemeClr val="bg1"/>
             </a:solidFill>
             <a:ln>
               <a:solidFill>
@@ -5681,36 +6024,413 @@
             <a:lstStyle/>
             <a:p>
               <a:pPr algn="ctr"/>
-              <a:r>
-                <a:rPr lang="de-DE" dirty="0"/>
-                <a:t>Link </a:t>
-              </a:r>
-              <a:r>
-                <a:rPr lang="de-DE" dirty="0" err="1"/>
-                <a:t>to</a:t>
-              </a:r>
-              <a:r>
-                <a:rPr lang="de-DE" dirty="0"/>
+              <a:endParaRPr lang="de-DE"/>
+            </a:p>
+          </p:txBody>
+        </p:sp>
+        <p:sp>
+          <p:nvSpPr>
+            <p:cNvPr id="30" name="Rechteck 21">
+              <a:extLst>
+                <a:ext uri="{FF2B5EF4-FFF2-40B4-BE49-F238E27FC236}">
+                  <a16:creationId xmlns:a16="http://schemas.microsoft.com/office/drawing/2014/main" id="{C63A4EDE-2826-4D19-98F8-CC737ACA97FF}"/>
+                </a:ext>
+              </a:extLst>
+            </p:cNvPr>
+            <p:cNvSpPr/>
+            <p:nvPr/>
+          </p:nvSpPr>
+          <p:spPr>
+            <a:xfrm>
+              <a:off x="8251263" y="2438400"/>
+              <a:ext cx="3552825" cy="1981200"/>
+            </a:xfrm>
+            <a:prstGeom prst="rect">
+              <a:avLst/>
+            </a:prstGeom>
+            <a:noFill/>
+            <a:ln>
+              <a:solidFill>
+                <a:schemeClr val="tx1"/>
+              </a:solidFill>
+            </a:ln>
+          </p:spPr>
+          <p:style>
+            <a:lnRef idx="2">
+              <a:schemeClr val="accent1">
+                <a:shade val="50000"/>
+              </a:schemeClr>
+            </a:lnRef>
+            <a:fillRef idx="1">
+              <a:schemeClr val="accent1"/>
+            </a:fillRef>
+            <a:effectRef idx="0">
+              <a:schemeClr val="accent1"/>
+            </a:effectRef>
+            <a:fontRef idx="minor">
+              <a:schemeClr val="lt1"/>
+            </a:fontRef>
+          </p:style>
+          <p:txBody>
+            <a:bodyPr rtlCol="0" anchor="ctr"/>
+            <a:lstStyle/>
+            <a:p>
+              <a:pPr algn="ctr"/>
+              <a:endParaRPr lang="de-DE"/>
+            </a:p>
+          </p:txBody>
+        </p:sp>
+        <p:sp>
+          <p:nvSpPr>
+            <p:cNvPr id="38" name="Textfeld 3">
+              <a:extLst>
+                <a:ext uri="{FF2B5EF4-FFF2-40B4-BE49-F238E27FC236}">
+                  <a16:creationId xmlns:a16="http://schemas.microsoft.com/office/drawing/2014/main" id="{7099889C-6035-41BB-B23C-9EDAE7B10D5F}"/>
+                </a:ext>
+              </a:extLst>
+            </p:cNvPr>
+            <p:cNvSpPr txBox="1"/>
+            <p:nvPr/>
+          </p:nvSpPr>
+          <p:spPr>
+            <a:xfrm>
+              <a:off x="505513" y="2667000"/>
+              <a:ext cx="2793629" cy="523220"/>
+            </a:xfrm>
+            <a:prstGeom prst="rect">
+              <a:avLst/>
+            </a:prstGeom>
+            <a:noFill/>
+          </p:spPr>
+          <p:txBody>
+            <a:bodyPr wrap="square" rtlCol="0">
+              <a:spAutoFit/>
+            </a:bodyPr>
+            <a:lstStyle/>
+            <a:p>
+              <a:endParaRPr lang="de-DE" sz="2800" dirty="0">
+                <a:solidFill>
+                  <a:srgbClr val="C00000"/>
+                </a:solidFill>
+              </a:endParaRPr>
+            </a:p>
+          </p:txBody>
+        </p:sp>
+        <p:sp>
+          <p:nvSpPr>
+            <p:cNvPr id="44" name="Rechteck 25">
+              <a:extLst>
+                <a:ext uri="{FF2B5EF4-FFF2-40B4-BE49-F238E27FC236}">
+                  <a16:creationId xmlns:a16="http://schemas.microsoft.com/office/drawing/2014/main" id="{92487B9E-8AE7-4B76-832C-FB506193E274}"/>
+                </a:ext>
+              </a:extLst>
+            </p:cNvPr>
+            <p:cNvSpPr/>
+            <p:nvPr/>
+          </p:nvSpPr>
+          <p:spPr>
+            <a:xfrm>
+              <a:off x="392226" y="4508377"/>
+              <a:ext cx="3552825" cy="1981200"/>
+            </a:xfrm>
+            <a:prstGeom prst="rect">
+              <a:avLst/>
+            </a:prstGeom>
+            <a:noFill/>
+            <a:ln>
+              <a:solidFill>
+                <a:schemeClr val="tx1"/>
+              </a:solidFill>
+            </a:ln>
+          </p:spPr>
+          <p:style>
+            <a:lnRef idx="2">
+              <a:schemeClr val="accent1">
+                <a:shade val="50000"/>
+              </a:schemeClr>
+            </a:lnRef>
+            <a:fillRef idx="1">
+              <a:schemeClr val="accent1"/>
+            </a:fillRef>
+            <a:effectRef idx="0">
+              <a:schemeClr val="accent1"/>
+            </a:effectRef>
+            <a:fontRef idx="minor">
+              <a:schemeClr val="lt1"/>
+            </a:fontRef>
+          </p:style>
+          <p:txBody>
+            <a:bodyPr rtlCol="0" anchor="ctr"/>
+            <a:lstStyle/>
+            <a:p>
+              <a:pPr algn="ctr"/>
+              <a:endParaRPr lang="de-DE" dirty="0"/>
+            </a:p>
+          </p:txBody>
+        </p:sp>
+        <p:sp>
+          <p:nvSpPr>
+            <p:cNvPr id="46" name="Textfeld 27">
+              <a:extLst>
+                <a:ext uri="{FF2B5EF4-FFF2-40B4-BE49-F238E27FC236}">
+                  <a16:creationId xmlns:a16="http://schemas.microsoft.com/office/drawing/2014/main" id="{FC0B8926-18F3-4F20-A56A-21171D88F254}"/>
+                </a:ext>
+              </a:extLst>
+            </p:cNvPr>
+            <p:cNvSpPr txBox="1"/>
+            <p:nvPr/>
+          </p:nvSpPr>
+          <p:spPr>
+            <a:xfrm>
+              <a:off x="8281187" y="2454573"/>
+              <a:ext cx="2961242" cy="1815882"/>
+            </a:xfrm>
+            <a:prstGeom prst="rect">
+              <a:avLst/>
+            </a:prstGeom>
+            <a:noFill/>
+          </p:spPr>
+          <p:txBody>
+            <a:bodyPr wrap="square" rtlCol="0">
+              <a:spAutoFit/>
+            </a:bodyPr>
+            <a:lstStyle/>
+            <a:p>
+              <a:r>
+                <a:rPr lang="en-US" sz="2800" dirty="0">
+                  <a:solidFill>
+                    <a:srgbClr val="C00000"/>
+                  </a:solidFill>
+                </a:rPr>
+                <a:t>Reporting specification issues and new feature proposals</a:t>
+              </a:r>
+              <a:endParaRPr lang="de-DE" sz="2800" dirty="0">
+                <a:solidFill>
+                  <a:srgbClr val="C00000"/>
+                </a:solidFill>
+              </a:endParaRPr>
+            </a:p>
+          </p:txBody>
+        </p:sp>
+        <p:sp>
+          <p:nvSpPr>
+            <p:cNvPr id="47" name="Rechteck 28">
+              <a:extLst>
+                <a:ext uri="{FF2B5EF4-FFF2-40B4-BE49-F238E27FC236}">
+                  <a16:creationId xmlns:a16="http://schemas.microsoft.com/office/drawing/2014/main" id="{6439E24F-5637-4B90-B588-5801B4C0B58C}"/>
+                </a:ext>
+              </a:extLst>
+            </p:cNvPr>
+            <p:cNvSpPr/>
+            <p:nvPr/>
+          </p:nvSpPr>
+          <p:spPr>
+            <a:xfrm>
+              <a:off x="4317688" y="4508377"/>
+              <a:ext cx="3552825" cy="1981200"/>
+            </a:xfrm>
+            <a:prstGeom prst="rect">
+              <a:avLst/>
+            </a:prstGeom>
+            <a:noFill/>
+            <a:ln>
+              <a:solidFill>
+                <a:schemeClr val="tx1"/>
+              </a:solidFill>
+            </a:ln>
+          </p:spPr>
+          <p:style>
+            <a:lnRef idx="2">
+              <a:schemeClr val="accent1">
+                <a:shade val="50000"/>
+              </a:schemeClr>
+            </a:lnRef>
+            <a:fillRef idx="1">
+              <a:schemeClr val="accent1"/>
+            </a:fillRef>
+            <a:effectRef idx="0">
+              <a:schemeClr val="accent1"/>
+            </a:effectRef>
+            <a:fontRef idx="minor">
+              <a:schemeClr val="lt1"/>
+            </a:fontRef>
+          </p:style>
+          <p:txBody>
+            <a:bodyPr rtlCol="0" anchor="ctr"/>
+            <a:lstStyle/>
+            <a:p>
+              <a:pPr algn="ctr"/>
+              <a:endParaRPr lang="de-DE" dirty="0"/>
+            </a:p>
+          </p:txBody>
+        </p:sp>
+        <p:sp>
+          <p:nvSpPr>
+            <p:cNvPr id="48" name="Textfeld 2">
+              <a:extLst>
+                <a:ext uri="{FF2B5EF4-FFF2-40B4-BE49-F238E27FC236}">
+                  <a16:creationId xmlns:a16="http://schemas.microsoft.com/office/drawing/2014/main" id="{BC94B7E2-ABFB-452A-BBA0-CEA1559E82BE}"/>
+                </a:ext>
+              </a:extLst>
+            </p:cNvPr>
+            <p:cNvSpPr txBox="1"/>
+            <p:nvPr/>
+          </p:nvSpPr>
+          <p:spPr>
+            <a:xfrm>
+              <a:off x="4371001" y="4462047"/>
+              <a:ext cx="3038337" cy="954107"/>
+            </a:xfrm>
+            <a:prstGeom prst="rect">
+              <a:avLst/>
+            </a:prstGeom>
+            <a:noFill/>
+          </p:spPr>
+          <p:txBody>
+            <a:bodyPr wrap="square" rtlCol="0">
+              <a:spAutoFit/>
+            </a:bodyPr>
+            <a:lstStyle/>
+            <a:p>
+              <a:r>
+                <a:rPr lang="de-DE" sz="2800" dirty="0" err="1" smtClean="0">
+                  <a:solidFill>
+                    <a:srgbClr val="C00000"/>
+                  </a:solidFill>
+                </a:rPr>
+                <a:t>Candidate</a:t>
+              </a:r>
+              <a:r>
+                <a:rPr lang="de-DE" sz="2800" dirty="0" err="1">
+                  <a:solidFill>
+                    <a:srgbClr val="C00000"/>
+                  </a:solidFill>
+                </a:rPr>
+                <a:t>-</a:t>
+              </a:r>
+              <a:r>
+                <a:rPr lang="de-DE" sz="2800" dirty="0" err="1" smtClean="0">
+                  <a:solidFill>
+                    <a:srgbClr val="C00000"/>
+                  </a:solidFill>
+                </a:rPr>
+                <a:t>drafts</a:t>
+              </a:r>
+              <a:r>
+                <a:rPr lang="de-DE" sz="2800" dirty="0" smtClean="0">
+                  <a:solidFill>
+                    <a:srgbClr val="C00000"/>
+                  </a:solidFill>
+                </a:rPr>
                 <a:t> </a:t>
               </a:r>
               <a:r>
-                <a:rPr lang="de-DE" dirty="0" err="1"/>
-                <a:t>current</a:t>
-              </a:r>
-              <a:r>
-                <a:rPr lang="de-DE" dirty="0"/>
-                <a:t> release</a:t>
-              </a:r>
+                <a:rPr lang="de-DE" sz="2800" dirty="0" err="1" smtClean="0">
+                  <a:solidFill>
+                    <a:srgbClr val="C00000"/>
+                  </a:solidFill>
+                </a:rPr>
+                <a:t>of</a:t>
+              </a:r>
+              <a:r>
+                <a:rPr lang="de-DE" sz="2800" dirty="0" smtClean="0">
+                  <a:solidFill>
+                    <a:srgbClr val="C00000"/>
+                  </a:solidFill>
+                </a:rPr>
+                <a:t> </a:t>
+              </a:r>
+              <a:r>
+                <a:rPr lang="de-DE" sz="2800" dirty="0" err="1" smtClean="0">
+                  <a:solidFill>
+                    <a:srgbClr val="C00000"/>
+                  </a:solidFill>
+                </a:rPr>
+                <a:t>next</a:t>
+              </a:r>
+              <a:r>
+                <a:rPr lang="de-DE" sz="2800" dirty="0" smtClean="0">
+                  <a:solidFill>
+                    <a:srgbClr val="C00000"/>
+                  </a:solidFill>
+                </a:rPr>
+                <a:t> </a:t>
+              </a:r>
+              <a:r>
+                <a:rPr lang="de-DE" sz="2800" dirty="0" err="1" smtClean="0">
+                  <a:solidFill>
+                    <a:srgbClr val="C00000"/>
+                  </a:solidFill>
+                </a:rPr>
+                <a:t>release</a:t>
+              </a:r>
+              <a:endParaRPr lang="de-DE" sz="2800" dirty="0">
+                <a:solidFill>
+                  <a:srgbClr val="C00000"/>
+                </a:solidFill>
+              </a:endParaRPr>
+            </a:p>
+          </p:txBody>
+        </p:sp>
+        <p:sp>
+          <p:nvSpPr>
+            <p:cNvPr id="49" name="Rechteck 29">
+              <a:extLst>
+                <a:ext uri="{FF2B5EF4-FFF2-40B4-BE49-F238E27FC236}">
+                  <a16:creationId xmlns:a16="http://schemas.microsoft.com/office/drawing/2014/main" id="{2BEE4F48-795E-4CAB-8AB4-2E5C9AA4B472}"/>
+                </a:ext>
+              </a:extLst>
+            </p:cNvPr>
+            <p:cNvSpPr/>
+            <p:nvPr/>
+          </p:nvSpPr>
+          <p:spPr>
+            <a:xfrm>
+              <a:off x="8242641" y="4501904"/>
+              <a:ext cx="3552825" cy="1981200"/>
+            </a:xfrm>
+            <a:prstGeom prst="rect">
+              <a:avLst/>
+            </a:prstGeom>
+            <a:noFill/>
+            <a:ln>
+              <a:solidFill>
+                <a:schemeClr val="tx1"/>
+              </a:solidFill>
+            </a:ln>
+          </p:spPr>
+          <p:style>
+            <a:lnRef idx="2">
+              <a:schemeClr val="accent1">
+                <a:shade val="50000"/>
+              </a:schemeClr>
+            </a:lnRef>
+            <a:fillRef idx="1">
+              <a:schemeClr val="accent1"/>
+            </a:fillRef>
+            <a:effectRef idx="0">
+              <a:schemeClr val="accent1"/>
+            </a:effectRef>
+            <a:fontRef idx="minor">
+              <a:schemeClr val="lt1"/>
+            </a:fontRef>
+          </p:style>
+          <p:txBody>
+            <a:bodyPr rtlCol="0" anchor="ctr"/>
+            <a:lstStyle/>
+            <a:p>
+              <a:pPr algn="ctr"/>
+              <a:endParaRPr lang="de-DE" dirty="0"/>
             </a:p>
           </p:txBody>
         </p:sp>
       </p:grpSp>
       <p:sp>
         <p:nvSpPr>
-          <p:cNvPr id="10" name="Textfeld 9">
+          <p:cNvPr id="51" name="Textfeld 27">
             <a:extLst>
               <a:ext uri="{FF2B5EF4-FFF2-40B4-BE49-F238E27FC236}">
-                <a16:creationId xmlns:a16="http://schemas.microsoft.com/office/drawing/2014/main" id="{B90F4755-101B-492E-B759-AFC1192324C2}"/>
+                <a16:creationId xmlns:a16="http://schemas.microsoft.com/office/drawing/2014/main" id="{FC0B8926-18F3-4F20-A56A-21171D88F254}"/>
               </a:ext>
             </a:extLst>
           </p:cNvPr>
@@ -5719,8 +6439,8 @@
         </p:nvSpPr>
         <p:spPr>
           <a:xfrm>
-            <a:off x="1567135" y="5338214"/>
-            <a:ext cx="4572000" cy="523220"/>
+            <a:off x="397724" y="3957222"/>
+            <a:ext cx="2961242" cy="954107"/>
           </a:xfrm>
           <a:prstGeom prst="rect">
             <a:avLst/>
@@ -5734,28 +6454,12 @@
           <a:lstStyle/>
           <a:p>
             <a:r>
-              <a:rPr lang="de-DE" sz="2800" dirty="0" err="1">
+              <a:rPr lang="en-US" sz="2800" dirty="0" smtClean="0">
                 <a:solidFill>
                   <a:srgbClr val="C00000"/>
                 </a:solidFill>
               </a:rPr>
-              <a:t>Previous</a:t>
-            </a:r>
-            <a:r>
-              <a:rPr lang="de-DE" sz="2800" dirty="0">
-                <a:solidFill>
-                  <a:srgbClr val="C00000"/>
-                </a:solidFill>
-              </a:rPr>
-              <a:t> </a:t>
-            </a:r>
-            <a:r>
-              <a:rPr lang="de-DE" sz="2800" dirty="0" err="1">
-                <a:solidFill>
-                  <a:srgbClr val="C00000"/>
-                </a:solidFill>
-              </a:rPr>
-              <a:t>versions</a:t>
+              <a:t>Current stable releases</a:t>
             </a:r>
             <a:endParaRPr lang="de-DE" sz="2800" dirty="0">
               <a:solidFill>
@@ -5767,10 +6471,10 @@
       </p:sp>
       <p:sp>
         <p:nvSpPr>
-          <p:cNvPr id="2" name="Textfeld 1">
+          <p:cNvPr id="52" name="Textfeld 2">
             <a:extLst>
               <a:ext uri="{FF2B5EF4-FFF2-40B4-BE49-F238E27FC236}">
-                <a16:creationId xmlns:a16="http://schemas.microsoft.com/office/drawing/2014/main" id="{2129376D-2A11-48BE-A2C9-8D62751C8656}"/>
+                <a16:creationId xmlns:a16="http://schemas.microsoft.com/office/drawing/2014/main" id="{BC94B7E2-ABFB-452A-BBA0-CEA1559E82BE}"/>
               </a:ext>
             </a:extLst>
           </p:cNvPr>
@@ -5779,8 +6483,8 @@
         </p:nvSpPr>
         <p:spPr>
           <a:xfrm>
-            <a:off x="1524226" y="5861434"/>
-            <a:ext cx="5610225" cy="369332"/>
+            <a:off x="8243543" y="3997079"/>
+            <a:ext cx="3038337" cy="523220"/>
           </a:xfrm>
           <a:prstGeom prst="rect">
             <a:avLst/>
@@ -5794,63 +6498,51 @@
           <a:lstStyle/>
           <a:p>
             <a:r>
-              <a:rPr lang="de-DE" dirty="0"/>
-              <a:t>Other </a:t>
-            </a:r>
-            <a:r>
-              <a:rPr lang="de-DE" dirty="0" err="1"/>
-              <a:t>downloads</a:t>
-            </a:r>
-            <a:r>
-              <a:rPr lang="de-DE" dirty="0"/>
+              <a:rPr lang="de-DE" sz="2800" dirty="0" smtClean="0">
+                <a:solidFill>
+                  <a:srgbClr val="C00000"/>
+                </a:solidFill>
+              </a:rPr>
+              <a:t>Old </a:t>
+            </a:r>
+            <a:r>
+              <a:rPr lang="de-DE" sz="2800" dirty="0" err="1" smtClean="0">
+                <a:solidFill>
+                  <a:srgbClr val="C00000"/>
+                </a:solidFill>
+              </a:rPr>
+              <a:t>stable</a:t>
+            </a:r>
+            <a:r>
+              <a:rPr lang="de-DE" sz="2800" dirty="0" smtClean="0">
+                <a:solidFill>
+                  <a:srgbClr val="C00000"/>
+                </a:solidFill>
+              </a:rPr>
               <a:t> </a:t>
             </a:r>
             <a:r>
-              <a:rPr lang="de-DE" dirty="0" err="1"/>
-              <a:t>can</a:t>
-            </a:r>
-            <a:r>
-              <a:rPr lang="de-DE" dirty="0"/>
-              <a:t> </a:t>
-            </a:r>
-            <a:r>
-              <a:rPr lang="de-DE" dirty="0" err="1"/>
-              <a:t>be</a:t>
-            </a:r>
-            <a:r>
-              <a:rPr lang="de-DE" dirty="0"/>
-              <a:t> </a:t>
-            </a:r>
-            <a:r>
-              <a:rPr lang="de-DE" dirty="0" err="1"/>
-              <a:t>found</a:t>
-            </a:r>
-            <a:r>
-              <a:rPr lang="de-DE" dirty="0"/>
-              <a:t> in </a:t>
-            </a:r>
-            <a:r>
-              <a:rPr lang="de-DE" dirty="0" err="1"/>
-              <a:t>resources</a:t>
-            </a:r>
-            <a:r>
-              <a:rPr lang="de-DE" dirty="0"/>
-              <a:t> </a:t>
-            </a:r>
-            <a:r>
-              <a:rPr lang="de-DE" dirty="0" err="1"/>
-              <a:t>sdk</a:t>
-            </a:r>
-            <a:endParaRPr lang="de-DE" dirty="0"/>
+              <a:rPr lang="de-DE" sz="2800" dirty="0" err="1" smtClean="0">
+                <a:solidFill>
+                  <a:srgbClr val="C00000"/>
+                </a:solidFill>
+              </a:rPr>
+              <a:t>releases</a:t>
+            </a:r>
+            <a:endParaRPr lang="de-DE" sz="2800" dirty="0">
+              <a:solidFill>
+                <a:srgbClr val="C00000"/>
+              </a:solidFill>
+            </a:endParaRPr>
           </a:p>
         </p:txBody>
       </p:sp>
       <p:sp>
         <p:nvSpPr>
-          <p:cNvPr id="3" name="Textfeld 2">
+          <p:cNvPr id="53" name="Textfeld 27">
             <a:extLst>
               <a:ext uri="{FF2B5EF4-FFF2-40B4-BE49-F238E27FC236}">
-                <a16:creationId xmlns:a16="http://schemas.microsoft.com/office/drawing/2014/main" id="{6043113D-0852-4CE6-86B9-F6B67210F836}"/>
+                <a16:creationId xmlns:a16="http://schemas.microsoft.com/office/drawing/2014/main" id="{FC0B8926-18F3-4F20-A56A-21171D88F254}"/>
               </a:ext>
             </a:extLst>
           </p:cNvPr>
@@ -5859,8 +6551,8 @@
         </p:nvSpPr>
         <p:spPr>
           <a:xfrm>
-            <a:off x="1565260" y="4613408"/>
-            <a:ext cx="6038850" cy="369332"/>
+            <a:off x="506416" y="2007973"/>
+            <a:ext cx="2961242" cy="523220"/>
           </a:xfrm>
           <a:prstGeom prst="rect">
             <a:avLst/>
@@ -5874,100 +6566,27 @@
           <a:lstStyle/>
           <a:p>
             <a:r>
-              <a:rPr lang="de-DE" dirty="0" err="1"/>
-              <a:t>Specification</a:t>
-            </a:r>
-            <a:r>
-              <a:rPr lang="de-DE" dirty="0"/>
-              <a:t> </a:t>
-            </a:r>
-            <a:r>
-              <a:rPr lang="de-DE" dirty="0" err="1"/>
-              <a:t>issues</a:t>
-            </a:r>
-            <a:r>
-              <a:rPr lang="de-DE" dirty="0"/>
-              <a:t> </a:t>
-            </a:r>
-            <a:r>
-              <a:rPr lang="de-DE" dirty="0" err="1"/>
-              <a:t>can</a:t>
-            </a:r>
-            <a:r>
-              <a:rPr lang="de-DE" dirty="0"/>
-              <a:t> </a:t>
-            </a:r>
-            <a:r>
-              <a:rPr lang="de-DE" dirty="0" err="1"/>
-              <a:t>be</a:t>
-            </a:r>
-            <a:r>
-              <a:rPr lang="de-DE" dirty="0"/>
-              <a:t> </a:t>
-            </a:r>
-            <a:r>
-              <a:rPr lang="de-DE" dirty="0" err="1"/>
-              <a:t>reported</a:t>
-            </a:r>
-            <a:r>
-              <a:rPr lang="de-DE" dirty="0"/>
-              <a:t> </a:t>
-            </a:r>
-            <a:r>
-              <a:rPr lang="de-DE" dirty="0" err="1"/>
-              <a:t>here</a:t>
-            </a:r>
-            <a:r>
-              <a:rPr lang="de-DE" dirty="0"/>
-              <a:t> (</a:t>
-            </a:r>
-            <a:r>
-              <a:rPr lang="de-DE" dirty="0">
+              <a:rPr lang="en-US" sz="2800" dirty="0" smtClean="0">
                 <a:solidFill>
-                  <a:schemeClr val="accent5">
-                    <a:lumMod val="75000"/>
-                  </a:schemeClr>
+                  <a:srgbClr val="C00000"/>
                 </a:solidFill>
               </a:rPr>
-              <a:t>link</a:t>
-            </a:r>
-            <a:r>
-              <a:rPr lang="de-DE" dirty="0"/>
-              <a:t> </a:t>
-            </a:r>
-            <a:r>
-              <a:rPr lang="de-DE" dirty="0" err="1"/>
-              <a:t>to</a:t>
-            </a:r>
-            <a:r>
-              <a:rPr lang="de-DE" dirty="0"/>
-              <a:t> </a:t>
-            </a:r>
-            <a:r>
-              <a:rPr lang="de-DE" dirty="0" err="1"/>
-              <a:t>github</a:t>
-            </a:r>
-            <a:r>
-              <a:rPr lang="de-DE" dirty="0"/>
-              <a:t> </a:t>
-            </a:r>
-            <a:r>
-              <a:rPr lang="de-DE" dirty="0" err="1"/>
-              <a:t>issues</a:t>
-            </a:r>
-            <a:r>
-              <a:rPr lang="de-DE" dirty="0"/>
-              <a:t>)</a:t>
-            </a:r>
+              <a:t>Overview</a:t>
+            </a:r>
+            <a:endParaRPr lang="de-DE" sz="2800" dirty="0">
+              <a:solidFill>
+                <a:srgbClr val="C00000"/>
+              </a:solidFill>
+            </a:endParaRPr>
           </a:p>
         </p:txBody>
       </p:sp>
       <p:sp>
         <p:nvSpPr>
-          <p:cNvPr id="23" name="Textfeld 22">
+          <p:cNvPr id="54" name="Textfeld 2">
             <a:extLst>
               <a:ext uri="{FF2B5EF4-FFF2-40B4-BE49-F238E27FC236}">
-                <a16:creationId xmlns:a16="http://schemas.microsoft.com/office/drawing/2014/main" id="{1A107F13-74A7-400E-A5A4-C86E034F2014}"/>
+                <a16:creationId xmlns:a16="http://schemas.microsoft.com/office/drawing/2014/main" id="{BC94B7E2-ABFB-452A-BBA0-CEA1559E82BE}"/>
               </a:ext>
             </a:extLst>
           </p:cNvPr>
@@ -5976,8 +6595,8 @@
         </p:nvSpPr>
         <p:spPr>
           <a:xfrm>
-            <a:off x="1567135" y="3253774"/>
-            <a:ext cx="4572000" cy="400110"/>
+            <a:off x="4318591" y="1949834"/>
+            <a:ext cx="3038337" cy="954107"/>
           </a:xfrm>
           <a:prstGeom prst="rect">
             <a:avLst/>
@@ -5991,15 +6610,23 @@
           <a:lstStyle/>
           <a:p>
             <a:r>
-              <a:rPr lang="de-DE" sz="2000" dirty="0" err="1">
+              <a:rPr lang="de-DE" sz="2800" dirty="0" smtClean="0">
                 <a:solidFill>
                   <a:srgbClr val="C00000"/>
                 </a:solidFill>
               </a:rPr>
-              <a:t>Latest</a:t>
-            </a:r>
-            <a:r>
-              <a:rPr lang="de-DE" sz="2000" dirty="0">
+              <a:t>Release </a:t>
+            </a:r>
+            <a:r>
+              <a:rPr lang="de-DE" sz="2800" dirty="0" err="1" smtClean="0">
+                <a:solidFill>
+                  <a:srgbClr val="C00000"/>
+                </a:solidFill>
+              </a:rPr>
+              <a:t>cycle</a:t>
+            </a:r>
+            <a:r>
+              <a:rPr lang="de-DE" sz="2800" dirty="0" smtClean="0">
                 <a:solidFill>
                   <a:srgbClr val="C00000"/>
                 </a:solidFill>
@@ -6007,15 +6634,15 @@
               <a:t> </a:t>
             </a:r>
             <a:r>
-              <a:rPr lang="de-DE" sz="2000" dirty="0" err="1">
+              <a:rPr lang="de-DE" sz="2800" dirty="0" err="1" smtClean="0">
                 <a:solidFill>
                   <a:srgbClr val="C00000"/>
                 </a:solidFill>
               </a:rPr>
-              <a:t>development</a:t>
-            </a:r>
-            <a:r>
-              <a:rPr lang="de-DE" sz="2000" dirty="0">
+              <a:t>and</a:t>
+            </a:r>
+            <a:r>
+              <a:rPr lang="de-DE" sz="2800" dirty="0" smtClean="0">
                 <a:solidFill>
                   <a:srgbClr val="C00000"/>
                 </a:solidFill>
@@ -6023,14 +6650,14 @@
               <a:t> </a:t>
             </a:r>
             <a:r>
-              <a:rPr lang="de-DE" sz="2000" dirty="0" err="1">
+              <a:rPr lang="de-DE" sz="2800" dirty="0" err="1" smtClean="0">
                 <a:solidFill>
                   <a:srgbClr val="C00000"/>
                 </a:solidFill>
               </a:rPr>
-              <a:t>build</a:t>
-            </a:r>
-            <a:endParaRPr lang="de-DE" sz="2000" dirty="0">
+              <a:t>schedule</a:t>
+            </a:r>
+            <a:endParaRPr lang="de-DE" sz="2800" dirty="0">
               <a:solidFill>
                 <a:srgbClr val="C00000"/>
               </a:solidFill>
@@ -6038,420 +6665,6 @@
           </a:p>
         </p:txBody>
       </p:sp>
-      <p:grpSp>
-        <p:nvGrpSpPr>
-          <p:cNvPr id="21" name="Gruppieren 20">
-            <a:extLst>
-              <a:ext uri="{FF2B5EF4-FFF2-40B4-BE49-F238E27FC236}">
-                <a16:creationId xmlns:a16="http://schemas.microsoft.com/office/drawing/2014/main" id="{4AFB3734-87FC-4D67-BE0A-B2364179B0BD}"/>
-              </a:ext>
-            </a:extLst>
-          </p:cNvPr>
-          <p:cNvGrpSpPr/>
-          <p:nvPr/>
-        </p:nvGrpSpPr>
-        <p:grpSpPr>
-          <a:xfrm>
-            <a:off x="441651" y="364538"/>
-            <a:ext cx="11394450" cy="601997"/>
-            <a:chOff x="441651" y="364538"/>
-            <a:chExt cx="11394450" cy="601997"/>
-          </a:xfrm>
-        </p:grpSpPr>
-        <p:pic>
-          <p:nvPicPr>
-            <p:cNvPr id="26" name="Grafik 25">
-              <a:extLst>
-                <a:ext uri="{FF2B5EF4-FFF2-40B4-BE49-F238E27FC236}">
-                  <a16:creationId xmlns:a16="http://schemas.microsoft.com/office/drawing/2014/main" id="{971C55E3-C3BC-486F-937A-99CE2D611E7A}"/>
-                </a:ext>
-              </a:extLst>
-            </p:cNvPr>
-            <p:cNvPicPr>
-              <a:picLocks noChangeAspect="1"/>
-            </p:cNvPicPr>
-            <p:nvPr/>
-          </p:nvPicPr>
-          <p:blipFill rotWithShape="1">
-            <a:blip r:embed="rId2">
-              <a:extLst>
-                <a:ext uri="{28A0092B-C50C-407E-A947-70E740481C1C}">
-                  <a14:useLocalDpi xmlns:a14="http://schemas.microsoft.com/office/drawing/2010/main" val="0"/>
-                </a:ext>
-              </a:extLst>
-            </a:blip>
-            <a:srcRect r="60746"/>
-            <a:stretch/>
-          </p:blipFill>
-          <p:spPr>
-            <a:xfrm>
-              <a:off x="441651" y="364538"/>
-              <a:ext cx="986688" cy="601997"/>
-            </a:xfrm>
-            <a:prstGeom prst="rect">
-              <a:avLst/>
-            </a:prstGeom>
-          </p:spPr>
-        </p:pic>
-        <p:pic>
-          <p:nvPicPr>
-            <p:cNvPr id="27" name="Grafik 26">
-              <a:extLst>
-                <a:ext uri="{FF2B5EF4-FFF2-40B4-BE49-F238E27FC236}">
-                  <a16:creationId xmlns:a16="http://schemas.microsoft.com/office/drawing/2014/main" id="{9340CE5E-9219-4906-A6E1-0920F0F39436}"/>
-                </a:ext>
-              </a:extLst>
-            </p:cNvPr>
-            <p:cNvPicPr>
-              <a:picLocks noChangeAspect="1"/>
-            </p:cNvPicPr>
-            <p:nvPr/>
-          </p:nvPicPr>
-          <p:blipFill>
-            <a:blip r:embed="rId3">
-              <a:extLst>
-                <a:ext uri="{28A0092B-C50C-407E-A947-70E740481C1C}">
-                  <a14:useLocalDpi xmlns:a14="http://schemas.microsoft.com/office/drawing/2010/main" val="0"/>
-                </a:ext>
-              </a:extLst>
-            </a:blip>
-            <a:stretch>
-              <a:fillRect/>
-            </a:stretch>
-          </p:blipFill>
-          <p:spPr>
-            <a:xfrm>
-              <a:off x="10849413" y="364538"/>
-              <a:ext cx="986688" cy="469401"/>
-            </a:xfrm>
-            <a:prstGeom prst="rect">
-              <a:avLst/>
-            </a:prstGeom>
-          </p:spPr>
-        </p:pic>
-        <p:pic>
-          <p:nvPicPr>
-            <p:cNvPr id="31" name="Grafik 30">
-              <a:extLst>
-                <a:ext uri="{FF2B5EF4-FFF2-40B4-BE49-F238E27FC236}">
-                  <a16:creationId xmlns:a16="http://schemas.microsoft.com/office/drawing/2014/main" id="{2E4A886F-C0B5-4F39-B395-5EFBDB883E64}"/>
-                </a:ext>
-              </a:extLst>
-            </p:cNvPr>
-            <p:cNvPicPr>
-              <a:picLocks noChangeAspect="1"/>
-            </p:cNvPicPr>
-            <p:nvPr/>
-          </p:nvPicPr>
-          <p:blipFill>
-            <a:blip r:embed="rId4"/>
-            <a:stretch>
-              <a:fillRect/>
-            </a:stretch>
-          </p:blipFill>
-          <p:spPr>
-            <a:xfrm>
-              <a:off x="10367387" y="439868"/>
-              <a:ext cx="396274" cy="426757"/>
-            </a:xfrm>
-            <a:prstGeom prst="rect">
-              <a:avLst/>
-            </a:prstGeom>
-          </p:spPr>
-        </p:pic>
-        <p:sp>
-          <p:nvSpPr>
-            <p:cNvPr id="32" name="Textfeld 31">
-              <a:extLst>
-                <a:ext uri="{FF2B5EF4-FFF2-40B4-BE49-F238E27FC236}">
-                  <a16:creationId xmlns:a16="http://schemas.microsoft.com/office/drawing/2014/main" id="{D4B15484-D442-4794-8CAF-20F7FA199E8A}"/>
-                </a:ext>
-              </a:extLst>
-            </p:cNvPr>
-            <p:cNvSpPr txBox="1"/>
-            <p:nvPr/>
-          </p:nvSpPr>
-          <p:spPr>
-            <a:xfrm>
-              <a:off x="4888724" y="480871"/>
-              <a:ext cx="946491" cy="369332"/>
-            </a:xfrm>
-            <a:prstGeom prst="rect">
-              <a:avLst/>
-            </a:prstGeom>
-            <a:solidFill>
-              <a:schemeClr val="bg1"/>
-            </a:solidFill>
-            <a:ln>
-              <a:solidFill>
-                <a:schemeClr val="tx1"/>
-              </a:solidFill>
-            </a:ln>
-          </p:spPr>
-          <p:txBody>
-            <a:bodyPr wrap="square" rtlCol="0">
-              <a:spAutoFit/>
-            </a:bodyPr>
-            <a:lstStyle/>
-            <a:p>
-              <a:r>
-                <a:rPr lang="de-DE" dirty="0"/>
-                <a:t>Tools</a:t>
-              </a:r>
-            </a:p>
-          </p:txBody>
-        </p:sp>
-        <p:sp>
-          <p:nvSpPr>
-            <p:cNvPr id="33" name="Textfeld 32">
-              <a:extLst>
-                <a:ext uri="{FF2B5EF4-FFF2-40B4-BE49-F238E27FC236}">
-                  <a16:creationId xmlns:a16="http://schemas.microsoft.com/office/drawing/2014/main" id="{BFCAF835-3C0F-4EE8-A5B8-58C230B0E615}"/>
-                </a:ext>
-              </a:extLst>
-            </p:cNvPr>
-            <p:cNvSpPr txBox="1"/>
-            <p:nvPr/>
-          </p:nvSpPr>
-          <p:spPr>
-            <a:xfrm>
-              <a:off x="5521569" y="480871"/>
-              <a:ext cx="1266093" cy="369332"/>
-            </a:xfrm>
-            <a:prstGeom prst="rect">
-              <a:avLst/>
-            </a:prstGeom>
-            <a:solidFill>
-              <a:schemeClr val="bg1"/>
-            </a:solidFill>
-            <a:ln>
-              <a:solidFill>
-                <a:schemeClr val="tx1"/>
-              </a:solidFill>
-            </a:ln>
-          </p:spPr>
-          <p:txBody>
-            <a:bodyPr wrap="square" rtlCol="0">
-              <a:spAutoFit/>
-            </a:bodyPr>
-            <a:lstStyle/>
-            <a:p>
-              <a:r>
-                <a:rPr lang="de-DE" dirty="0"/>
-                <a:t>Resources</a:t>
-              </a:r>
-            </a:p>
-          </p:txBody>
-        </p:sp>
-        <p:sp>
-          <p:nvSpPr>
-            <p:cNvPr id="34" name="Textfeld 33">
-              <a:extLst>
-                <a:ext uri="{FF2B5EF4-FFF2-40B4-BE49-F238E27FC236}">
-                  <a16:creationId xmlns:a16="http://schemas.microsoft.com/office/drawing/2014/main" id="{C8EA2BBE-7880-4DB3-8746-7B0237D4C861}"/>
-                </a:ext>
-              </a:extLst>
-            </p:cNvPr>
-            <p:cNvSpPr txBox="1"/>
-            <p:nvPr/>
-          </p:nvSpPr>
-          <p:spPr>
-            <a:xfrm>
-              <a:off x="6632372" y="480871"/>
-              <a:ext cx="1905612" cy="369332"/>
-            </a:xfrm>
-            <a:prstGeom prst="rect">
-              <a:avLst/>
-            </a:prstGeom>
-            <a:solidFill>
-              <a:schemeClr val="bg1"/>
-            </a:solidFill>
-            <a:ln>
-              <a:solidFill>
-                <a:schemeClr val="tx1"/>
-              </a:solidFill>
-            </a:ln>
-          </p:spPr>
-          <p:txBody>
-            <a:bodyPr wrap="square" rtlCol="0">
-              <a:spAutoFit/>
-            </a:bodyPr>
-            <a:lstStyle/>
-            <a:p>
-              <a:r>
-                <a:rPr lang="de-DE" dirty="0"/>
-                <a:t>News and Events</a:t>
-              </a:r>
-            </a:p>
-          </p:txBody>
-        </p:sp>
-        <p:sp>
-          <p:nvSpPr>
-            <p:cNvPr id="35" name="Textfeld 34">
-              <a:extLst>
-                <a:ext uri="{FF2B5EF4-FFF2-40B4-BE49-F238E27FC236}">
-                  <a16:creationId xmlns:a16="http://schemas.microsoft.com/office/drawing/2014/main" id="{47F6846D-7B6F-4046-A079-CD7953FD8667}"/>
-                </a:ext>
-              </a:extLst>
-            </p:cNvPr>
-            <p:cNvSpPr txBox="1"/>
-            <p:nvPr/>
-          </p:nvSpPr>
-          <p:spPr>
-            <a:xfrm>
-              <a:off x="9335141" y="480871"/>
-              <a:ext cx="975370" cy="369332"/>
-            </a:xfrm>
-            <a:prstGeom prst="rect">
-              <a:avLst/>
-            </a:prstGeom>
-            <a:solidFill>
-              <a:schemeClr val="bg1"/>
-            </a:solidFill>
-            <a:ln>
-              <a:solidFill>
-                <a:schemeClr val="tx1"/>
-              </a:solidFill>
-            </a:ln>
-          </p:spPr>
-          <p:txBody>
-            <a:bodyPr wrap="square" rtlCol="0">
-              <a:spAutoFit/>
-            </a:bodyPr>
-            <a:lstStyle/>
-            <a:p>
-              <a:r>
-                <a:rPr lang="de-DE" dirty="0"/>
-                <a:t>About</a:t>
-              </a:r>
-            </a:p>
-          </p:txBody>
-        </p:sp>
-        <p:sp>
-          <p:nvSpPr>
-            <p:cNvPr id="36" name="Textfeld 35">
-              <a:extLst>
-                <a:ext uri="{FF2B5EF4-FFF2-40B4-BE49-F238E27FC236}">
-                  <a16:creationId xmlns:a16="http://schemas.microsoft.com/office/drawing/2014/main" id="{C1CBF2EB-1246-4E01-890A-071E3BCAE8F3}"/>
-                </a:ext>
-              </a:extLst>
-            </p:cNvPr>
-            <p:cNvSpPr txBox="1"/>
-            <p:nvPr/>
-          </p:nvSpPr>
-          <p:spPr>
-            <a:xfrm>
-              <a:off x="3151485" y="480871"/>
-              <a:ext cx="1736449" cy="369332"/>
-            </a:xfrm>
-            <a:prstGeom prst="rect">
-              <a:avLst/>
-            </a:prstGeom>
-            <a:solidFill>
-              <a:srgbClr val="C00000"/>
-            </a:solidFill>
-            <a:ln>
-              <a:solidFill>
-                <a:schemeClr val="tx1"/>
-              </a:solidFill>
-            </a:ln>
-          </p:spPr>
-          <p:txBody>
-            <a:bodyPr wrap="square" rtlCol="0">
-              <a:spAutoFit/>
-            </a:bodyPr>
-            <a:lstStyle/>
-            <a:p>
-              <a:r>
-                <a:rPr lang="de-DE" dirty="0" err="1"/>
-                <a:t>Specification</a:t>
-              </a:r>
-              <a:endParaRPr lang="de-DE" dirty="0"/>
-            </a:p>
-          </p:txBody>
-        </p:sp>
-        <p:sp>
-          <p:nvSpPr>
-            <p:cNvPr id="37" name="Textfeld 36">
-              <a:extLst>
-                <a:ext uri="{FF2B5EF4-FFF2-40B4-BE49-F238E27FC236}">
-                  <a16:creationId xmlns:a16="http://schemas.microsoft.com/office/drawing/2014/main" id="{8482F79B-C456-46B4-BEF6-F25BA14F880B}"/>
-                </a:ext>
-              </a:extLst>
-            </p:cNvPr>
-            <p:cNvSpPr txBox="1"/>
-            <p:nvPr/>
-          </p:nvSpPr>
-          <p:spPr>
-            <a:xfrm>
-              <a:off x="8537984" y="480871"/>
-              <a:ext cx="797157" cy="369332"/>
-            </a:xfrm>
-            <a:prstGeom prst="rect">
-              <a:avLst/>
-            </a:prstGeom>
-            <a:noFill/>
-            <a:ln>
-              <a:solidFill>
-                <a:schemeClr val="tx1"/>
-              </a:solidFill>
-            </a:ln>
-          </p:spPr>
-          <p:txBody>
-            <a:bodyPr wrap="square" rtlCol="0">
-              <a:spAutoFit/>
-            </a:bodyPr>
-            <a:lstStyle/>
-            <a:p>
-              <a:r>
-                <a:rPr lang="de-DE" dirty="0"/>
-                <a:t>FAQ</a:t>
-              </a:r>
-            </a:p>
-          </p:txBody>
-        </p:sp>
-        <p:sp>
-          <p:nvSpPr>
-            <p:cNvPr id="45" name="Textfeld 44">
-              <a:extLst>
-                <a:ext uri="{FF2B5EF4-FFF2-40B4-BE49-F238E27FC236}">
-                  <a16:creationId xmlns:a16="http://schemas.microsoft.com/office/drawing/2014/main" id="{5E4EFCF5-EE54-4B0C-8F85-5B8FB7D1634A}"/>
-                </a:ext>
-              </a:extLst>
-            </p:cNvPr>
-            <p:cNvSpPr txBox="1"/>
-            <p:nvPr/>
-          </p:nvSpPr>
-          <p:spPr>
-            <a:xfrm>
-              <a:off x="1684821" y="480871"/>
-              <a:ext cx="1477982" cy="369332"/>
-            </a:xfrm>
-            <a:prstGeom prst="rect">
-              <a:avLst/>
-            </a:prstGeom>
-            <a:noFill/>
-            <a:ln>
-              <a:solidFill>
-                <a:schemeClr val="tx1"/>
-              </a:solidFill>
-            </a:ln>
-          </p:spPr>
-          <p:txBody>
-            <a:bodyPr wrap="square" rtlCol="0">
-              <a:spAutoFit/>
-            </a:bodyPr>
-            <a:lstStyle/>
-            <a:p>
-              <a:r>
-                <a:rPr lang="de-DE" dirty="0" err="1"/>
-                <a:t>Introduction</a:t>
-              </a:r>
-              <a:endParaRPr lang="de-DE" dirty="0"/>
-            </a:p>
-          </p:txBody>
-        </p:sp>
-      </p:grpSp>
     </p:spTree>
     <p:extLst>
       <p:ext uri="{BB962C8B-B14F-4D97-AF65-F5344CB8AC3E}">
@@ -6602,7 +6815,7 @@
             <p:nvPr/>
           </p:nvPicPr>
           <p:blipFill rotWithShape="1">
-            <a:blip r:embed="rId3">
+            <a:blip r:embed="rId3" cstate="hqprint">
               <a:extLst>
                 <a:ext uri="{28A0092B-C50C-407E-A947-70E740481C1C}">
                   <a14:useLocalDpi xmlns:a14="http://schemas.microsoft.com/office/drawing/2010/main" val="0"/>
@@ -6637,7 +6850,7 @@
             <p:nvPr/>
           </p:nvPicPr>
           <p:blipFill>
-            <a:blip r:embed="rId4">
+            <a:blip r:embed="rId4" cstate="hqprint">
               <a:extLst>
                 <a:ext uri="{28A0092B-C50C-407E-A947-70E740481C1C}">
                   <a14:useLocalDpi xmlns:a14="http://schemas.microsoft.com/office/drawing/2010/main" val="0"/>
@@ -8151,7 +8364,7 @@
             <p:nvPr/>
           </p:nvPicPr>
           <p:blipFill rotWithShape="1">
-            <a:blip r:embed="rId2">
+            <a:blip r:embed="rId2" cstate="hqprint">
               <a:extLst>
                 <a:ext uri="{28A0092B-C50C-407E-A947-70E740481C1C}">
                   <a14:useLocalDpi xmlns:a14="http://schemas.microsoft.com/office/drawing/2010/main" val="0"/>
@@ -8186,7 +8399,7 @@
             <p:nvPr/>
           </p:nvPicPr>
           <p:blipFill>
-            <a:blip r:embed="rId3">
+            <a:blip r:embed="rId3" cstate="hqprint">
               <a:extLst>
                 <a:ext uri="{28A0092B-C50C-407E-A947-70E740481C1C}">
                   <a14:useLocalDpi xmlns:a14="http://schemas.microsoft.com/office/drawing/2010/main" val="0"/>
@@ -8855,7 +9068,7 @@
             <p:nvPr/>
           </p:nvPicPr>
           <p:blipFill rotWithShape="1">
-            <a:blip r:embed="rId2">
+            <a:blip r:embed="rId2" cstate="hqprint">
               <a:extLst>
                 <a:ext uri="{28A0092B-C50C-407E-A947-70E740481C1C}">
                   <a14:useLocalDpi xmlns:a14="http://schemas.microsoft.com/office/drawing/2010/main" val="0"/>
@@ -8890,7 +9103,7 @@
             <p:nvPr/>
           </p:nvPicPr>
           <p:blipFill>
-            <a:blip r:embed="rId3">
+            <a:blip r:embed="rId3" cstate="hqprint">
               <a:extLst>
                 <a:ext uri="{28A0092B-C50C-407E-A947-70E740481C1C}">
                   <a14:useLocalDpi xmlns:a14="http://schemas.microsoft.com/office/drawing/2010/main" val="0"/>
@@ -9741,7 +9954,7 @@
             <p:nvPr/>
           </p:nvPicPr>
           <p:blipFill rotWithShape="1">
-            <a:blip r:embed="rId2">
+            <a:blip r:embed="rId2" cstate="hqprint">
               <a:extLst>
                 <a:ext uri="{28A0092B-C50C-407E-A947-70E740481C1C}">
                   <a14:useLocalDpi xmlns:a14="http://schemas.microsoft.com/office/drawing/2010/main" val="0"/>
@@ -9776,7 +9989,7 @@
             <p:nvPr/>
           </p:nvPicPr>
           <p:blipFill>
-            <a:blip r:embed="rId3">
+            <a:blip r:embed="rId3" cstate="hqprint">
               <a:extLst>
                 <a:ext uri="{28A0092B-C50C-407E-A947-70E740481C1C}">
                   <a14:useLocalDpi xmlns:a14="http://schemas.microsoft.com/office/drawing/2010/main" val="0"/>
@@ -11326,7 +11539,7 @@
             <p:nvPr/>
           </p:nvPicPr>
           <p:blipFill rotWithShape="1">
-            <a:blip r:embed="rId2">
+            <a:blip r:embed="rId2" cstate="hqprint">
               <a:extLst>
                 <a:ext uri="{28A0092B-C50C-407E-A947-70E740481C1C}">
                   <a14:useLocalDpi xmlns:a14="http://schemas.microsoft.com/office/drawing/2010/main" val="0"/>
@@ -11361,7 +11574,7 @@
             <p:nvPr/>
           </p:nvPicPr>
           <p:blipFill>
-            <a:blip r:embed="rId3">
+            <a:blip r:embed="rId3" cstate="hqprint">
               <a:extLst>
                 <a:ext uri="{28A0092B-C50C-407E-A947-70E740481C1C}">
                   <a14:useLocalDpi xmlns:a14="http://schemas.microsoft.com/office/drawing/2010/main" val="0"/>

--- a/documentation/2022-03-29_MAP-structure-draft.pptx
+++ b/documentation/2022-03-29_MAP-structure-draft.pptx
@@ -6,14 +6,13 @@
   </p:sldMasterIdLst>
   <p:sldIdLst>
     <p:sldId id="269" r:id="rId2"/>
-    <p:sldId id="266" r:id="rId3"/>
-    <p:sldId id="270" r:id="rId4"/>
-    <p:sldId id="268" r:id="rId5"/>
-    <p:sldId id="265" r:id="rId6"/>
-    <p:sldId id="263" r:id="rId7"/>
-    <p:sldId id="261" r:id="rId8"/>
-    <p:sldId id="262" r:id="rId9"/>
-    <p:sldId id="260" r:id="rId10"/>
+    <p:sldId id="271" r:id="rId3"/>
+    <p:sldId id="268" r:id="rId4"/>
+    <p:sldId id="265" r:id="rId5"/>
+    <p:sldId id="263" r:id="rId6"/>
+    <p:sldId id="261" r:id="rId7"/>
+    <p:sldId id="262" r:id="rId8"/>
+    <p:sldId id="260" r:id="rId9"/>
   </p:sldIdLst>
   <p:sldSz cx="12192000" cy="6858000"/>
   <p:notesSz cx="6858000" cy="9144000"/>
@@ -279,7 +278,7 @@
           <a:p>
             <a:fld id="{62F3D5BE-FB1C-4CCB-95C2-71F9060ACFEB}" type="datetimeFigureOut">
               <a:rPr lang="de-DE" smtClean="0"/>
-              <a:t>11.05.2022</a:t>
+              <a:t>12.05.2022</a:t>
             </a:fld>
             <a:endParaRPr lang="de-DE"/>
           </a:p>
@@ -477,7 +476,7 @@
           <a:p>
             <a:fld id="{62F3D5BE-FB1C-4CCB-95C2-71F9060ACFEB}" type="datetimeFigureOut">
               <a:rPr lang="de-DE" smtClean="0"/>
-              <a:t>11.05.2022</a:t>
+              <a:t>12.05.2022</a:t>
             </a:fld>
             <a:endParaRPr lang="de-DE"/>
           </a:p>
@@ -685,7 +684,7 @@
           <a:p>
             <a:fld id="{62F3D5BE-FB1C-4CCB-95C2-71F9060ACFEB}" type="datetimeFigureOut">
               <a:rPr lang="de-DE" smtClean="0"/>
-              <a:t>11.05.2022</a:t>
+              <a:t>12.05.2022</a:t>
             </a:fld>
             <a:endParaRPr lang="de-DE"/>
           </a:p>
@@ -883,7 +882,7 @@
           <a:p>
             <a:fld id="{62F3D5BE-FB1C-4CCB-95C2-71F9060ACFEB}" type="datetimeFigureOut">
               <a:rPr lang="de-DE" smtClean="0"/>
-              <a:t>11.05.2022</a:t>
+              <a:t>12.05.2022</a:t>
             </a:fld>
             <a:endParaRPr lang="de-DE"/>
           </a:p>
@@ -1158,7 +1157,7 @@
           <a:p>
             <a:fld id="{62F3D5BE-FB1C-4CCB-95C2-71F9060ACFEB}" type="datetimeFigureOut">
               <a:rPr lang="de-DE" smtClean="0"/>
-              <a:t>11.05.2022</a:t>
+              <a:t>12.05.2022</a:t>
             </a:fld>
             <a:endParaRPr lang="de-DE"/>
           </a:p>
@@ -1423,7 +1422,7 @@
           <a:p>
             <a:fld id="{62F3D5BE-FB1C-4CCB-95C2-71F9060ACFEB}" type="datetimeFigureOut">
               <a:rPr lang="de-DE" smtClean="0"/>
-              <a:t>11.05.2022</a:t>
+              <a:t>12.05.2022</a:t>
             </a:fld>
             <a:endParaRPr lang="de-DE"/>
           </a:p>
@@ -1835,7 +1834,7 @@
           <a:p>
             <a:fld id="{62F3D5BE-FB1C-4CCB-95C2-71F9060ACFEB}" type="datetimeFigureOut">
               <a:rPr lang="de-DE" smtClean="0"/>
-              <a:t>11.05.2022</a:t>
+              <a:t>12.05.2022</a:t>
             </a:fld>
             <a:endParaRPr lang="de-DE"/>
           </a:p>
@@ -1976,7 +1975,7 @@
           <a:p>
             <a:fld id="{62F3D5BE-FB1C-4CCB-95C2-71F9060ACFEB}" type="datetimeFigureOut">
               <a:rPr lang="de-DE" smtClean="0"/>
-              <a:t>11.05.2022</a:t>
+              <a:t>12.05.2022</a:t>
             </a:fld>
             <a:endParaRPr lang="de-DE"/>
           </a:p>
@@ -2089,7 +2088,7 @@
           <a:p>
             <a:fld id="{62F3D5BE-FB1C-4CCB-95C2-71F9060ACFEB}" type="datetimeFigureOut">
               <a:rPr lang="de-DE" smtClean="0"/>
-              <a:t>11.05.2022</a:t>
+              <a:t>12.05.2022</a:t>
             </a:fld>
             <a:endParaRPr lang="de-DE"/>
           </a:p>
@@ -2400,7 +2399,7 @@
           <a:p>
             <a:fld id="{62F3D5BE-FB1C-4CCB-95C2-71F9060ACFEB}" type="datetimeFigureOut">
               <a:rPr lang="de-DE" smtClean="0"/>
-              <a:t>11.05.2022</a:t>
+              <a:t>12.05.2022</a:t>
             </a:fld>
             <a:endParaRPr lang="de-DE"/>
           </a:p>
@@ -2688,7 +2687,7 @@
           <a:p>
             <a:fld id="{62F3D5BE-FB1C-4CCB-95C2-71F9060ACFEB}" type="datetimeFigureOut">
               <a:rPr lang="de-DE" smtClean="0"/>
-              <a:t>11.05.2022</a:t>
+              <a:t>12.05.2022</a:t>
             </a:fld>
             <a:endParaRPr lang="de-DE"/>
           </a:p>
@@ -2929,7 +2928,7 @@
           <a:p>
             <a:fld id="{62F3D5BE-FB1C-4CCB-95C2-71F9060ACFEB}" type="datetimeFigureOut">
               <a:rPr lang="de-DE" smtClean="0"/>
-              <a:t>11.05.2022</a:t>
+              <a:t>12.05.2022</a:t>
             </a:fld>
             <a:endParaRPr lang="de-DE"/>
           </a:p>
@@ -3361,7 +3360,7 @@
         <p:spPr>
           <a:xfrm>
             <a:off x="3529012" y="5623798"/>
-            <a:ext cx="5133975" cy="923330"/>
+            <a:ext cx="5133975" cy="1200329"/>
           </a:xfrm>
           <a:prstGeom prst="rect">
             <a:avLst/>
@@ -3376,7 +3375,7 @@
           <a:p>
             <a:pPr algn="ctr"/>
             <a:r>
-              <a:rPr lang="de-DE" dirty="0">
+              <a:rPr lang="de-DE" dirty="0" smtClean="0">
                 <a:solidFill>
                   <a:schemeClr val="tx1">
                     <a:lumMod val="50000"/>
@@ -3384,8 +3383,16 @@
                   </a:schemeClr>
                 </a:solidFill>
               </a:rPr>
-              <a:t>2022-03-29</a:t>
-            </a:r>
+              <a:t>2022-05-12</a:t>
+            </a:r>
+            <a:endParaRPr lang="de-DE" dirty="0">
+              <a:solidFill>
+                <a:schemeClr val="tx1">
+                  <a:lumMod val="50000"/>
+                  <a:lumOff val="50000"/>
+                </a:schemeClr>
+              </a:solidFill>
+            </a:endParaRPr>
           </a:p>
           <a:p>
             <a:pPr algn="ctr"/>
@@ -3434,6 +3441,17 @@
               <a:t>Porcellato</a:t>
             </a:r>
             <a:r>
+              <a:rPr lang="de-DE" dirty="0" smtClean="0">
+                <a:solidFill>
+                  <a:schemeClr val="tx1">
+                    <a:lumMod val="50000"/>
+                    <a:lumOff val="50000"/>
+                  </a:schemeClr>
+                </a:solidFill>
+              </a:rPr>
+              <a:t>, </a:t>
+            </a:r>
+            <a:r>
               <a:rPr lang="de-DE" dirty="0">
                 <a:solidFill>
                   <a:schemeClr val="tx1">
@@ -3442,8 +3460,71 @@
                   </a:schemeClr>
                 </a:solidFill>
               </a:rPr>
-              <a:t>, MA Backoffice</a:t>
-            </a:r>
+              <a:t>MA </a:t>
+            </a:r>
+            <a:r>
+              <a:rPr lang="de-DE" dirty="0" err="1" smtClean="0">
+                <a:solidFill>
+                  <a:schemeClr val="tx1">
+                    <a:lumMod val="50000"/>
+                    <a:lumOff val="50000"/>
+                  </a:schemeClr>
+                </a:solidFill>
+              </a:rPr>
+              <a:t>Backoffice</a:t>
+            </a:r>
+            <a:endParaRPr lang="de-DE" dirty="0" smtClean="0">
+              <a:solidFill>
+                <a:schemeClr val="tx1">
+                  <a:lumMod val="50000"/>
+                  <a:lumOff val="50000"/>
+                </a:schemeClr>
+              </a:solidFill>
+            </a:endParaRPr>
+          </a:p>
+          <a:p>
+            <a:pPr algn="ctr"/>
+            <a:r>
+              <a:rPr lang="de-DE" dirty="0" smtClean="0">
+                <a:solidFill>
+                  <a:schemeClr val="tx1">
+                    <a:lumMod val="50000"/>
+                    <a:lumOff val="50000"/>
+                  </a:schemeClr>
+                </a:solidFill>
+              </a:rPr>
+              <a:t>Christoff Bürger (Dassault </a:t>
+            </a:r>
+            <a:r>
+              <a:rPr lang="de-DE" dirty="0" err="1" smtClean="0">
+                <a:solidFill>
+                  <a:schemeClr val="tx1">
+                    <a:lumMod val="50000"/>
+                    <a:lumOff val="50000"/>
+                  </a:schemeClr>
+                </a:solidFill>
+              </a:rPr>
+              <a:t>Systèmes</a:t>
+            </a:r>
+            <a:r>
+              <a:rPr lang="de-DE" dirty="0" smtClean="0">
+                <a:solidFill>
+                  <a:schemeClr val="tx1">
+                    <a:lumMod val="50000"/>
+                    <a:lumOff val="50000"/>
+                  </a:schemeClr>
+                </a:solidFill>
+              </a:rPr>
+              <a:t>)</a:t>
+            </a:r>
+            <a:endParaRPr lang="de-DE" dirty="0">
+              <a:solidFill>
+                <a:schemeClr val="tx1">
+                  <a:lumMod val="50000"/>
+                  <a:lumOff val="50000"/>
+                </a:schemeClr>
+              </a:solidFill>
+            </a:endParaRPr>
           </a:p>
           <a:p>
             <a:endParaRPr lang="de-DE" dirty="0"/>
@@ -3560,332 +3641,12 @@
           <a:chExt cx="0" cy="0"/>
         </a:xfrm>
       </p:grpSpPr>
-      <p:pic>
-        <p:nvPicPr>
-          <p:cNvPr id="21" name="Grafik 20">
+      <p:grpSp>
+        <p:nvGrpSpPr>
+          <p:cNvPr id="18" name="Gruppieren 17">
             <a:extLst>
               <a:ext uri="{FF2B5EF4-FFF2-40B4-BE49-F238E27FC236}">
-                <a16:creationId xmlns:a16="http://schemas.microsoft.com/office/drawing/2014/main" id="{0195732E-D772-4F81-A9E3-B9A6EB9EAF9B}"/>
-              </a:ext>
-            </a:extLst>
-          </p:cNvPr>
-          <p:cNvPicPr>
-            <a:picLocks noChangeAspect="1"/>
-          </p:cNvPicPr>
-          <p:nvPr/>
-        </p:nvPicPr>
-        <p:blipFill>
-          <a:blip r:embed="rId2"/>
-          <a:stretch>
-            <a:fillRect/>
-          </a:stretch>
-        </p:blipFill>
-        <p:spPr>
-          <a:xfrm>
-            <a:off x="186404" y="1856820"/>
-            <a:ext cx="8823310" cy="3640719"/>
-          </a:xfrm>
-          <a:prstGeom prst="rect">
-            <a:avLst/>
-          </a:prstGeom>
-          <a:ln>
-            <a:solidFill>
-              <a:schemeClr val="tx1"/>
-            </a:solidFill>
-          </a:ln>
-        </p:spPr>
-      </p:pic>
-      <p:sp>
-        <p:nvSpPr>
-          <p:cNvPr id="16" name="Textfeld 15">
-            <a:extLst>
-              <a:ext uri="{FF2B5EF4-FFF2-40B4-BE49-F238E27FC236}">
-                <a16:creationId xmlns:a16="http://schemas.microsoft.com/office/drawing/2014/main" id="{3D4985D2-5FEC-46A0-BB8A-D69492C1F545}"/>
-              </a:ext>
-            </a:extLst>
-          </p:cNvPr>
-          <p:cNvSpPr txBox="1"/>
-          <p:nvPr/>
-        </p:nvSpPr>
-        <p:spPr>
-          <a:xfrm>
-            <a:off x="5520779" y="833939"/>
-            <a:ext cx="2057523" cy="2585323"/>
-          </a:xfrm>
-          <a:prstGeom prst="rect">
-            <a:avLst/>
-          </a:prstGeom>
-          <a:solidFill>
-            <a:schemeClr val="bg1"/>
-          </a:solidFill>
-          <a:ln>
-            <a:solidFill>
-              <a:schemeClr val="tx1"/>
-            </a:solidFill>
-          </a:ln>
-        </p:spPr>
-        <p:txBody>
-          <a:bodyPr wrap="square" rtlCol="0">
-            <a:spAutoFit/>
-          </a:bodyPr>
-          <a:lstStyle/>
-          <a:p>
-            <a:pPr marL="285750" indent="-285750">
-              <a:buFont typeface="Arial" panose="020B0604020202020204" pitchFamily="34" charset="0"/>
-              <a:buChar char="•"/>
-            </a:pPr>
-            <a:r>
-              <a:rPr lang="de-DE" dirty="0" err="1"/>
-              <a:t>Documentation</a:t>
-            </a:r>
-            <a:endParaRPr lang="de-DE" dirty="0"/>
-          </a:p>
-          <a:p>
-            <a:pPr marL="285750" indent="-285750">
-              <a:buFont typeface="Arial" panose="020B0604020202020204" pitchFamily="34" charset="0"/>
-              <a:buChar char="•"/>
-            </a:pPr>
-            <a:r>
-              <a:rPr lang="de-DE" dirty="0">
-                <a:solidFill>
-                  <a:schemeClr val="bg2"/>
-                </a:solidFill>
-              </a:rPr>
-              <a:t>Education</a:t>
-            </a:r>
-          </a:p>
-          <a:p>
-            <a:pPr marL="285750" indent="-285750">
-              <a:buFont typeface="Arial" panose="020B0604020202020204" pitchFamily="34" charset="0"/>
-              <a:buChar char="•"/>
-            </a:pPr>
-            <a:r>
-              <a:rPr lang="de-DE" dirty="0">
-                <a:solidFill>
-                  <a:schemeClr val="bg2"/>
-                </a:solidFill>
-              </a:rPr>
-              <a:t>Professional </a:t>
-            </a:r>
-            <a:r>
-              <a:rPr lang="de-DE" dirty="0" err="1">
-                <a:solidFill>
-                  <a:schemeClr val="bg2"/>
-                </a:solidFill>
-              </a:rPr>
-              <a:t>training</a:t>
-            </a:r>
-            <a:endParaRPr lang="de-DE" dirty="0">
-              <a:solidFill>
-                <a:schemeClr val="bg2"/>
-              </a:solidFill>
-            </a:endParaRPr>
-          </a:p>
-          <a:p>
-            <a:pPr marL="285750" indent="-285750">
-              <a:buFont typeface="Arial" panose="020B0604020202020204" pitchFamily="34" charset="0"/>
-              <a:buChar char="•"/>
-            </a:pPr>
-            <a:r>
-              <a:rPr lang="de-DE" dirty="0"/>
-              <a:t>Utilities and SDK</a:t>
-            </a:r>
-          </a:p>
-          <a:p>
-            <a:pPr marL="285750" indent="-285750">
-              <a:buFont typeface="Arial" panose="020B0604020202020204" pitchFamily="34" charset="0"/>
-              <a:buChar char="•"/>
-            </a:pPr>
-            <a:r>
-              <a:rPr lang="de-DE" dirty="0"/>
-              <a:t>Use </a:t>
-            </a:r>
-            <a:r>
-              <a:rPr lang="de-DE" dirty="0" err="1"/>
-              <a:t>cases</a:t>
-            </a:r>
-            <a:r>
-              <a:rPr lang="de-DE" dirty="0"/>
-              <a:t> and </a:t>
-            </a:r>
-            <a:r>
-              <a:rPr lang="de-DE" dirty="0" err="1"/>
-              <a:t>industrial</a:t>
-            </a:r>
-            <a:r>
-              <a:rPr lang="de-DE" dirty="0"/>
-              <a:t> </a:t>
-            </a:r>
-            <a:r>
-              <a:rPr lang="de-DE" dirty="0" err="1"/>
-              <a:t>references</a:t>
-            </a:r>
-            <a:endParaRPr lang="de-DE" dirty="0"/>
-          </a:p>
-          <a:p>
-            <a:pPr marL="285750" indent="-285750">
-              <a:buFont typeface="Arial" panose="020B0604020202020204" pitchFamily="34" charset="0"/>
-              <a:buChar char="•"/>
-            </a:pPr>
-            <a:r>
-              <a:rPr lang="de-DE" dirty="0">
-                <a:solidFill>
-                  <a:schemeClr val="bg2"/>
-                </a:solidFill>
-              </a:rPr>
-              <a:t>Consultants</a:t>
-            </a:r>
-          </a:p>
-        </p:txBody>
-      </p:sp>
-      <p:sp>
-        <p:nvSpPr>
-          <p:cNvPr id="29" name="Textfeld 28">
-            <a:extLst>
-              <a:ext uri="{FF2B5EF4-FFF2-40B4-BE49-F238E27FC236}">
-                <a16:creationId xmlns:a16="http://schemas.microsoft.com/office/drawing/2014/main" id="{C2C4F818-EDEB-43A2-918D-B21CA6A60BF8}"/>
-              </a:ext>
-            </a:extLst>
-          </p:cNvPr>
-          <p:cNvSpPr txBox="1"/>
-          <p:nvPr/>
-        </p:nvSpPr>
-        <p:spPr>
-          <a:xfrm>
-            <a:off x="9335141" y="850203"/>
-            <a:ext cx="1704975" cy="2031325"/>
-          </a:xfrm>
-          <a:prstGeom prst="rect">
-            <a:avLst/>
-          </a:prstGeom>
-          <a:noFill/>
-          <a:ln>
-            <a:solidFill>
-              <a:schemeClr val="tx1"/>
-            </a:solidFill>
-          </a:ln>
-        </p:spPr>
-        <p:txBody>
-          <a:bodyPr wrap="square" rtlCol="0">
-            <a:spAutoFit/>
-          </a:bodyPr>
-          <a:lstStyle/>
-          <a:p>
-            <a:pPr marL="285750" indent="-285750">
-              <a:buFont typeface="Arial" panose="020B0604020202020204" pitchFamily="34" charset="0"/>
-              <a:buChar char="•"/>
-            </a:pPr>
-            <a:r>
-              <a:rPr lang="de-DE" dirty="0"/>
-              <a:t>About </a:t>
-            </a:r>
-            <a:r>
-              <a:rPr lang="de-DE" dirty="0" err="1"/>
-              <a:t>the</a:t>
-            </a:r>
-            <a:r>
-              <a:rPr lang="de-DE" dirty="0"/>
-              <a:t> Project</a:t>
-            </a:r>
-          </a:p>
-          <a:p>
-            <a:pPr marL="285750" indent="-285750">
-              <a:buFont typeface="Arial" panose="020B0604020202020204" pitchFamily="34" charset="0"/>
-              <a:buChar char="•"/>
-            </a:pPr>
-            <a:r>
-              <a:rPr lang="de-DE" dirty="0" err="1"/>
-              <a:t>History</a:t>
-            </a:r>
-            <a:endParaRPr lang="de-DE" dirty="0"/>
-          </a:p>
-          <a:p>
-            <a:pPr marL="285750" indent="-285750">
-              <a:buFont typeface="Arial" panose="020B0604020202020204" pitchFamily="34" charset="0"/>
-              <a:buChar char="•"/>
-            </a:pPr>
-            <a:r>
-              <a:rPr lang="de-DE" dirty="0"/>
-              <a:t>Community</a:t>
-            </a:r>
-          </a:p>
-          <a:p>
-            <a:pPr marL="285750" indent="-285750">
-              <a:buFont typeface="Arial" panose="020B0604020202020204" pitchFamily="34" charset="0"/>
-              <a:buChar char="•"/>
-            </a:pPr>
-            <a:r>
-              <a:rPr lang="de-DE" dirty="0"/>
-              <a:t>Membership</a:t>
-            </a:r>
-          </a:p>
-          <a:p>
-            <a:pPr marL="285750" indent="-285750">
-              <a:buFont typeface="Arial" panose="020B0604020202020204" pitchFamily="34" charset="0"/>
-              <a:buChar char="•"/>
-            </a:pPr>
-            <a:r>
-              <a:rPr lang="de-DE" dirty="0"/>
-              <a:t>Legal </a:t>
-            </a:r>
-            <a:r>
-              <a:rPr lang="de-DE" dirty="0" err="1"/>
-              <a:t>information</a:t>
-            </a:r>
-            <a:endParaRPr lang="de-DE" dirty="0"/>
-          </a:p>
-        </p:txBody>
-      </p:sp>
-      <p:cxnSp>
-        <p:nvCxnSpPr>
-          <p:cNvPr id="10" name="Gerader Verbinder 9">
-            <a:extLst>
-              <a:ext uri="{FF2B5EF4-FFF2-40B4-BE49-F238E27FC236}">
-                <a16:creationId xmlns:a16="http://schemas.microsoft.com/office/drawing/2014/main" id="{CD7BA7FB-5C06-4EC5-B2C8-F371A73A4FFF}"/>
-              </a:ext>
-            </a:extLst>
-          </p:cNvPr>
-          <p:cNvCxnSpPr>
-            <a:cxnSpLocks/>
-            <a:endCxn id="21" idx="0"/>
-          </p:cNvCxnSpPr>
-          <p:nvPr/>
-        </p:nvCxnSpPr>
-        <p:spPr>
-          <a:xfrm>
-            <a:off x="934995" y="966535"/>
-            <a:ext cx="3663064" cy="890285"/>
-          </a:xfrm>
-          <a:prstGeom prst="line">
-            <a:avLst/>
-          </a:prstGeom>
-          <a:ln>
-            <a:solidFill>
-              <a:schemeClr val="tx1"/>
-            </a:solidFill>
-          </a:ln>
-        </p:spPr>
-        <p:style>
-          <a:lnRef idx="1">
-            <a:schemeClr val="accent1"/>
-          </a:lnRef>
-          <a:fillRef idx="0">
-            <a:schemeClr val="accent1"/>
-          </a:fillRef>
-          <a:effectRef idx="0">
-            <a:schemeClr val="accent1"/>
-          </a:effectRef>
-          <a:fontRef idx="minor">
-            <a:schemeClr val="tx1"/>
-          </a:fontRef>
-        </p:style>
-      </p:cxnSp>
-      <p:grpSp>
-        <p:nvGrpSpPr>
-          <p:cNvPr id="23" name="Gruppieren 22">
-            <a:extLst>
-              <a:ext uri="{FF2B5EF4-FFF2-40B4-BE49-F238E27FC236}">
-                <a16:creationId xmlns:a16="http://schemas.microsoft.com/office/drawing/2014/main" id="{3B50AE8F-499C-44CF-81CF-F9DE7B420DC5}"/>
+                <a16:creationId xmlns:a16="http://schemas.microsoft.com/office/drawing/2014/main" id="{A5AFD996-4760-4F29-9D59-97EF56FA9FE1}"/>
               </a:ext>
             </a:extLst>
           </p:cNvPr>
@@ -3902,10 +3663,10 @@
         </p:grpSpPr>
         <p:pic>
           <p:nvPicPr>
-            <p:cNvPr id="25" name="Grafik 24">
+            <p:cNvPr id="19" name="Grafik 18">
               <a:extLst>
                 <a:ext uri="{FF2B5EF4-FFF2-40B4-BE49-F238E27FC236}">
-                  <a16:creationId xmlns:a16="http://schemas.microsoft.com/office/drawing/2014/main" id="{85119939-EDFA-430E-A79E-A6CCB91C083E}"/>
+                  <a16:creationId xmlns:a16="http://schemas.microsoft.com/office/drawing/2014/main" id="{B4EAC821-6535-4D70-8238-431BCEC6716A}"/>
                 </a:ext>
               </a:extLst>
             </p:cNvPr>
@@ -3915,7 +3676,7 @@
             <p:nvPr/>
           </p:nvPicPr>
           <p:blipFill rotWithShape="1">
-            <a:blip r:embed="rId3" cstate="hqprint">
+            <a:blip r:embed="rId2" cstate="hqprint">
               <a:extLst>
                 <a:ext uri="{28A0092B-C50C-407E-A947-70E740481C1C}">
                   <a14:useLocalDpi xmlns:a14="http://schemas.microsoft.com/office/drawing/2010/main" val="0"/>
@@ -3937,10 +3698,10 @@
         </p:pic>
         <p:pic>
           <p:nvPicPr>
-            <p:cNvPr id="26" name="Grafik 25">
+            <p:cNvPr id="20" name="Grafik 19">
               <a:extLst>
                 <a:ext uri="{FF2B5EF4-FFF2-40B4-BE49-F238E27FC236}">
-                  <a16:creationId xmlns:a16="http://schemas.microsoft.com/office/drawing/2014/main" id="{4D80DAF8-92BA-411D-9D65-1F6582CD260A}"/>
+                  <a16:creationId xmlns:a16="http://schemas.microsoft.com/office/drawing/2014/main" id="{D05FB210-3BBA-4D7D-925F-B75B4FC7B9D3}"/>
                 </a:ext>
               </a:extLst>
             </p:cNvPr>
@@ -3950,7 +3711,7 @@
             <p:nvPr/>
           </p:nvPicPr>
           <p:blipFill>
-            <a:blip r:embed="rId4" cstate="hqprint">
+            <a:blip r:embed="rId3" cstate="hqprint">
               <a:extLst>
                 <a:ext uri="{28A0092B-C50C-407E-A947-70E740481C1C}">
                   <a14:useLocalDpi xmlns:a14="http://schemas.microsoft.com/office/drawing/2010/main" val="0"/>
@@ -3973,10 +3734,10 @@
         </p:pic>
         <p:pic>
           <p:nvPicPr>
-            <p:cNvPr id="27" name="Grafik 26">
+            <p:cNvPr id="21" name="Grafik 20">
               <a:extLst>
                 <a:ext uri="{FF2B5EF4-FFF2-40B4-BE49-F238E27FC236}">
-                  <a16:creationId xmlns:a16="http://schemas.microsoft.com/office/drawing/2014/main" id="{4DA6220C-59D5-4E26-8C64-F378580DA4AE}"/>
+                  <a16:creationId xmlns:a16="http://schemas.microsoft.com/office/drawing/2014/main" id="{2338D7BC-3758-49E0-97AD-6771C20D9B86}"/>
                 </a:ext>
               </a:extLst>
             </p:cNvPr>
@@ -3986,7 +3747,7 @@
             <p:nvPr/>
           </p:nvPicPr>
           <p:blipFill>
-            <a:blip r:embed="rId5"/>
+            <a:blip r:embed="rId4"/>
             <a:stretch>
               <a:fillRect/>
             </a:stretch>
@@ -4003,10 +3764,10 @@
         </p:pic>
         <p:sp>
           <p:nvSpPr>
-            <p:cNvPr id="28" name="Textfeld 27">
+            <p:cNvPr id="22" name="Textfeld 21">
               <a:extLst>
                 <a:ext uri="{FF2B5EF4-FFF2-40B4-BE49-F238E27FC236}">
-                  <a16:creationId xmlns:a16="http://schemas.microsoft.com/office/drawing/2014/main" id="{3E6BF4A1-3C38-40CE-A54C-31D5D8436193}"/>
+                  <a16:creationId xmlns:a16="http://schemas.microsoft.com/office/drawing/2014/main" id="{C936DAFF-7283-464A-83F2-A5CCA5E53F30}"/>
                 </a:ext>
               </a:extLst>
             </p:cNvPr>
@@ -4045,10 +3806,10 @@
         </p:sp>
         <p:sp>
           <p:nvSpPr>
-            <p:cNvPr id="30" name="Textfeld 29">
+            <p:cNvPr id="23" name="Textfeld 22">
               <a:extLst>
                 <a:ext uri="{FF2B5EF4-FFF2-40B4-BE49-F238E27FC236}">
-                  <a16:creationId xmlns:a16="http://schemas.microsoft.com/office/drawing/2014/main" id="{BB2DEA15-2AF5-469E-8F2C-6FB00411C759}"/>
+                  <a16:creationId xmlns:a16="http://schemas.microsoft.com/office/drawing/2014/main" id="{90402798-1ACC-4E02-9A83-C7E7FCEE95B7}"/>
                 </a:ext>
               </a:extLst>
             </p:cNvPr>
@@ -4087,10 +3848,10 @@
         </p:sp>
         <p:sp>
           <p:nvSpPr>
-            <p:cNvPr id="31" name="Textfeld 30">
+            <p:cNvPr id="24" name="Textfeld 23">
               <a:extLst>
                 <a:ext uri="{FF2B5EF4-FFF2-40B4-BE49-F238E27FC236}">
-                  <a16:creationId xmlns:a16="http://schemas.microsoft.com/office/drawing/2014/main" id="{0E998D3D-A71D-4906-98AD-92BBF1B45CD5}"/>
+                  <a16:creationId xmlns:a16="http://schemas.microsoft.com/office/drawing/2014/main" id="{E634217E-B6A3-42CF-9B1E-1BA92B22871A}"/>
                 </a:ext>
               </a:extLst>
             </p:cNvPr>
@@ -4129,10 +3890,10 @@
         </p:sp>
         <p:sp>
           <p:nvSpPr>
-            <p:cNvPr id="38" name="Textfeld 37">
+            <p:cNvPr id="25" name="Textfeld 24">
               <a:extLst>
                 <a:ext uri="{FF2B5EF4-FFF2-40B4-BE49-F238E27FC236}">
-                  <a16:creationId xmlns:a16="http://schemas.microsoft.com/office/drawing/2014/main" id="{A8D7E10C-FD2B-4F9F-8CD0-C39294F7C55F}"/>
+                  <a16:creationId xmlns:a16="http://schemas.microsoft.com/office/drawing/2014/main" id="{0622FAFF-AAD7-494E-9DCC-5C6D39AD3FA6}"/>
                 </a:ext>
               </a:extLst>
             </p:cNvPr>
@@ -4171,10 +3932,10 @@
         </p:sp>
         <p:sp>
           <p:nvSpPr>
-            <p:cNvPr id="40" name="Textfeld 39">
+            <p:cNvPr id="26" name="Textfeld 25">
               <a:extLst>
                 <a:ext uri="{FF2B5EF4-FFF2-40B4-BE49-F238E27FC236}">
-                  <a16:creationId xmlns:a16="http://schemas.microsoft.com/office/drawing/2014/main" id="{F6E91EC2-75A4-436A-9CED-E60FCEFFF8CB}"/>
+                  <a16:creationId xmlns:a16="http://schemas.microsoft.com/office/drawing/2014/main" id="{A12626B1-CD46-43D8-AA75-D360B3EBD175}"/>
                 </a:ext>
               </a:extLst>
             </p:cNvPr>
@@ -4205,1170 +3966,18 @@
             <a:lstStyle/>
             <a:p>
               <a:r>
-                <a:rPr lang="de-DE" dirty="0" err="1"/>
-                <a:t>Specification</a:t>
-              </a:r>
-              <a:endParaRPr lang="de-DE" dirty="0"/>
-            </a:p>
-          </p:txBody>
-        </p:sp>
-        <p:sp>
-          <p:nvSpPr>
-            <p:cNvPr id="41" name="Textfeld 40">
-              <a:extLst>
-                <a:ext uri="{FF2B5EF4-FFF2-40B4-BE49-F238E27FC236}">
-                  <a16:creationId xmlns:a16="http://schemas.microsoft.com/office/drawing/2014/main" id="{10BD50A2-AE96-4DE9-890D-4D1D8C439686}"/>
-                </a:ext>
-              </a:extLst>
-            </p:cNvPr>
-            <p:cNvSpPr txBox="1"/>
-            <p:nvPr/>
-          </p:nvSpPr>
-          <p:spPr>
-            <a:xfrm>
-              <a:off x="8537984" y="480871"/>
-              <a:ext cx="797157" cy="369332"/>
-            </a:xfrm>
-            <a:prstGeom prst="rect">
-              <a:avLst/>
-            </a:prstGeom>
-            <a:noFill/>
-            <a:ln>
-              <a:solidFill>
-                <a:schemeClr val="tx1"/>
-              </a:solidFill>
-            </a:ln>
-          </p:spPr>
-          <p:txBody>
-            <a:bodyPr wrap="square" rtlCol="0">
-              <a:spAutoFit/>
-            </a:bodyPr>
-            <a:lstStyle/>
-            <a:p>
-              <a:r>
-                <a:rPr lang="de-DE" dirty="0"/>
-                <a:t>FAQ</a:t>
-              </a:r>
-            </a:p>
-          </p:txBody>
-        </p:sp>
-        <p:sp>
-          <p:nvSpPr>
-            <p:cNvPr id="42" name="Textfeld 41">
-              <a:extLst>
-                <a:ext uri="{FF2B5EF4-FFF2-40B4-BE49-F238E27FC236}">
-                  <a16:creationId xmlns:a16="http://schemas.microsoft.com/office/drawing/2014/main" id="{6BC16EBF-775D-41A0-9296-504CE005D37C}"/>
-                </a:ext>
-              </a:extLst>
-            </p:cNvPr>
-            <p:cNvSpPr txBox="1"/>
-            <p:nvPr/>
-          </p:nvSpPr>
-          <p:spPr>
-            <a:xfrm>
-              <a:off x="1684821" y="480871"/>
-              <a:ext cx="1477982" cy="369332"/>
-            </a:xfrm>
-            <a:prstGeom prst="rect">
-              <a:avLst/>
-            </a:prstGeom>
-            <a:noFill/>
-            <a:ln>
-              <a:solidFill>
-                <a:schemeClr val="tx1"/>
-              </a:solidFill>
-            </a:ln>
-          </p:spPr>
-          <p:txBody>
-            <a:bodyPr wrap="square" rtlCol="0">
-              <a:spAutoFit/>
-            </a:bodyPr>
-            <a:lstStyle/>
-            <a:p>
-              <a:r>
-                <a:rPr lang="de-DE" dirty="0" err="1"/>
-                <a:t>Introduction</a:t>
-              </a:r>
-              <a:endParaRPr lang="de-DE" dirty="0"/>
-            </a:p>
-          </p:txBody>
-        </p:sp>
-      </p:grpSp>
-    </p:spTree>
-    <p:extLst>
-      <p:ext uri="{BB962C8B-B14F-4D97-AF65-F5344CB8AC3E}">
-        <p14:creationId xmlns:p14="http://schemas.microsoft.com/office/powerpoint/2010/main" val="1731688260"/>
-      </p:ext>
-    </p:extLst>
-  </p:cSld>
-  <p:clrMapOvr>
-    <a:masterClrMapping/>
-  </p:clrMapOvr>
-</p:sld>
-</file>
-
-<file path=ppt/slides/slide3.xml><?xml version="1.0" encoding="utf-8"?>
-<p:sld xmlns:a="http://schemas.openxmlformats.org/drawingml/2006/main" xmlns:r="http://schemas.openxmlformats.org/officeDocument/2006/relationships" xmlns:p="http://schemas.openxmlformats.org/presentationml/2006/main">
-  <p:cSld>
-    <p:spTree>
-      <p:nvGrpSpPr>
-        <p:cNvPr id="1" name=""/>
-        <p:cNvGrpSpPr/>
-        <p:nvPr/>
-      </p:nvGrpSpPr>
-      <p:grpSpPr>
-        <a:xfrm>
-          <a:off x="0" y="0"/>
-          <a:ext cx="0" cy="0"/>
-          <a:chOff x="0" y="0"/>
-          <a:chExt cx="0" cy="0"/>
-        </a:xfrm>
-      </p:grpSpPr>
-      <p:sp>
-        <p:nvSpPr>
-          <p:cNvPr id="3" name="Inhaltsplatzhalter 2">
-            <a:extLst>
-              <a:ext uri="{FF2B5EF4-FFF2-40B4-BE49-F238E27FC236}">
-                <a16:creationId xmlns:a16="http://schemas.microsoft.com/office/drawing/2014/main" id="{C609B1CE-A90D-49D2-9447-17633E19ABA4}"/>
-              </a:ext>
-            </a:extLst>
-          </p:cNvPr>
-          <p:cNvSpPr>
-            <a:spLocks noGrp="1"/>
-          </p:cNvSpPr>
-          <p:nvPr>
-            <p:ph idx="1"/>
-          </p:nvPr>
-        </p:nvSpPr>
-        <p:spPr/>
-        <p:txBody>
-          <a:bodyPr/>
-          <a:lstStyle/>
-          <a:p>
-            <a:pPr marL="0" indent="0">
-              <a:buNone/>
-            </a:pPr>
-            <a:r>
-              <a:rPr lang="de-DE" dirty="0"/>
-              <a:t>What </a:t>
-            </a:r>
-            <a:r>
-              <a:rPr lang="de-DE" dirty="0" err="1"/>
-              <a:t>problem</a:t>
-            </a:r>
-            <a:r>
-              <a:rPr lang="de-DE" dirty="0"/>
-              <a:t> </a:t>
-            </a:r>
-            <a:r>
-              <a:rPr lang="de-DE" dirty="0" err="1"/>
-              <a:t>does</a:t>
-            </a:r>
-            <a:r>
-              <a:rPr lang="de-DE" dirty="0"/>
-              <a:t> </a:t>
-            </a:r>
-            <a:r>
-              <a:rPr lang="de-DE" dirty="0" err="1"/>
-              <a:t>the</a:t>
-            </a:r>
-            <a:r>
-              <a:rPr lang="de-DE" dirty="0"/>
-              <a:t> </a:t>
-            </a:r>
-            <a:r>
-              <a:rPr lang="de-DE" dirty="0" err="1"/>
-              <a:t>standard</a:t>
-            </a:r>
-            <a:r>
-              <a:rPr lang="de-DE" dirty="0"/>
-              <a:t> </a:t>
-            </a:r>
-            <a:r>
-              <a:rPr lang="de-DE" dirty="0" err="1"/>
-              <a:t>want</a:t>
-            </a:r>
-            <a:r>
-              <a:rPr lang="de-DE" dirty="0"/>
-              <a:t> </a:t>
-            </a:r>
-            <a:r>
-              <a:rPr lang="de-DE" dirty="0" err="1"/>
-              <a:t>to</a:t>
-            </a:r>
-            <a:r>
-              <a:rPr lang="de-DE" dirty="0"/>
-              <a:t> </a:t>
-            </a:r>
-            <a:r>
-              <a:rPr lang="de-DE" dirty="0" err="1"/>
-              <a:t>solve</a:t>
-            </a:r>
-            <a:r>
-              <a:rPr lang="de-DE" dirty="0"/>
-              <a:t> and </a:t>
-            </a:r>
-            <a:r>
-              <a:rPr lang="de-DE" dirty="0" err="1"/>
-              <a:t>how</a:t>
-            </a:r>
-            <a:r>
-              <a:rPr lang="de-DE" dirty="0"/>
-              <a:t> </a:t>
-            </a:r>
-            <a:r>
-              <a:rPr lang="de-DE" dirty="0" err="1"/>
-              <a:t>does</a:t>
-            </a:r>
-            <a:r>
-              <a:rPr lang="de-DE" dirty="0"/>
-              <a:t> </a:t>
-            </a:r>
-            <a:r>
-              <a:rPr lang="de-DE" dirty="0" err="1"/>
-              <a:t>it</a:t>
-            </a:r>
-            <a:r>
-              <a:rPr lang="de-DE" dirty="0"/>
-              <a:t> do it. Short </a:t>
-            </a:r>
-            <a:r>
-              <a:rPr lang="de-DE" dirty="0" err="1"/>
-              <a:t>explanation</a:t>
-            </a:r>
-            <a:r>
-              <a:rPr lang="de-DE" dirty="0"/>
-              <a:t> </a:t>
-            </a:r>
-            <a:r>
-              <a:rPr lang="de-DE" dirty="0" err="1"/>
-              <a:t>of</a:t>
-            </a:r>
-            <a:r>
-              <a:rPr lang="de-DE" dirty="0"/>
-              <a:t> </a:t>
-            </a:r>
-            <a:r>
-              <a:rPr lang="de-DE" dirty="0" err="1"/>
-              <a:t>the</a:t>
-            </a:r>
-            <a:r>
-              <a:rPr lang="de-DE" dirty="0"/>
-              <a:t> </a:t>
-            </a:r>
-            <a:r>
-              <a:rPr lang="de-DE" dirty="0" err="1"/>
-              <a:t>purpose</a:t>
-            </a:r>
-            <a:r>
-              <a:rPr lang="de-DE" dirty="0"/>
-              <a:t> </a:t>
-            </a:r>
-            <a:r>
-              <a:rPr lang="de-DE" dirty="0" err="1"/>
-              <a:t>of</a:t>
-            </a:r>
-            <a:r>
-              <a:rPr lang="de-DE" dirty="0"/>
-              <a:t> </a:t>
-            </a:r>
-            <a:r>
-              <a:rPr lang="de-DE" dirty="0" err="1"/>
-              <a:t>the</a:t>
-            </a:r>
-            <a:r>
-              <a:rPr lang="de-DE" dirty="0"/>
-              <a:t> </a:t>
-            </a:r>
-            <a:r>
-              <a:rPr lang="de-DE" dirty="0" err="1"/>
-              <a:t>standard</a:t>
-            </a:r>
-            <a:r>
-              <a:rPr lang="de-DE" dirty="0"/>
-              <a:t> (</a:t>
-            </a:r>
-            <a:r>
-              <a:rPr lang="de-DE" dirty="0" err="1"/>
-              <a:t>embedded</a:t>
-            </a:r>
-            <a:r>
-              <a:rPr lang="de-DE" dirty="0"/>
-              <a:t> </a:t>
-            </a:r>
-            <a:r>
-              <a:rPr lang="de-DE" dirty="0" err="1"/>
-              <a:t>explanatory</a:t>
-            </a:r>
-            <a:r>
-              <a:rPr lang="de-DE" dirty="0"/>
-              <a:t> </a:t>
-            </a:r>
-            <a:r>
-              <a:rPr lang="de-DE" dirty="0" err="1"/>
-              <a:t>video</a:t>
-            </a:r>
-            <a:r>
-              <a:rPr lang="de-DE" dirty="0"/>
-              <a:t>?)</a:t>
-            </a:r>
-          </a:p>
-          <a:p>
-            <a:pPr marL="0" indent="0">
-              <a:buNone/>
-            </a:pPr>
-            <a:endParaRPr lang="de-DE" dirty="0"/>
-          </a:p>
-          <a:p>
-            <a:pPr marL="0" indent="0">
-              <a:buNone/>
-            </a:pPr>
-            <a:r>
-              <a:rPr lang="de-DE" dirty="0"/>
-              <a:t>Links </a:t>
-            </a:r>
-            <a:r>
-              <a:rPr lang="de-DE" dirty="0" err="1"/>
-              <a:t>to</a:t>
-            </a:r>
-            <a:r>
-              <a:rPr lang="de-DE" dirty="0"/>
-              <a:t> </a:t>
-            </a:r>
-            <a:r>
-              <a:rPr lang="de-DE" dirty="0" err="1"/>
-              <a:t>resources</a:t>
-            </a:r>
-            <a:r>
-              <a:rPr lang="de-DE" dirty="0"/>
-              <a:t> and </a:t>
-            </a:r>
-            <a:r>
-              <a:rPr lang="de-DE" dirty="0" err="1"/>
-              <a:t>use</a:t>
-            </a:r>
-            <a:r>
-              <a:rPr lang="de-DE" dirty="0"/>
-              <a:t> </a:t>
-            </a:r>
-            <a:r>
-              <a:rPr lang="de-DE" dirty="0" err="1"/>
-              <a:t>cases</a:t>
-            </a:r>
-            <a:endParaRPr lang="de-DE" dirty="0"/>
-          </a:p>
-          <a:p>
-            <a:pPr marL="0" indent="0">
-              <a:buNone/>
-            </a:pPr>
-            <a:endParaRPr lang="de-DE" dirty="0"/>
-          </a:p>
-          <a:p>
-            <a:pPr marL="0" indent="0">
-              <a:buNone/>
-            </a:pPr>
-            <a:endParaRPr lang="de-DE" dirty="0"/>
-          </a:p>
-        </p:txBody>
-      </p:sp>
-      <p:sp>
-        <p:nvSpPr>
-          <p:cNvPr id="17" name="Textfeld 16">
-            <a:extLst>
-              <a:ext uri="{FF2B5EF4-FFF2-40B4-BE49-F238E27FC236}">
-                <a16:creationId xmlns:a16="http://schemas.microsoft.com/office/drawing/2014/main" id="{A64A54C4-79A9-48C2-8A6D-471473E03745}"/>
-              </a:ext>
-            </a:extLst>
-          </p:cNvPr>
-          <p:cNvSpPr txBox="1"/>
-          <p:nvPr/>
-        </p:nvSpPr>
-        <p:spPr>
-          <a:xfrm>
-            <a:off x="838200" y="4212309"/>
-            <a:ext cx="9744075" cy="1477328"/>
-          </a:xfrm>
-          <a:prstGeom prst="rect">
-            <a:avLst/>
-          </a:prstGeom>
-          <a:noFill/>
-        </p:spPr>
-        <p:txBody>
-          <a:bodyPr wrap="square" rtlCol="0">
-            <a:spAutoFit/>
-          </a:bodyPr>
-          <a:lstStyle/>
-          <a:p>
-            <a:r>
-              <a:rPr lang="de-DE" dirty="0"/>
-              <a:t>On </a:t>
-            </a:r>
-            <a:r>
-              <a:rPr lang="de-DE" dirty="0" err="1"/>
-              <a:t>the</a:t>
-            </a:r>
-            <a:r>
-              <a:rPr lang="de-DE" dirty="0"/>
-              <a:t> </a:t>
-            </a:r>
-            <a:r>
-              <a:rPr lang="de-DE" dirty="0" err="1"/>
-              <a:t>long</a:t>
-            </a:r>
-            <a:r>
-              <a:rPr lang="de-DE" dirty="0"/>
-              <a:t> </a:t>
-            </a:r>
-            <a:r>
-              <a:rPr lang="de-DE" dirty="0" err="1"/>
-              <a:t>term</a:t>
-            </a:r>
-            <a:r>
-              <a:rPr lang="de-DE" dirty="0"/>
-              <a:t> </a:t>
-            </a:r>
-            <a:r>
-              <a:rPr lang="de-DE" dirty="0" err="1"/>
-              <a:t>the</a:t>
-            </a:r>
-            <a:r>
-              <a:rPr lang="de-DE" dirty="0"/>
-              <a:t> </a:t>
-            </a:r>
-            <a:r>
-              <a:rPr lang="de-DE" dirty="0" err="1"/>
-              <a:t>Introduction</a:t>
-            </a:r>
-            <a:r>
-              <a:rPr lang="de-DE" dirty="0"/>
-              <a:t> </a:t>
-            </a:r>
-            <a:r>
-              <a:rPr lang="de-DE" dirty="0" err="1"/>
-              <a:t>page</a:t>
-            </a:r>
-            <a:r>
-              <a:rPr lang="de-DE" dirty="0"/>
-              <a:t> </a:t>
-            </a:r>
-            <a:r>
-              <a:rPr lang="de-DE" dirty="0" err="1"/>
-              <a:t>is</a:t>
-            </a:r>
-            <a:r>
-              <a:rPr lang="de-DE" dirty="0"/>
-              <a:t> </a:t>
-            </a:r>
-            <a:r>
-              <a:rPr lang="de-DE" dirty="0" err="1"/>
-              <a:t>ment</a:t>
-            </a:r>
-            <a:r>
-              <a:rPr lang="de-DE" dirty="0"/>
-              <a:t> </a:t>
-            </a:r>
-            <a:r>
-              <a:rPr lang="de-DE" dirty="0" err="1"/>
-              <a:t>to</a:t>
-            </a:r>
-            <a:r>
-              <a:rPr lang="de-DE" dirty="0"/>
-              <a:t> </a:t>
-            </a:r>
-            <a:r>
-              <a:rPr lang="de-DE" dirty="0" err="1"/>
-              <a:t>be</a:t>
-            </a:r>
-            <a:r>
-              <a:rPr lang="de-DE" dirty="0"/>
-              <a:t> different </a:t>
-            </a:r>
-            <a:r>
-              <a:rPr lang="de-DE" dirty="0" err="1"/>
-              <a:t>for</a:t>
-            </a:r>
-            <a:r>
-              <a:rPr lang="de-DE" dirty="0"/>
-              <a:t> different </a:t>
-            </a:r>
-            <a:r>
-              <a:rPr lang="de-DE" dirty="0" err="1"/>
-              <a:t>types</a:t>
-            </a:r>
-            <a:r>
-              <a:rPr lang="de-DE" dirty="0"/>
-              <a:t> </a:t>
-            </a:r>
-            <a:r>
-              <a:rPr lang="de-DE" dirty="0" err="1"/>
-              <a:t>of</a:t>
-            </a:r>
-            <a:r>
-              <a:rPr lang="de-DE" dirty="0"/>
-              <a:t> </a:t>
-            </a:r>
-            <a:r>
-              <a:rPr lang="de-DE" dirty="0" err="1"/>
-              <a:t>users</a:t>
-            </a:r>
-            <a:r>
-              <a:rPr lang="de-DE" dirty="0"/>
-              <a:t> (Target-group </a:t>
-            </a:r>
-            <a:r>
-              <a:rPr lang="de-DE" dirty="0" err="1"/>
-              <a:t>specific</a:t>
-            </a:r>
-            <a:r>
-              <a:rPr lang="de-DE" dirty="0"/>
-              <a:t>). </a:t>
-            </a:r>
-            <a:r>
-              <a:rPr lang="de-DE" dirty="0" err="1"/>
-              <a:t>It</a:t>
-            </a:r>
-            <a:r>
-              <a:rPr lang="de-DE" dirty="0"/>
-              <a:t> will </a:t>
-            </a:r>
-            <a:r>
-              <a:rPr lang="de-DE" dirty="0" err="1"/>
-              <a:t>help</a:t>
-            </a:r>
-            <a:r>
-              <a:rPr lang="de-DE" dirty="0"/>
-              <a:t> </a:t>
-            </a:r>
-            <a:r>
-              <a:rPr lang="de-DE" dirty="0" err="1"/>
-              <a:t>the</a:t>
-            </a:r>
-            <a:r>
-              <a:rPr lang="de-DE" dirty="0"/>
-              <a:t> </a:t>
-            </a:r>
-            <a:r>
-              <a:rPr lang="de-DE" dirty="0" err="1"/>
-              <a:t>user</a:t>
-            </a:r>
-            <a:r>
-              <a:rPr lang="de-DE" dirty="0"/>
-              <a:t> </a:t>
-            </a:r>
-            <a:r>
-              <a:rPr lang="de-DE" dirty="0" err="1"/>
-              <a:t>navigate</a:t>
-            </a:r>
-            <a:r>
-              <a:rPr lang="de-DE" dirty="0"/>
-              <a:t> </a:t>
-            </a:r>
-            <a:r>
-              <a:rPr lang="de-DE" dirty="0" err="1"/>
-              <a:t>trough</a:t>
-            </a:r>
-            <a:r>
-              <a:rPr lang="de-DE" dirty="0"/>
-              <a:t> </a:t>
-            </a:r>
-            <a:r>
-              <a:rPr lang="de-DE" dirty="0" err="1"/>
-              <a:t>the</a:t>
-            </a:r>
-            <a:r>
-              <a:rPr lang="de-DE" dirty="0"/>
-              <a:t> </a:t>
-            </a:r>
-            <a:r>
-              <a:rPr lang="de-DE" dirty="0" err="1"/>
-              <a:t>website</a:t>
-            </a:r>
-            <a:r>
-              <a:rPr lang="de-DE" dirty="0"/>
-              <a:t> </a:t>
-            </a:r>
-            <a:r>
-              <a:rPr lang="de-DE" dirty="0" err="1"/>
-              <a:t>according</a:t>
-            </a:r>
-            <a:r>
-              <a:rPr lang="de-DE" dirty="0"/>
-              <a:t> </a:t>
-            </a:r>
-            <a:r>
-              <a:rPr lang="de-DE" dirty="0" err="1"/>
-              <a:t>to</a:t>
-            </a:r>
-            <a:r>
-              <a:rPr lang="de-DE" dirty="0"/>
-              <a:t> </a:t>
-            </a:r>
-            <a:r>
-              <a:rPr lang="de-DE" dirty="0" err="1"/>
-              <a:t>his</a:t>
-            </a:r>
-            <a:r>
-              <a:rPr lang="de-DE" dirty="0"/>
-              <a:t>/her </a:t>
-            </a:r>
-            <a:r>
-              <a:rPr lang="de-DE" dirty="0" err="1"/>
-              <a:t>needs</a:t>
-            </a:r>
-            <a:r>
-              <a:rPr lang="de-DE" dirty="0"/>
-              <a:t>.</a:t>
-            </a:r>
-          </a:p>
-          <a:p>
-            <a:r>
-              <a:rPr lang="de-DE" dirty="0" err="1"/>
-              <a:t>For</a:t>
-            </a:r>
-            <a:r>
-              <a:rPr lang="de-DE" dirty="0"/>
-              <a:t> </a:t>
-            </a:r>
-            <a:r>
-              <a:rPr lang="de-DE" dirty="0" err="1"/>
-              <a:t>now</a:t>
-            </a:r>
-            <a:r>
-              <a:rPr lang="de-DE" dirty="0"/>
-              <a:t> </a:t>
-            </a:r>
-            <a:r>
-              <a:rPr lang="de-DE" dirty="0" err="1"/>
-              <a:t>there</a:t>
-            </a:r>
-            <a:r>
-              <a:rPr lang="de-DE" dirty="0"/>
-              <a:t> will </a:t>
-            </a:r>
-            <a:r>
-              <a:rPr lang="de-DE" dirty="0" err="1"/>
-              <a:t>be</a:t>
-            </a:r>
-            <a:r>
-              <a:rPr lang="de-DE" dirty="0"/>
-              <a:t> a </a:t>
-            </a:r>
-            <a:r>
-              <a:rPr lang="de-DE" dirty="0" err="1"/>
-              <a:t>singular</a:t>
-            </a:r>
-            <a:r>
-              <a:rPr lang="de-DE" dirty="0"/>
-              <a:t> </a:t>
-            </a:r>
-            <a:r>
-              <a:rPr lang="de-DE" dirty="0" err="1"/>
-              <a:t>introduction</a:t>
-            </a:r>
-            <a:r>
-              <a:rPr lang="de-DE" dirty="0"/>
-              <a:t> </a:t>
-            </a:r>
-            <a:r>
-              <a:rPr lang="de-DE" dirty="0" err="1"/>
-              <a:t>page</a:t>
-            </a:r>
-            <a:r>
-              <a:rPr lang="de-DE" dirty="0"/>
-              <a:t> </a:t>
-            </a:r>
-            <a:r>
-              <a:rPr lang="de-DE" dirty="0" err="1"/>
-              <a:t>that</a:t>
-            </a:r>
-            <a:r>
-              <a:rPr lang="de-DE" dirty="0"/>
-              <a:t> </a:t>
-            </a:r>
-            <a:r>
-              <a:rPr lang="de-DE" dirty="0" err="1"/>
-              <a:t>presents</a:t>
-            </a:r>
-            <a:r>
-              <a:rPr lang="de-DE" dirty="0"/>
-              <a:t> </a:t>
-            </a:r>
-            <a:r>
-              <a:rPr lang="de-DE" dirty="0" err="1"/>
-              <a:t>the</a:t>
-            </a:r>
-            <a:r>
-              <a:rPr lang="de-DE" dirty="0"/>
-              <a:t> </a:t>
-            </a:r>
-            <a:r>
-              <a:rPr lang="de-DE" dirty="0" err="1"/>
-              <a:t>project</a:t>
-            </a:r>
-            <a:r>
-              <a:rPr lang="de-DE" dirty="0"/>
-              <a:t> and </a:t>
-            </a:r>
-            <a:r>
-              <a:rPr lang="de-DE" dirty="0" err="1"/>
-              <a:t>its</a:t>
-            </a:r>
-            <a:r>
-              <a:rPr lang="de-DE" dirty="0"/>
-              <a:t> </a:t>
-            </a:r>
-            <a:r>
-              <a:rPr lang="de-DE" dirty="0" err="1"/>
-              <a:t>purpose</a:t>
-            </a:r>
-            <a:r>
-              <a:rPr lang="de-DE" dirty="0"/>
-              <a:t>, but </a:t>
-            </a:r>
-            <a:r>
-              <a:rPr lang="de-DE" dirty="0" err="1"/>
-              <a:t>there</a:t>
-            </a:r>
-            <a:r>
-              <a:rPr lang="de-DE" dirty="0"/>
-              <a:t> will </a:t>
-            </a:r>
-            <a:r>
-              <a:rPr lang="de-DE" dirty="0" err="1"/>
-              <a:t>be</a:t>
-            </a:r>
-            <a:r>
-              <a:rPr lang="de-DE" dirty="0"/>
-              <a:t> </a:t>
-            </a:r>
-            <a:r>
-              <a:rPr lang="de-DE" dirty="0" err="1"/>
-              <a:t>the</a:t>
-            </a:r>
-            <a:r>
-              <a:rPr lang="de-DE" dirty="0"/>
-              <a:t> </a:t>
-            </a:r>
-            <a:r>
-              <a:rPr lang="de-DE" dirty="0" err="1"/>
-              <a:t>possibility</a:t>
-            </a:r>
-            <a:r>
-              <a:rPr lang="de-DE" dirty="0"/>
-              <a:t> </a:t>
-            </a:r>
-            <a:r>
-              <a:rPr lang="de-DE" dirty="0" err="1"/>
-              <a:t>to</a:t>
-            </a:r>
-            <a:r>
-              <a:rPr lang="de-DE" dirty="0"/>
-              <a:t> </a:t>
-            </a:r>
-            <a:r>
-              <a:rPr lang="de-DE" dirty="0" err="1"/>
-              <a:t>differenciate</a:t>
-            </a:r>
-            <a:r>
-              <a:rPr lang="de-DE" dirty="0"/>
-              <a:t> </a:t>
-            </a:r>
-            <a:r>
-              <a:rPr lang="de-DE" dirty="0" err="1"/>
-              <a:t>between</a:t>
-            </a:r>
-            <a:r>
-              <a:rPr lang="de-DE" dirty="0"/>
-              <a:t> </a:t>
-            </a:r>
-            <a:r>
-              <a:rPr lang="de-DE" dirty="0" err="1"/>
-              <a:t>beginner</a:t>
-            </a:r>
-            <a:r>
-              <a:rPr lang="de-DE" dirty="0"/>
-              <a:t>, </a:t>
-            </a:r>
-            <a:r>
-              <a:rPr lang="de-DE" dirty="0" err="1"/>
-              <a:t>advanced</a:t>
-            </a:r>
-            <a:r>
-              <a:rPr lang="de-DE" dirty="0"/>
-              <a:t> </a:t>
-            </a:r>
-            <a:r>
-              <a:rPr lang="de-DE" dirty="0" err="1"/>
-              <a:t>user</a:t>
-            </a:r>
-            <a:r>
-              <a:rPr lang="de-DE" dirty="0"/>
-              <a:t>, </a:t>
-            </a:r>
-            <a:r>
-              <a:rPr lang="de-DE" dirty="0" err="1"/>
-              <a:t>teacher</a:t>
-            </a:r>
-            <a:r>
-              <a:rPr lang="de-DE" dirty="0"/>
-              <a:t> and </a:t>
-            </a:r>
-            <a:r>
-              <a:rPr lang="de-DE" dirty="0" err="1"/>
-              <a:t>execuive</a:t>
-            </a:r>
-            <a:r>
-              <a:rPr lang="de-DE" dirty="0"/>
-              <a:t> in </a:t>
-            </a:r>
-            <a:r>
-              <a:rPr lang="de-DE" dirty="0" err="1"/>
-              <a:t>the</a:t>
-            </a:r>
-            <a:r>
-              <a:rPr lang="de-DE" dirty="0"/>
-              <a:t> </a:t>
-            </a:r>
-            <a:r>
-              <a:rPr lang="de-DE" dirty="0" err="1"/>
-              <a:t>future</a:t>
-            </a:r>
-            <a:r>
-              <a:rPr lang="de-DE" dirty="0"/>
-              <a:t>.</a:t>
-            </a:r>
-          </a:p>
-        </p:txBody>
-      </p:sp>
-      <p:grpSp>
-        <p:nvGrpSpPr>
-          <p:cNvPr id="18" name="Gruppieren 17">
-            <a:extLst>
-              <a:ext uri="{FF2B5EF4-FFF2-40B4-BE49-F238E27FC236}">
-                <a16:creationId xmlns:a16="http://schemas.microsoft.com/office/drawing/2014/main" id="{A5AFD996-4760-4F29-9D59-97EF56FA9FE1}"/>
-              </a:ext>
-            </a:extLst>
-          </p:cNvPr>
-          <p:cNvGrpSpPr/>
-          <p:nvPr/>
-        </p:nvGrpSpPr>
-        <p:grpSpPr>
-          <a:xfrm>
-            <a:off x="441651" y="364538"/>
-            <a:ext cx="11394450" cy="601997"/>
-            <a:chOff x="441651" y="364538"/>
-            <a:chExt cx="11394450" cy="601997"/>
-          </a:xfrm>
-        </p:grpSpPr>
-        <p:pic>
-          <p:nvPicPr>
-            <p:cNvPr id="19" name="Grafik 18">
-              <a:extLst>
-                <a:ext uri="{FF2B5EF4-FFF2-40B4-BE49-F238E27FC236}">
-                  <a16:creationId xmlns:a16="http://schemas.microsoft.com/office/drawing/2014/main" id="{B4EAC821-6535-4D70-8238-431BCEC6716A}"/>
-                </a:ext>
-              </a:extLst>
-            </p:cNvPr>
-            <p:cNvPicPr>
-              <a:picLocks noChangeAspect="1"/>
-            </p:cNvPicPr>
-            <p:nvPr/>
-          </p:nvPicPr>
-          <p:blipFill rotWithShape="1">
-            <a:blip r:embed="rId2" cstate="hqprint">
-              <a:extLst>
-                <a:ext uri="{28A0092B-C50C-407E-A947-70E740481C1C}">
-                  <a14:useLocalDpi xmlns:a14="http://schemas.microsoft.com/office/drawing/2010/main" val="0"/>
-                </a:ext>
-              </a:extLst>
-            </a:blip>
-            <a:srcRect r="60746"/>
-            <a:stretch/>
-          </p:blipFill>
-          <p:spPr>
-            <a:xfrm>
-              <a:off x="441651" y="364538"/>
-              <a:ext cx="986688" cy="601997"/>
-            </a:xfrm>
-            <a:prstGeom prst="rect">
-              <a:avLst/>
-            </a:prstGeom>
-          </p:spPr>
-        </p:pic>
-        <p:pic>
-          <p:nvPicPr>
-            <p:cNvPr id="20" name="Grafik 19">
-              <a:extLst>
-                <a:ext uri="{FF2B5EF4-FFF2-40B4-BE49-F238E27FC236}">
-                  <a16:creationId xmlns:a16="http://schemas.microsoft.com/office/drawing/2014/main" id="{D05FB210-3BBA-4D7D-925F-B75B4FC7B9D3}"/>
-                </a:ext>
-              </a:extLst>
-            </p:cNvPr>
-            <p:cNvPicPr>
-              <a:picLocks noChangeAspect="1"/>
-            </p:cNvPicPr>
-            <p:nvPr/>
-          </p:nvPicPr>
-          <p:blipFill>
-            <a:blip r:embed="rId3" cstate="hqprint">
-              <a:extLst>
-                <a:ext uri="{28A0092B-C50C-407E-A947-70E740481C1C}">
-                  <a14:useLocalDpi xmlns:a14="http://schemas.microsoft.com/office/drawing/2010/main" val="0"/>
-                </a:ext>
-              </a:extLst>
-            </a:blip>
-            <a:stretch>
-              <a:fillRect/>
-            </a:stretch>
-          </p:blipFill>
-          <p:spPr>
-            <a:xfrm>
-              <a:off x="10849413" y="364538"/>
-              <a:ext cx="986688" cy="469401"/>
-            </a:xfrm>
-            <a:prstGeom prst="rect">
-              <a:avLst/>
-            </a:prstGeom>
-          </p:spPr>
-        </p:pic>
-        <p:pic>
-          <p:nvPicPr>
-            <p:cNvPr id="21" name="Grafik 20">
-              <a:extLst>
-                <a:ext uri="{FF2B5EF4-FFF2-40B4-BE49-F238E27FC236}">
-                  <a16:creationId xmlns:a16="http://schemas.microsoft.com/office/drawing/2014/main" id="{2338D7BC-3758-49E0-97AD-6771C20D9B86}"/>
-                </a:ext>
-              </a:extLst>
-            </p:cNvPr>
-            <p:cNvPicPr>
-              <a:picLocks noChangeAspect="1"/>
-            </p:cNvPicPr>
-            <p:nvPr/>
-          </p:nvPicPr>
-          <p:blipFill>
-            <a:blip r:embed="rId4"/>
-            <a:stretch>
-              <a:fillRect/>
-            </a:stretch>
-          </p:blipFill>
-          <p:spPr>
-            <a:xfrm>
-              <a:off x="10367387" y="439868"/>
-              <a:ext cx="396274" cy="426757"/>
-            </a:xfrm>
-            <a:prstGeom prst="rect">
-              <a:avLst/>
-            </a:prstGeom>
-          </p:spPr>
-        </p:pic>
-        <p:sp>
-          <p:nvSpPr>
-            <p:cNvPr id="22" name="Textfeld 21">
-              <a:extLst>
-                <a:ext uri="{FF2B5EF4-FFF2-40B4-BE49-F238E27FC236}">
-                  <a16:creationId xmlns:a16="http://schemas.microsoft.com/office/drawing/2014/main" id="{C936DAFF-7283-464A-83F2-A5CCA5E53F30}"/>
-                </a:ext>
-              </a:extLst>
-            </p:cNvPr>
-            <p:cNvSpPr txBox="1"/>
-            <p:nvPr/>
-          </p:nvSpPr>
-          <p:spPr>
-            <a:xfrm>
-              <a:off x="4888724" y="480871"/>
-              <a:ext cx="946491" cy="369332"/>
-            </a:xfrm>
-            <a:prstGeom prst="rect">
-              <a:avLst/>
-            </a:prstGeom>
-            <a:solidFill>
-              <a:schemeClr val="bg1"/>
-            </a:solidFill>
-            <a:ln>
-              <a:solidFill>
-                <a:schemeClr val="tx1"/>
-              </a:solidFill>
-            </a:ln>
-          </p:spPr>
-          <p:txBody>
-            <a:bodyPr wrap="square" rtlCol="0">
-              <a:spAutoFit/>
-            </a:bodyPr>
-            <a:lstStyle/>
-            <a:p>
-              <a:r>
-                <a:rPr lang="de-DE" dirty="0"/>
-                <a:t>Tools</a:t>
-              </a:r>
-            </a:p>
-          </p:txBody>
-        </p:sp>
-        <p:sp>
-          <p:nvSpPr>
-            <p:cNvPr id="23" name="Textfeld 22">
-              <a:extLst>
-                <a:ext uri="{FF2B5EF4-FFF2-40B4-BE49-F238E27FC236}">
-                  <a16:creationId xmlns:a16="http://schemas.microsoft.com/office/drawing/2014/main" id="{90402798-1ACC-4E02-9A83-C7E7FCEE95B7}"/>
-                </a:ext>
-              </a:extLst>
-            </p:cNvPr>
-            <p:cNvSpPr txBox="1"/>
-            <p:nvPr/>
-          </p:nvSpPr>
-          <p:spPr>
-            <a:xfrm>
-              <a:off x="5521569" y="480871"/>
-              <a:ext cx="1266093" cy="369332"/>
-            </a:xfrm>
-            <a:prstGeom prst="rect">
-              <a:avLst/>
-            </a:prstGeom>
-            <a:solidFill>
-              <a:schemeClr val="bg1"/>
-            </a:solidFill>
-            <a:ln>
-              <a:solidFill>
-                <a:schemeClr val="tx1"/>
-              </a:solidFill>
-            </a:ln>
-          </p:spPr>
-          <p:txBody>
-            <a:bodyPr wrap="square" rtlCol="0">
-              <a:spAutoFit/>
-            </a:bodyPr>
-            <a:lstStyle/>
-            <a:p>
-              <a:r>
-                <a:rPr lang="de-DE" dirty="0"/>
-                <a:t>Resources</a:t>
-              </a:r>
-            </a:p>
-          </p:txBody>
-        </p:sp>
-        <p:sp>
-          <p:nvSpPr>
-            <p:cNvPr id="24" name="Textfeld 23">
-              <a:extLst>
-                <a:ext uri="{FF2B5EF4-FFF2-40B4-BE49-F238E27FC236}">
-                  <a16:creationId xmlns:a16="http://schemas.microsoft.com/office/drawing/2014/main" id="{E634217E-B6A3-42CF-9B1E-1BA92B22871A}"/>
-                </a:ext>
-              </a:extLst>
-            </p:cNvPr>
-            <p:cNvSpPr txBox="1"/>
-            <p:nvPr/>
-          </p:nvSpPr>
-          <p:spPr>
-            <a:xfrm>
-              <a:off x="6632372" y="480871"/>
-              <a:ext cx="1905612" cy="369332"/>
-            </a:xfrm>
-            <a:prstGeom prst="rect">
-              <a:avLst/>
-            </a:prstGeom>
-            <a:solidFill>
-              <a:schemeClr val="bg1"/>
-            </a:solidFill>
-            <a:ln>
-              <a:solidFill>
-                <a:schemeClr val="tx1"/>
-              </a:solidFill>
-            </a:ln>
-          </p:spPr>
-          <p:txBody>
-            <a:bodyPr wrap="square" rtlCol="0">
-              <a:spAutoFit/>
-            </a:bodyPr>
-            <a:lstStyle/>
-            <a:p>
-              <a:r>
-                <a:rPr lang="de-DE" dirty="0"/>
-                <a:t>News and Events</a:t>
-              </a:r>
-            </a:p>
-          </p:txBody>
-        </p:sp>
-        <p:sp>
-          <p:nvSpPr>
-            <p:cNvPr id="25" name="Textfeld 24">
-              <a:extLst>
-                <a:ext uri="{FF2B5EF4-FFF2-40B4-BE49-F238E27FC236}">
-                  <a16:creationId xmlns:a16="http://schemas.microsoft.com/office/drawing/2014/main" id="{0622FAFF-AAD7-494E-9DCC-5C6D39AD3FA6}"/>
-                </a:ext>
-              </a:extLst>
-            </p:cNvPr>
-            <p:cNvSpPr txBox="1"/>
-            <p:nvPr/>
-          </p:nvSpPr>
-          <p:spPr>
-            <a:xfrm>
-              <a:off x="9335141" y="480871"/>
-              <a:ext cx="975370" cy="369332"/>
-            </a:xfrm>
-            <a:prstGeom prst="rect">
-              <a:avLst/>
-            </a:prstGeom>
-            <a:solidFill>
-              <a:schemeClr val="bg1"/>
-            </a:solidFill>
-            <a:ln>
-              <a:solidFill>
-                <a:schemeClr val="tx1"/>
-              </a:solidFill>
-            </a:ln>
-          </p:spPr>
-          <p:txBody>
-            <a:bodyPr wrap="square" rtlCol="0">
-              <a:spAutoFit/>
-            </a:bodyPr>
-            <a:lstStyle/>
-            <a:p>
-              <a:r>
-                <a:rPr lang="de-DE" dirty="0"/>
-                <a:t>About</a:t>
-              </a:r>
-            </a:p>
-          </p:txBody>
-        </p:sp>
-        <p:sp>
-          <p:nvSpPr>
-            <p:cNvPr id="26" name="Textfeld 25">
-              <a:extLst>
-                <a:ext uri="{FF2B5EF4-FFF2-40B4-BE49-F238E27FC236}">
-                  <a16:creationId xmlns:a16="http://schemas.microsoft.com/office/drawing/2014/main" id="{A12626B1-CD46-43D8-AA75-D360B3EBD175}"/>
-                </a:ext>
-              </a:extLst>
-            </p:cNvPr>
-            <p:cNvSpPr txBox="1"/>
-            <p:nvPr/>
-          </p:nvSpPr>
-          <p:spPr>
-            <a:xfrm>
-              <a:off x="3151485" y="480871"/>
-              <a:ext cx="1736449" cy="369332"/>
-            </a:xfrm>
-            <a:prstGeom prst="rect">
-              <a:avLst/>
-            </a:prstGeom>
-            <a:solidFill>
-              <a:schemeClr val="bg1"/>
-            </a:solidFill>
-            <a:ln>
-              <a:solidFill>
-                <a:schemeClr val="tx1"/>
-              </a:solidFill>
-            </a:ln>
-          </p:spPr>
-          <p:txBody>
-            <a:bodyPr wrap="square" rtlCol="0">
-              <a:spAutoFit/>
-            </a:bodyPr>
-            <a:lstStyle/>
-            <a:p>
-              <a:r>
-                <a:rPr lang="de-DE" dirty="0" err="1"/>
-                <a:t>Specification</a:t>
-              </a:r>
-              <a:endParaRPr lang="de-DE" dirty="0"/>
+                <a:rPr lang="de-DE" i="1" dirty="0" err="1"/>
+                <a:t>eFMI</a:t>
+              </a:r>
+              <a:r>
+                <a:rPr lang="de-DE" i="1" dirty="0"/>
+                <a:t> </a:t>
+              </a:r>
+              <a:r>
+                <a:rPr lang="de-DE" i="1" dirty="0" smtClean="0"/>
+                <a:t>Standard</a:t>
+              </a:r>
+              <a:endParaRPr lang="de-DE" i="1" dirty="0"/>
             </a:p>
           </p:txBody>
         </p:sp>
@@ -5456,10 +4065,691 @@
           </p:txBody>
         </p:sp>
       </p:grpSp>
+      <p:grpSp>
+        <p:nvGrpSpPr>
+          <p:cNvPr id="16" name="Gruppieren 7">
+            <a:extLst>
+              <a:ext uri="{FF2B5EF4-FFF2-40B4-BE49-F238E27FC236}">
+                <a16:creationId xmlns:a16="http://schemas.microsoft.com/office/drawing/2014/main" id="{A49D6D6D-D5C6-4554-861C-717288779528}"/>
+              </a:ext>
+            </a:extLst>
+          </p:cNvPr>
+          <p:cNvGrpSpPr/>
+          <p:nvPr/>
+        </p:nvGrpSpPr>
+        <p:grpSpPr>
+          <a:xfrm>
+            <a:off x="393130" y="1933575"/>
+            <a:ext cx="11411861" cy="1981200"/>
+            <a:chOff x="392227" y="2438400"/>
+            <a:chExt cx="11411861" cy="1981200"/>
+          </a:xfrm>
+        </p:grpSpPr>
+        <p:sp>
+          <p:nvSpPr>
+            <p:cNvPr id="29" name="Rechteck 1">
+              <a:extLst>
+                <a:ext uri="{FF2B5EF4-FFF2-40B4-BE49-F238E27FC236}">
+                  <a16:creationId xmlns:a16="http://schemas.microsoft.com/office/drawing/2014/main" id="{C74F339A-E417-4A59-ACFE-B1560FFA775B}"/>
+                </a:ext>
+              </a:extLst>
+            </p:cNvPr>
+            <p:cNvSpPr/>
+            <p:nvPr/>
+          </p:nvSpPr>
+          <p:spPr>
+            <a:xfrm>
+              <a:off x="392227" y="2438400"/>
+              <a:ext cx="3552825" cy="1981200"/>
+            </a:xfrm>
+            <a:prstGeom prst="rect">
+              <a:avLst/>
+            </a:prstGeom>
+            <a:solidFill>
+              <a:schemeClr val="bg1"/>
+            </a:solidFill>
+            <a:ln>
+              <a:solidFill>
+                <a:schemeClr val="tx1"/>
+              </a:solidFill>
+            </a:ln>
+          </p:spPr>
+          <p:style>
+            <a:lnRef idx="2">
+              <a:schemeClr val="accent1">
+                <a:shade val="50000"/>
+              </a:schemeClr>
+            </a:lnRef>
+            <a:fillRef idx="1">
+              <a:schemeClr val="accent1"/>
+            </a:fillRef>
+            <a:effectRef idx="0">
+              <a:schemeClr val="accent1"/>
+            </a:effectRef>
+            <a:fontRef idx="minor">
+              <a:schemeClr val="lt1"/>
+            </a:fontRef>
+          </p:style>
+          <p:txBody>
+            <a:bodyPr rtlCol="0" anchor="ctr"/>
+            <a:lstStyle/>
+            <a:p>
+              <a:pPr algn="ctr"/>
+              <a:endParaRPr lang="de-DE" dirty="0"/>
+            </a:p>
+          </p:txBody>
+        </p:sp>
+        <p:sp>
+          <p:nvSpPr>
+            <p:cNvPr id="30" name="Rechteck 20">
+              <a:extLst>
+                <a:ext uri="{FF2B5EF4-FFF2-40B4-BE49-F238E27FC236}">
+                  <a16:creationId xmlns:a16="http://schemas.microsoft.com/office/drawing/2014/main" id="{1C125254-E1BA-4BDA-BF9C-E7110471B9D7}"/>
+                </a:ext>
+              </a:extLst>
+            </p:cNvPr>
+            <p:cNvSpPr/>
+            <p:nvPr/>
+          </p:nvSpPr>
+          <p:spPr>
+            <a:xfrm>
+              <a:off x="4321745" y="2438400"/>
+              <a:ext cx="3552825" cy="1981200"/>
+            </a:xfrm>
+            <a:prstGeom prst="rect">
+              <a:avLst/>
+            </a:prstGeom>
+            <a:solidFill>
+              <a:schemeClr val="bg1"/>
+            </a:solidFill>
+            <a:ln>
+              <a:solidFill>
+                <a:schemeClr val="tx1"/>
+              </a:solidFill>
+            </a:ln>
+          </p:spPr>
+          <p:style>
+            <a:lnRef idx="2">
+              <a:schemeClr val="accent1">
+                <a:shade val="50000"/>
+              </a:schemeClr>
+            </a:lnRef>
+            <a:fillRef idx="1">
+              <a:schemeClr val="accent1"/>
+            </a:fillRef>
+            <a:effectRef idx="0">
+              <a:schemeClr val="accent1"/>
+            </a:effectRef>
+            <a:fontRef idx="minor">
+              <a:schemeClr val="lt1"/>
+            </a:fontRef>
+          </p:style>
+          <p:txBody>
+            <a:bodyPr rtlCol="0" anchor="ctr"/>
+            <a:lstStyle/>
+            <a:p>
+              <a:pPr algn="ctr"/>
+              <a:endParaRPr lang="de-DE"/>
+            </a:p>
+          </p:txBody>
+        </p:sp>
+        <p:sp>
+          <p:nvSpPr>
+            <p:cNvPr id="31" name="Rechteck 21">
+              <a:extLst>
+                <a:ext uri="{FF2B5EF4-FFF2-40B4-BE49-F238E27FC236}">
+                  <a16:creationId xmlns:a16="http://schemas.microsoft.com/office/drawing/2014/main" id="{C63A4EDE-2826-4D19-98F8-CC737ACA97FF}"/>
+                </a:ext>
+              </a:extLst>
+            </p:cNvPr>
+            <p:cNvSpPr/>
+            <p:nvPr/>
+          </p:nvSpPr>
+          <p:spPr>
+            <a:xfrm>
+              <a:off x="8251263" y="2438400"/>
+              <a:ext cx="3552825" cy="1981200"/>
+            </a:xfrm>
+            <a:prstGeom prst="rect">
+              <a:avLst/>
+            </a:prstGeom>
+            <a:noFill/>
+            <a:ln>
+              <a:solidFill>
+                <a:schemeClr val="tx1"/>
+              </a:solidFill>
+            </a:ln>
+          </p:spPr>
+          <p:style>
+            <a:lnRef idx="2">
+              <a:schemeClr val="accent1">
+                <a:shade val="50000"/>
+              </a:schemeClr>
+            </a:lnRef>
+            <a:fillRef idx="1">
+              <a:schemeClr val="accent1"/>
+            </a:fillRef>
+            <a:effectRef idx="0">
+              <a:schemeClr val="accent1"/>
+            </a:effectRef>
+            <a:fontRef idx="minor">
+              <a:schemeClr val="lt1"/>
+            </a:fontRef>
+          </p:style>
+          <p:txBody>
+            <a:bodyPr rtlCol="0" anchor="ctr"/>
+            <a:lstStyle/>
+            <a:p>
+              <a:pPr algn="ctr"/>
+              <a:endParaRPr lang="de-DE"/>
+            </a:p>
+          </p:txBody>
+        </p:sp>
+        <p:sp>
+          <p:nvSpPr>
+            <p:cNvPr id="32" name="Textfeld 3">
+              <a:extLst>
+                <a:ext uri="{FF2B5EF4-FFF2-40B4-BE49-F238E27FC236}">
+                  <a16:creationId xmlns:a16="http://schemas.microsoft.com/office/drawing/2014/main" id="{7099889C-6035-41BB-B23C-9EDAE7B10D5F}"/>
+                </a:ext>
+              </a:extLst>
+            </p:cNvPr>
+            <p:cNvSpPr txBox="1"/>
+            <p:nvPr/>
+          </p:nvSpPr>
+          <p:spPr>
+            <a:xfrm>
+              <a:off x="505513" y="2667000"/>
+              <a:ext cx="2793629" cy="523220"/>
+            </a:xfrm>
+            <a:prstGeom prst="rect">
+              <a:avLst/>
+            </a:prstGeom>
+            <a:noFill/>
+          </p:spPr>
+          <p:txBody>
+            <a:bodyPr wrap="square" rtlCol="0">
+              <a:spAutoFit/>
+            </a:bodyPr>
+            <a:lstStyle/>
+            <a:p>
+              <a:endParaRPr lang="de-DE" sz="2800" dirty="0">
+                <a:solidFill>
+                  <a:srgbClr val="C00000"/>
+                </a:solidFill>
+              </a:endParaRPr>
+            </a:p>
+          </p:txBody>
+        </p:sp>
+        <p:sp>
+          <p:nvSpPr>
+            <p:cNvPr id="34" name="Textfeld 27">
+              <a:extLst>
+                <a:ext uri="{FF2B5EF4-FFF2-40B4-BE49-F238E27FC236}">
+                  <a16:creationId xmlns:a16="http://schemas.microsoft.com/office/drawing/2014/main" id="{FC0B8926-18F3-4F20-A56A-21171D88F254}"/>
+                </a:ext>
+              </a:extLst>
+            </p:cNvPr>
+            <p:cNvSpPr txBox="1"/>
+            <p:nvPr/>
+          </p:nvSpPr>
+          <p:spPr>
+            <a:xfrm>
+              <a:off x="8281186" y="2454573"/>
+              <a:ext cx="3429619" cy="523220"/>
+            </a:xfrm>
+            <a:prstGeom prst="rect">
+              <a:avLst/>
+            </a:prstGeom>
+            <a:noFill/>
+          </p:spPr>
+          <p:txBody>
+            <a:bodyPr wrap="square" rtlCol="0">
+              <a:spAutoFit/>
+            </a:bodyPr>
+            <a:lstStyle/>
+            <a:p>
+              <a:r>
+                <a:rPr lang="en-US" sz="2800" dirty="0" smtClean="0">
+                  <a:solidFill>
+                    <a:srgbClr val="C00000"/>
+                  </a:solidFill>
+                </a:rPr>
+                <a:t>Community</a:t>
+              </a:r>
+              <a:endParaRPr lang="de-DE" sz="2800" dirty="0">
+                <a:solidFill>
+                  <a:srgbClr val="C00000"/>
+                </a:solidFill>
+              </a:endParaRPr>
+            </a:p>
+          </p:txBody>
+        </p:sp>
+      </p:grpSp>
+      <p:sp>
+        <p:nvSpPr>
+          <p:cNvPr id="40" name="Textfeld 27">
+            <a:extLst>
+              <a:ext uri="{FF2B5EF4-FFF2-40B4-BE49-F238E27FC236}">
+                <a16:creationId xmlns:a16="http://schemas.microsoft.com/office/drawing/2014/main" id="{FC0B8926-18F3-4F20-A56A-21171D88F254}"/>
+              </a:ext>
+            </a:extLst>
+          </p:cNvPr>
+          <p:cNvSpPr txBox="1"/>
+          <p:nvPr/>
+        </p:nvSpPr>
+        <p:spPr>
+          <a:xfrm>
+            <a:off x="506416" y="2007973"/>
+            <a:ext cx="2961242" cy="523220"/>
+          </a:xfrm>
+          <a:prstGeom prst="rect">
+            <a:avLst/>
+          </a:prstGeom>
+          <a:noFill/>
+        </p:spPr>
+        <p:txBody>
+          <a:bodyPr wrap="square" rtlCol="0">
+            <a:spAutoFit/>
+          </a:bodyPr>
+          <a:lstStyle/>
+          <a:p>
+            <a:r>
+              <a:rPr lang="en-US" sz="2800" dirty="0" smtClean="0">
+                <a:solidFill>
+                  <a:srgbClr val="C00000"/>
+                </a:solidFill>
+              </a:rPr>
+              <a:t>About </a:t>
+            </a:r>
+            <a:r>
+              <a:rPr lang="en-US" sz="2800" dirty="0" err="1" smtClean="0">
+                <a:solidFill>
+                  <a:srgbClr val="C00000"/>
+                </a:solidFill>
+              </a:rPr>
+              <a:t>eFMI</a:t>
+            </a:r>
+            <a:endParaRPr lang="de-DE" sz="2800" dirty="0">
+              <a:solidFill>
+                <a:srgbClr val="C00000"/>
+              </a:solidFill>
+            </a:endParaRPr>
+          </a:p>
+        </p:txBody>
+      </p:sp>
+      <p:sp>
+        <p:nvSpPr>
+          <p:cNvPr id="41" name="Textfeld 2">
+            <a:extLst>
+              <a:ext uri="{FF2B5EF4-FFF2-40B4-BE49-F238E27FC236}">
+                <a16:creationId xmlns:a16="http://schemas.microsoft.com/office/drawing/2014/main" id="{BC94B7E2-ABFB-452A-BBA0-CEA1559E82BE}"/>
+              </a:ext>
+            </a:extLst>
+          </p:cNvPr>
+          <p:cNvSpPr txBox="1"/>
+          <p:nvPr/>
+        </p:nvSpPr>
+        <p:spPr>
+          <a:xfrm>
+            <a:off x="4318591" y="1949834"/>
+            <a:ext cx="3038337" cy="954107"/>
+          </a:xfrm>
+          <a:prstGeom prst="rect">
+            <a:avLst/>
+          </a:prstGeom>
+          <a:noFill/>
+        </p:spPr>
+        <p:txBody>
+          <a:bodyPr wrap="square" rtlCol="0">
+            <a:spAutoFit/>
+          </a:bodyPr>
+          <a:lstStyle/>
+          <a:p>
+            <a:r>
+              <a:rPr lang="sv-SE" sz="2800" dirty="0" smtClean="0">
+                <a:solidFill>
+                  <a:srgbClr val="C00000"/>
+                </a:solidFill>
+              </a:rPr>
+              <a:t>Project </a:t>
+            </a:r>
+            <a:r>
+              <a:rPr lang="sv-SE" sz="2800" dirty="0" err="1" smtClean="0">
+                <a:solidFill>
+                  <a:srgbClr val="C00000"/>
+                </a:solidFill>
+              </a:rPr>
+              <a:t>organization</a:t>
+            </a:r>
+            <a:endParaRPr lang="de-DE" sz="2800" dirty="0">
+              <a:solidFill>
+                <a:srgbClr val="C00000"/>
+              </a:solidFill>
+            </a:endParaRPr>
+          </a:p>
+        </p:txBody>
+      </p:sp>
+      <p:sp>
+        <p:nvSpPr>
+          <p:cNvPr id="42" name="Textfeld 26">
+            <a:extLst>
+              <a:ext uri="{FF2B5EF4-FFF2-40B4-BE49-F238E27FC236}">
+                <a16:creationId xmlns:a16="http://schemas.microsoft.com/office/drawing/2014/main" id="{2B6EFB4F-52E0-4965-BE1B-63A4F4D3F14D}"/>
+              </a:ext>
+            </a:extLst>
+          </p:cNvPr>
+          <p:cNvSpPr txBox="1"/>
+          <p:nvPr/>
+        </p:nvSpPr>
+        <p:spPr>
+          <a:xfrm>
+            <a:off x="4360993" y="2873078"/>
+            <a:ext cx="2948443" cy="923330"/>
+          </a:xfrm>
+          <a:prstGeom prst="rect">
+            <a:avLst/>
+          </a:prstGeom>
+          <a:noFill/>
+        </p:spPr>
+        <p:txBody>
+          <a:bodyPr wrap="square" rtlCol="0">
+            <a:spAutoFit/>
+          </a:bodyPr>
+          <a:lstStyle/>
+          <a:p>
+            <a:r>
+              <a:rPr lang="de-DE" dirty="0"/>
+              <a:t>More </a:t>
+            </a:r>
+            <a:r>
+              <a:rPr lang="de-DE" dirty="0" err="1"/>
+              <a:t>detailed</a:t>
+            </a:r>
+            <a:r>
+              <a:rPr lang="de-DE" dirty="0"/>
+              <a:t> </a:t>
+            </a:r>
+            <a:r>
+              <a:rPr lang="de-DE" dirty="0" err="1"/>
+              <a:t>information</a:t>
+            </a:r>
+            <a:r>
+              <a:rPr lang="de-DE" dirty="0"/>
+              <a:t> </a:t>
+            </a:r>
+            <a:r>
+              <a:rPr lang="de-DE" dirty="0" err="1"/>
+              <a:t>about</a:t>
+            </a:r>
+            <a:r>
+              <a:rPr lang="de-DE" dirty="0"/>
+              <a:t> </a:t>
+            </a:r>
+            <a:r>
+              <a:rPr lang="de-DE" dirty="0" err="1"/>
+              <a:t>the</a:t>
+            </a:r>
+            <a:r>
+              <a:rPr lang="de-DE" dirty="0"/>
+              <a:t> </a:t>
+            </a:r>
+            <a:r>
+              <a:rPr lang="de-DE" dirty="0" err="1" smtClean="0"/>
+              <a:t>project</a:t>
+            </a:r>
+            <a:r>
+              <a:rPr lang="de-DE" dirty="0" smtClean="0"/>
+              <a:t>, e.g.,</a:t>
+            </a:r>
+            <a:r>
+              <a:rPr lang="de-DE" dirty="0"/>
+              <a:t> </a:t>
+            </a:r>
+            <a:r>
+              <a:rPr lang="de-DE" dirty="0" err="1" smtClean="0"/>
+              <a:t>b</a:t>
+            </a:r>
+            <a:r>
+              <a:rPr lang="de-DE" dirty="0" err="1" smtClean="0"/>
+              <a:t>ylaws</a:t>
+            </a:r>
+            <a:r>
+              <a:rPr lang="de-DE" dirty="0" smtClean="0"/>
+              <a:t> </a:t>
+            </a:r>
+            <a:r>
+              <a:rPr lang="de-DE" dirty="0" err="1" smtClean="0"/>
+              <a:t>and</a:t>
+            </a:r>
+            <a:r>
+              <a:rPr lang="de-DE" dirty="0" smtClean="0"/>
+              <a:t> </a:t>
+            </a:r>
+            <a:r>
+              <a:rPr lang="de-DE" dirty="0" err="1" smtClean="0"/>
+              <a:t>current</a:t>
+            </a:r>
+            <a:r>
+              <a:rPr lang="de-DE" dirty="0" smtClean="0"/>
+              <a:t> </a:t>
+            </a:r>
+            <a:r>
+              <a:rPr lang="de-DE" dirty="0" err="1" smtClean="0"/>
+              <a:t>members</a:t>
+            </a:r>
+            <a:r>
+              <a:rPr lang="de-DE" dirty="0" smtClean="0"/>
+              <a:t>.</a:t>
+            </a:r>
+            <a:endParaRPr lang="de-DE" dirty="0"/>
+          </a:p>
+        </p:txBody>
+      </p:sp>
+      <p:sp>
+        <p:nvSpPr>
+          <p:cNvPr id="43" name="Textfeld 26">
+            <a:extLst>
+              <a:ext uri="{FF2B5EF4-FFF2-40B4-BE49-F238E27FC236}">
+                <a16:creationId xmlns:a16="http://schemas.microsoft.com/office/drawing/2014/main" id="{2B6EFB4F-52E0-4965-BE1B-63A4F4D3F14D}"/>
+              </a:ext>
+            </a:extLst>
+          </p:cNvPr>
+          <p:cNvSpPr txBox="1"/>
+          <p:nvPr/>
+        </p:nvSpPr>
+        <p:spPr>
+          <a:xfrm>
+            <a:off x="429008" y="2874789"/>
+            <a:ext cx="2948443" cy="923330"/>
+          </a:xfrm>
+          <a:prstGeom prst="rect">
+            <a:avLst/>
+          </a:prstGeom>
+          <a:noFill/>
+        </p:spPr>
+        <p:txBody>
+          <a:bodyPr wrap="square" rtlCol="0">
+            <a:spAutoFit/>
+          </a:bodyPr>
+          <a:lstStyle/>
+          <a:p>
+            <a:r>
+              <a:rPr lang="de-DE" dirty="0" err="1" smtClean="0"/>
+              <a:t>Overview</a:t>
+            </a:r>
+            <a:r>
+              <a:rPr lang="de-DE" dirty="0" smtClean="0"/>
+              <a:t> </a:t>
+            </a:r>
+            <a:r>
+              <a:rPr lang="de-DE" dirty="0" err="1" smtClean="0"/>
+              <a:t>of</a:t>
+            </a:r>
+            <a:r>
+              <a:rPr lang="de-DE" dirty="0" smtClean="0"/>
+              <a:t> </a:t>
+            </a:r>
+            <a:r>
+              <a:rPr lang="de-DE" dirty="0" err="1" smtClean="0"/>
+              <a:t>the</a:t>
+            </a:r>
+            <a:r>
+              <a:rPr lang="de-DE" dirty="0" smtClean="0"/>
+              <a:t> </a:t>
+            </a:r>
+            <a:r>
+              <a:rPr lang="de-DE" dirty="0" err="1" smtClean="0"/>
+              <a:t>eFMI</a:t>
+            </a:r>
+            <a:r>
+              <a:rPr lang="de-DE" dirty="0" smtClean="0"/>
+              <a:t> </a:t>
+            </a:r>
+            <a:r>
+              <a:rPr lang="de-DE" dirty="0" err="1" smtClean="0"/>
+              <a:t>technology</a:t>
+            </a:r>
+            <a:r>
+              <a:rPr lang="de-DE" dirty="0" smtClean="0"/>
+              <a:t> </a:t>
+            </a:r>
+            <a:r>
+              <a:rPr lang="de-DE" dirty="0" err="1" smtClean="0"/>
+              <a:t>and</a:t>
+            </a:r>
+            <a:r>
+              <a:rPr lang="de-DE" dirty="0" smtClean="0"/>
+              <a:t> </a:t>
+            </a:r>
+            <a:r>
+              <a:rPr lang="de-DE" dirty="0" err="1" smtClean="0"/>
+              <a:t>objectives</a:t>
+            </a:r>
+            <a:r>
+              <a:rPr lang="de-DE" dirty="0" smtClean="0"/>
+              <a:t> </a:t>
+            </a:r>
+            <a:r>
+              <a:rPr lang="de-DE" dirty="0" err="1"/>
+              <a:t>o</a:t>
+            </a:r>
+            <a:r>
+              <a:rPr lang="de-DE" dirty="0" err="1" smtClean="0"/>
+              <a:t>f</a:t>
+            </a:r>
+            <a:r>
+              <a:rPr lang="de-DE" dirty="0" smtClean="0"/>
+              <a:t> MAP </a:t>
+            </a:r>
+            <a:r>
+              <a:rPr lang="de-DE" dirty="0" err="1" smtClean="0"/>
+              <a:t>eFMI</a:t>
+            </a:r>
+            <a:r>
+              <a:rPr lang="de-DE" dirty="0" smtClean="0"/>
+              <a:t>.</a:t>
+            </a:r>
+            <a:endParaRPr lang="de-DE" dirty="0"/>
+          </a:p>
+        </p:txBody>
+      </p:sp>
+      <p:sp>
+        <p:nvSpPr>
+          <p:cNvPr id="44" name="Textfeld 26">
+            <a:extLst>
+              <a:ext uri="{FF2B5EF4-FFF2-40B4-BE49-F238E27FC236}">
+                <a16:creationId xmlns:a16="http://schemas.microsoft.com/office/drawing/2014/main" id="{2B6EFB4F-52E0-4965-BE1B-63A4F4D3F14D}"/>
+              </a:ext>
+            </a:extLst>
+          </p:cNvPr>
+          <p:cNvSpPr txBox="1"/>
+          <p:nvPr/>
+        </p:nvSpPr>
+        <p:spPr>
+          <a:xfrm>
+            <a:off x="8324813" y="2904203"/>
+            <a:ext cx="2948443" cy="923330"/>
+          </a:xfrm>
+          <a:prstGeom prst="rect">
+            <a:avLst/>
+          </a:prstGeom>
+          <a:noFill/>
+        </p:spPr>
+        <p:txBody>
+          <a:bodyPr wrap="square" rtlCol="0">
+            <a:spAutoFit/>
+          </a:bodyPr>
+          <a:lstStyle/>
+          <a:p>
+            <a:r>
+              <a:rPr lang="de-DE" dirty="0" err="1"/>
+              <a:t>How</a:t>
+            </a:r>
+            <a:r>
+              <a:rPr lang="de-DE" dirty="0"/>
+              <a:t> </a:t>
+            </a:r>
+            <a:r>
+              <a:rPr lang="de-DE" dirty="0" err="1"/>
+              <a:t>to</a:t>
+            </a:r>
+            <a:r>
+              <a:rPr lang="de-DE" dirty="0"/>
+              <a:t> </a:t>
+            </a:r>
+            <a:r>
+              <a:rPr lang="de-DE" dirty="0" err="1"/>
+              <a:t>get</a:t>
+            </a:r>
+            <a:r>
+              <a:rPr lang="de-DE" dirty="0"/>
+              <a:t> </a:t>
+            </a:r>
+            <a:r>
+              <a:rPr lang="de-DE" dirty="0" smtClean="0"/>
+              <a:t>in </a:t>
+            </a:r>
+            <a:r>
+              <a:rPr lang="de-DE" dirty="0" err="1" smtClean="0"/>
+              <a:t>touch</a:t>
+            </a:r>
+            <a:r>
+              <a:rPr lang="de-DE" dirty="0" smtClean="0"/>
+              <a:t>, </a:t>
+            </a:r>
+            <a:r>
+              <a:rPr lang="en-US" dirty="0" smtClean="0"/>
+              <a:t>contribute </a:t>
+            </a:r>
+            <a:r>
+              <a:rPr lang="en-US" dirty="0"/>
+              <a:t>and </a:t>
+            </a:r>
+            <a:r>
+              <a:rPr lang="en-US" dirty="0" smtClean="0"/>
+              <a:t>become </a:t>
+            </a:r>
+            <a:r>
+              <a:rPr lang="en-US" dirty="0"/>
+              <a:t>a </a:t>
+            </a:r>
+            <a:r>
+              <a:rPr lang="en-US" dirty="0" smtClean="0"/>
+              <a:t>member</a:t>
+            </a:r>
+            <a:r>
+              <a:rPr lang="de-DE" dirty="0" smtClean="0"/>
+              <a:t>.</a:t>
+            </a:r>
+            <a:endParaRPr lang="de-DE" dirty="0"/>
+          </a:p>
+        </p:txBody>
+      </p:sp>
     </p:spTree>
     <p:extLst>
       <p:ext uri="{BB962C8B-B14F-4D97-AF65-F5344CB8AC3E}">
-        <p14:creationId xmlns:p14="http://schemas.microsoft.com/office/powerpoint/2010/main" val="3102335092"/>
+        <p14:creationId xmlns:p14="http://schemas.microsoft.com/office/powerpoint/2010/main" val="3721998596"/>
       </p:ext>
     </p:extLst>
   </p:cSld>
@@ -5469,7 +4759,7 @@
 </p:sld>
 </file>
 
-<file path=ppt/slides/slide4.xml><?xml version="1.0" encoding="utf-8"?>
+<file path=ppt/slides/slide3.xml><?xml version="1.0" encoding="utf-8"?>
 <p:sld xmlns:a="http://schemas.openxmlformats.org/drawingml/2006/main" xmlns:r="http://schemas.openxmlformats.org/officeDocument/2006/relationships" xmlns:p="http://schemas.openxmlformats.org/presentationml/2006/main">
   <p:cSld>
     <p:spTree>
@@ -5811,10 +5101,14 @@
             <a:lstStyle/>
             <a:p>
               <a:r>
-                <a:rPr lang="de-DE" dirty="0" err="1"/>
-                <a:t>Specification</a:t>
-              </a:r>
-              <a:endParaRPr lang="de-DE" dirty="0"/>
+                <a:rPr lang="de-DE" i="1" dirty="0" err="1" smtClean="0"/>
+                <a:t>eFMI</a:t>
+              </a:r>
+              <a:r>
+                <a:rPr lang="de-DE" i="1" dirty="0" smtClean="0"/>
+                <a:t> Standard</a:t>
+              </a:r>
+              <a:endParaRPr lang="de-DE" i="1" dirty="0"/>
             </a:p>
           </p:txBody>
         </p:sp>
@@ -6552,7 +5846,7 @@
         <p:spPr>
           <a:xfrm>
             <a:off x="506416" y="2007973"/>
-            <a:ext cx="2961242" cy="523220"/>
+            <a:ext cx="2961242" cy="1384995"/>
           </a:xfrm>
           <a:prstGeom prst="rect">
             <a:avLst/>
@@ -6571,7 +5865,31 @@
                   <a:srgbClr val="C00000"/>
                 </a:solidFill>
               </a:rPr>
-              <a:t>Overview</a:t>
+              <a:t>About the </a:t>
+            </a:r>
+            <a:r>
+              <a:rPr lang="en-US" sz="2800" i="1" dirty="0" err="1" smtClean="0">
+                <a:solidFill>
+                  <a:srgbClr val="C00000"/>
+                </a:solidFill>
+              </a:rPr>
+              <a:t>eFMI</a:t>
+            </a:r>
+            <a:r>
+              <a:rPr lang="en-US" sz="2800" i="1" dirty="0" smtClean="0">
+                <a:solidFill>
+                  <a:srgbClr val="C00000"/>
+                </a:solidFill>
+              </a:rPr>
+              <a:t> Standard</a:t>
+            </a:r>
+            <a:r>
+              <a:rPr lang="en-US" sz="2800" dirty="0" smtClean="0">
+                <a:solidFill>
+                  <a:srgbClr val="C00000"/>
+                </a:solidFill>
+              </a:rPr>
+              <a:t> and its licensing</a:t>
             </a:r>
             <a:endParaRPr lang="de-DE" sz="2800" dirty="0">
               <a:solidFill>
@@ -6596,7 +5914,7 @@
         <p:spPr>
           <a:xfrm>
             <a:off x="4318591" y="1949834"/>
-            <a:ext cx="3038337" cy="954107"/>
+            <a:ext cx="3038337" cy="1815882"/>
           </a:xfrm>
           <a:prstGeom prst="rect">
             <a:avLst/>
@@ -6610,7 +5928,7 @@
           <a:lstStyle/>
           <a:p>
             <a:r>
-              <a:rPr lang="de-DE" sz="2800" dirty="0" smtClean="0">
+              <a:rPr lang="en-US" sz="2800" dirty="0" smtClean="0">
                 <a:solidFill>
                   <a:srgbClr val="C00000"/>
                 </a:solidFill>
@@ -6618,44 +5936,36 @@
               <a:t>Release </a:t>
             </a:r>
             <a:r>
-              <a:rPr lang="de-DE" sz="2800" dirty="0" err="1" smtClean="0">
+              <a:rPr lang="en-US" sz="2800" dirty="0">
                 <a:solidFill>
                   <a:srgbClr val="C00000"/>
                 </a:solidFill>
               </a:rPr>
-              <a:t>cycle</a:t>
-            </a:r>
-            <a:r>
-              <a:rPr lang="de-DE" sz="2800" dirty="0" smtClean="0">
+              <a:t>cycle, </a:t>
+            </a:r>
+            <a:r>
+              <a:rPr lang="en-US" sz="2800" dirty="0" err="1">
                 <a:solidFill>
                   <a:srgbClr val="C00000"/>
                 </a:solidFill>
               </a:rPr>
-              <a:t> </a:t>
-            </a:r>
-            <a:r>
-              <a:rPr lang="de-DE" sz="2800" dirty="0" err="1" smtClean="0">
+              <a:t>eFMI</a:t>
+            </a:r>
+            <a:r>
+              <a:rPr lang="en-US" sz="2800" dirty="0">
                 <a:solidFill>
                   <a:srgbClr val="C00000"/>
                 </a:solidFill>
               </a:rPr>
-              <a:t>and</a:t>
-            </a:r>
-            <a:r>
-              <a:rPr lang="de-DE" sz="2800" dirty="0" smtClean="0">
+              <a:t> versioning and backwards </a:t>
+            </a:r>
+            <a:r>
+              <a:rPr lang="en-US" sz="2800" dirty="0" smtClean="0">
                 <a:solidFill>
                   <a:srgbClr val="C00000"/>
                 </a:solidFill>
               </a:rPr>
-              <a:t> </a:t>
-            </a:r>
-            <a:r>
-              <a:rPr lang="de-DE" sz="2800" dirty="0" err="1" smtClean="0">
-                <a:solidFill>
-                  <a:srgbClr val="C00000"/>
-                </a:solidFill>
-              </a:rPr>
-              <a:t>schedule</a:t>
+              <a:t>compatibility</a:t>
             </a:r>
             <a:endParaRPr lang="de-DE" sz="2800" dirty="0">
               <a:solidFill>
@@ -6678,7 +5988,7 @@
 </p:sld>
 </file>
 
-<file path=ppt/slides/slide5.xml><?xml version="1.0" encoding="utf-8"?>
+<file path=ppt/slides/slide4.xml><?xml version="1.0" encoding="utf-8"?>
 <p:sld xmlns:a="http://schemas.openxmlformats.org/drawingml/2006/main" xmlns:r="http://schemas.openxmlformats.org/officeDocument/2006/relationships" xmlns:p="http://schemas.openxmlformats.org/presentationml/2006/main">
   <p:cSld>
     <p:spTree>
@@ -7105,10 +6415,18 @@
             <a:lstStyle/>
             <a:p>
               <a:r>
-                <a:rPr lang="de-DE" dirty="0" err="1"/>
-                <a:t>Specification</a:t>
-              </a:r>
-              <a:endParaRPr lang="de-DE" dirty="0"/>
+                <a:rPr lang="de-DE" i="1" dirty="0" err="1"/>
+                <a:t>eFMI</a:t>
+              </a:r>
+              <a:r>
+                <a:rPr lang="de-DE" i="1" dirty="0"/>
+                <a:t> </a:t>
+              </a:r>
+              <a:r>
+                <a:rPr lang="de-DE" i="1" dirty="0" smtClean="0"/>
+                <a:t>Standard</a:t>
+              </a:r>
+              <a:endParaRPr lang="de-DE" i="1" dirty="0"/>
             </a:p>
           </p:txBody>
         </p:sp>
@@ -7207,7 +6525,7 @@
 </p:sld>
 </file>
 
-<file path=ppt/slides/slide6.xml><?xml version="1.0" encoding="utf-8"?>
+<file path=ppt/slides/slide5.xml><?xml version="1.0" encoding="utf-8"?>
 <p:sld xmlns:a="http://schemas.openxmlformats.org/drawingml/2006/main" xmlns:r="http://schemas.openxmlformats.org/officeDocument/2006/relationships" xmlns:p="http://schemas.openxmlformats.org/presentationml/2006/main">
   <p:cSld>
     <p:spTree>
@@ -7238,10 +6556,10 @@
         </p:nvGrpSpPr>
         <p:grpSpPr>
           <a:xfrm>
-            <a:off x="393129" y="1933575"/>
-            <a:ext cx="11411862" cy="4051177"/>
-            <a:chOff x="392226" y="2438400"/>
-            <a:chExt cx="11411862" cy="4051177"/>
+            <a:off x="393130" y="1933575"/>
+            <a:ext cx="11411861" cy="1981200"/>
+            <a:chOff x="392227" y="2438400"/>
+            <a:chExt cx="11411861" cy="1981200"/>
           </a:xfrm>
         </p:grpSpPr>
         <p:sp>
@@ -7450,97 +6768,6 @@
         </p:sp>
         <p:sp>
           <p:nvSpPr>
-            <p:cNvPr id="23" name="Textfeld 22">
-              <a:extLst>
-                <a:ext uri="{FF2B5EF4-FFF2-40B4-BE49-F238E27FC236}">
-                  <a16:creationId xmlns:a16="http://schemas.microsoft.com/office/drawing/2014/main" id="{DB923EDF-CE48-4E08-8C08-44653A2FB16B}"/>
-                </a:ext>
-              </a:extLst>
-            </p:cNvPr>
-            <p:cNvSpPr txBox="1"/>
-            <p:nvPr/>
-          </p:nvSpPr>
-          <p:spPr>
-            <a:xfrm>
-              <a:off x="4422843" y="2667000"/>
-              <a:ext cx="3111432" cy="523220"/>
-            </a:xfrm>
-            <a:prstGeom prst="rect">
-              <a:avLst/>
-            </a:prstGeom>
-            <a:noFill/>
-          </p:spPr>
-          <p:txBody>
-            <a:bodyPr wrap="square" rtlCol="0">
-              <a:spAutoFit/>
-            </a:bodyPr>
-            <a:lstStyle/>
-            <a:p>
-              <a:r>
-                <a:rPr lang="de-DE" sz="2800" dirty="0">
-                  <a:solidFill>
-                    <a:schemeClr val="bg2"/>
-                  </a:solidFill>
-                </a:rPr>
-                <a:t>Education</a:t>
-              </a:r>
-            </a:p>
-          </p:txBody>
-        </p:sp>
-        <p:sp>
-          <p:nvSpPr>
-            <p:cNvPr id="24" name="Textfeld 23">
-              <a:extLst>
-                <a:ext uri="{FF2B5EF4-FFF2-40B4-BE49-F238E27FC236}">
-                  <a16:creationId xmlns:a16="http://schemas.microsoft.com/office/drawing/2014/main" id="{8609CD5A-EF5D-4876-96BE-BFFBD0DC6362}"/>
-                </a:ext>
-              </a:extLst>
-            </p:cNvPr>
-            <p:cNvSpPr txBox="1"/>
-            <p:nvPr/>
-          </p:nvSpPr>
-          <p:spPr>
-            <a:xfrm>
-              <a:off x="8375215" y="2667000"/>
-              <a:ext cx="3244751" cy="523220"/>
-            </a:xfrm>
-            <a:prstGeom prst="rect">
-              <a:avLst/>
-            </a:prstGeom>
-            <a:noFill/>
-          </p:spPr>
-          <p:txBody>
-            <a:bodyPr wrap="square" rtlCol="0">
-              <a:spAutoFit/>
-            </a:bodyPr>
-            <a:lstStyle/>
-            <a:p>
-              <a:r>
-                <a:rPr lang="de-DE" sz="2800" dirty="0">
-                  <a:solidFill>
-                    <a:schemeClr val="bg2"/>
-                  </a:solidFill>
-                </a:rPr>
-                <a:t>Professional </a:t>
-              </a:r>
-              <a:r>
-                <a:rPr lang="de-DE" sz="2800" dirty="0" err="1">
-                  <a:solidFill>
-                    <a:schemeClr val="bg2"/>
-                  </a:solidFill>
-                </a:rPr>
-                <a:t>training</a:t>
-              </a:r>
-              <a:endParaRPr lang="de-DE" sz="2800" dirty="0">
-                <a:solidFill>
-                  <a:schemeClr val="bg2"/>
-                </a:solidFill>
-              </a:endParaRPr>
-            </a:p>
-          </p:txBody>
-        </p:sp>
-        <p:sp>
-          <p:nvSpPr>
             <p:cNvPr id="5" name="Textfeld 4">
               <a:extLst>
                 <a:ext uri="{FF2B5EF4-FFF2-40B4-BE49-F238E27FC236}">
@@ -7654,18 +6881,19 @@
                 <a:t>books</a:t>
               </a:r>
               <a:r>
-                <a:rPr lang="de-DE" dirty="0"/>
-                <a:t>)</a:t>
-              </a:r>
+                <a:rPr lang="de-DE" dirty="0" smtClean="0"/>
+                <a:t>).</a:t>
+              </a:r>
+              <a:endParaRPr lang="de-DE" dirty="0"/>
             </a:p>
           </p:txBody>
         </p:sp>
         <p:sp>
           <p:nvSpPr>
-            <p:cNvPr id="25" name="Textfeld 24">
+            <p:cNvPr id="28" name="Textfeld 27">
               <a:extLst>
                 <a:ext uri="{FF2B5EF4-FFF2-40B4-BE49-F238E27FC236}">
-                  <a16:creationId xmlns:a16="http://schemas.microsoft.com/office/drawing/2014/main" id="{1631CF11-5C23-496F-9362-157F1D1C56C4}"/>
+                  <a16:creationId xmlns:a16="http://schemas.microsoft.com/office/drawing/2014/main" id="{FC0B8926-18F3-4F20-A56A-21171D88F254}"/>
                 </a:ext>
               </a:extLst>
             </p:cNvPr>
@@ -7674,8 +6902,8 @@
           </p:nvSpPr>
           <p:spPr>
             <a:xfrm>
-              <a:off x="4457178" y="3199090"/>
-              <a:ext cx="3258072" cy="923330"/>
+              <a:off x="8341302" y="2666999"/>
+              <a:ext cx="2961242" cy="954107"/>
             </a:xfrm>
             <a:prstGeom prst="rect">
               <a:avLst/>
@@ -7689,198 +6917,67 @@
             <a:lstStyle/>
             <a:p>
               <a:r>
-                <a:rPr lang="de-DE" dirty="0">
+                <a:rPr lang="de-DE" sz="2800" dirty="0" smtClean="0">
                   <a:solidFill>
-                    <a:schemeClr val="bg2"/>
+                    <a:srgbClr val="C00000"/>
                   </a:solidFill>
                 </a:rPr>
-                <a:t>Text and Link </a:t>
-              </a:r>
-              <a:r>
-                <a:rPr lang="de-DE" dirty="0" err="1">
+                <a:t>MAP </a:t>
+              </a:r>
+              <a:r>
+                <a:rPr lang="de-DE" sz="2800" dirty="0" err="1" smtClean="0">
                   <a:solidFill>
-                    <a:schemeClr val="bg2"/>
+                    <a:srgbClr val="C00000"/>
                   </a:solidFill>
                 </a:rPr>
-                <a:t>to</a:t>
-              </a:r>
-              <a:r>
-                <a:rPr lang="de-DE" dirty="0">
+                <a:t>eFMI</a:t>
+              </a:r>
+              <a:r>
+                <a:rPr lang="de-DE" sz="2800" dirty="0" smtClean="0">
                   <a:solidFill>
-                    <a:schemeClr val="bg2"/>
+                    <a:srgbClr val="C00000"/>
                   </a:solidFill>
                 </a:rPr>
                 <a:t> </a:t>
               </a:r>
               <a:r>
-                <a:rPr lang="de-DE" dirty="0" err="1">
+                <a:rPr lang="de-DE" sz="2800" dirty="0" err="1" smtClean="0">
                   <a:solidFill>
-                    <a:schemeClr val="bg2"/>
+                    <a:srgbClr val="C00000"/>
                   </a:solidFill>
                 </a:rPr>
-                <a:t>list</a:t>
-              </a:r>
-              <a:r>
-                <a:rPr lang="de-DE" dirty="0">
+                <a:t>published</a:t>
+              </a:r>
+              <a:r>
+                <a:rPr lang="de-DE" sz="2800" dirty="0" smtClean="0">
                   <a:solidFill>
-                    <a:schemeClr val="bg2"/>
+                    <a:srgbClr val="C00000"/>
                   </a:solidFill>
                 </a:rPr>
                 <a:t> </a:t>
               </a:r>
               <a:r>
-                <a:rPr lang="de-DE" dirty="0" err="1">
+                <a:rPr lang="de-DE" sz="2800" dirty="0" err="1" smtClean="0">
                   <a:solidFill>
-                    <a:schemeClr val="bg2"/>
+                    <a:srgbClr val="C00000"/>
                   </a:solidFill>
                 </a:rPr>
-                <a:t>learning</a:t>
-              </a:r>
-              <a:r>
-                <a:rPr lang="de-DE" dirty="0">
-                  <a:solidFill>
-                    <a:schemeClr val="bg2"/>
-                  </a:solidFill>
-                </a:rPr>
-                <a:t> </a:t>
-              </a:r>
-              <a:r>
-                <a:rPr lang="de-DE" dirty="0" err="1">
-                  <a:solidFill>
-                    <a:schemeClr val="bg2"/>
-                  </a:solidFill>
-                </a:rPr>
-                <a:t>materials</a:t>
-              </a:r>
-              <a:r>
-                <a:rPr lang="de-DE" dirty="0">
-                  <a:solidFill>
-                    <a:schemeClr val="bg2"/>
-                  </a:solidFill>
-                </a:rPr>
-                <a:t> (</a:t>
-              </a:r>
-              <a:r>
-                <a:rPr lang="de-DE" dirty="0" err="1">
-                  <a:solidFill>
-                    <a:schemeClr val="bg2"/>
-                  </a:solidFill>
-                </a:rPr>
-                <a:t>lecture</a:t>
-              </a:r>
-              <a:r>
-                <a:rPr lang="de-DE" dirty="0">
-                  <a:solidFill>
-                    <a:schemeClr val="bg2"/>
-                  </a:solidFill>
-                </a:rPr>
-                <a:t> </a:t>
-              </a:r>
-              <a:r>
-                <a:rPr lang="de-DE" dirty="0" err="1">
-                  <a:solidFill>
-                    <a:schemeClr val="bg2"/>
-                  </a:solidFill>
-                </a:rPr>
-                <a:t>slides</a:t>
-              </a:r>
-              <a:r>
-                <a:rPr lang="de-DE" dirty="0">
-                  <a:solidFill>
-                    <a:schemeClr val="bg2"/>
-                  </a:solidFill>
-                </a:rPr>
-                <a:t>, </a:t>
-              </a:r>
-              <a:r>
-                <a:rPr lang="de-DE" dirty="0" err="1">
-                  <a:solidFill>
-                    <a:schemeClr val="bg2"/>
-                  </a:solidFill>
-                </a:rPr>
-                <a:t>videos</a:t>
-              </a:r>
-              <a:r>
-                <a:rPr lang="de-DE" dirty="0">
-                  <a:solidFill>
-                    <a:schemeClr val="bg2"/>
-                  </a:solidFill>
-                </a:rPr>
-                <a:t> etc. and </a:t>
-              </a:r>
-              <a:r>
-                <a:rPr lang="de-DE" dirty="0" err="1">
-                  <a:solidFill>
-                    <a:schemeClr val="bg2"/>
-                  </a:solidFill>
-                </a:rPr>
-                <a:t>list</a:t>
-              </a:r>
-              <a:r>
-                <a:rPr lang="de-DE" dirty="0">
-                  <a:solidFill>
-                    <a:schemeClr val="bg2"/>
-                  </a:solidFill>
-                </a:rPr>
-                <a:t> </a:t>
-              </a:r>
-              <a:r>
-                <a:rPr lang="de-DE" dirty="0" err="1">
-                  <a:solidFill>
-                    <a:schemeClr val="bg2"/>
-                  </a:solidFill>
-                </a:rPr>
-                <a:t>of</a:t>
-              </a:r>
-              <a:r>
-                <a:rPr lang="de-DE" dirty="0">
-                  <a:solidFill>
-                    <a:schemeClr val="bg2"/>
-                  </a:solidFill>
-                </a:rPr>
-                <a:t> </a:t>
-              </a:r>
-              <a:r>
-                <a:rPr lang="de-DE" dirty="0" err="1">
-                  <a:solidFill>
-                    <a:schemeClr val="bg2"/>
-                  </a:solidFill>
-                </a:rPr>
-                <a:t>student</a:t>
-              </a:r>
-              <a:r>
-                <a:rPr lang="de-DE" dirty="0">
-                  <a:solidFill>
-                    <a:schemeClr val="bg2"/>
-                  </a:solidFill>
-                </a:rPr>
-                <a:t> </a:t>
-              </a:r>
-              <a:r>
-                <a:rPr lang="de-DE" dirty="0" err="1">
-                  <a:solidFill>
-                    <a:schemeClr val="bg2"/>
-                  </a:solidFill>
-                </a:rPr>
-                <a:t>lectures</a:t>
-              </a:r>
-              <a:r>
-                <a:rPr lang="de-DE" dirty="0">
-                  <a:solidFill>
-                    <a:schemeClr val="bg2"/>
-                  </a:solidFill>
-                </a:rPr>
-                <a:t>)</a:t>
-              </a:r>
+                <a:t>tooling</a:t>
+              </a:r>
+              <a:endParaRPr lang="de-DE" sz="2800" dirty="0">
+                <a:solidFill>
+                  <a:srgbClr val="C00000"/>
+                </a:solidFill>
+              </a:endParaRPr>
             </a:p>
           </p:txBody>
         </p:sp>
         <p:sp>
           <p:nvSpPr>
-            <p:cNvPr id="27" name="Textfeld 26">
+            <p:cNvPr id="3" name="Textfeld 2">
               <a:extLst>
                 <a:ext uri="{FF2B5EF4-FFF2-40B4-BE49-F238E27FC236}">
-                  <a16:creationId xmlns:a16="http://schemas.microsoft.com/office/drawing/2014/main" id="{F634BC45-00B0-4D37-A733-4296B6BB21D8}"/>
+                  <a16:creationId xmlns:a16="http://schemas.microsoft.com/office/drawing/2014/main" id="{BC94B7E2-ABFB-452A-BBA0-CEA1559E82BE}"/>
                 </a:ext>
               </a:extLst>
             </p:cNvPr>
@@ -7889,285 +6986,7 @@
           </p:nvSpPr>
           <p:spPr>
             <a:xfrm>
-              <a:off x="8471471" y="3199090"/>
-              <a:ext cx="3072829" cy="646331"/>
-            </a:xfrm>
-            <a:prstGeom prst="rect">
-              <a:avLst/>
-            </a:prstGeom>
-            <a:noFill/>
-          </p:spPr>
-          <p:txBody>
-            <a:bodyPr wrap="square" rtlCol="0">
-              <a:spAutoFit/>
-            </a:bodyPr>
-            <a:lstStyle/>
-            <a:p>
-              <a:r>
-                <a:rPr lang="de-DE" dirty="0">
-                  <a:solidFill>
-                    <a:schemeClr val="bg2"/>
-                  </a:solidFill>
-                </a:rPr>
-                <a:t>Text and Link </a:t>
-              </a:r>
-              <a:r>
-                <a:rPr lang="de-DE" dirty="0" err="1">
-                  <a:solidFill>
-                    <a:schemeClr val="bg2"/>
-                  </a:solidFill>
-                </a:rPr>
-                <a:t>to</a:t>
-              </a:r>
-              <a:r>
-                <a:rPr lang="de-DE" dirty="0">
-                  <a:solidFill>
-                    <a:schemeClr val="bg2"/>
-                  </a:solidFill>
-                </a:rPr>
-                <a:t> </a:t>
-              </a:r>
-              <a:r>
-                <a:rPr lang="de-DE" dirty="0" err="1">
-                  <a:solidFill>
-                    <a:schemeClr val="bg2"/>
-                  </a:solidFill>
-                </a:rPr>
-                <a:t>list</a:t>
-              </a:r>
-              <a:r>
-                <a:rPr lang="de-DE" dirty="0">
-                  <a:solidFill>
-                    <a:schemeClr val="bg2"/>
-                  </a:solidFill>
-                </a:rPr>
-                <a:t> </a:t>
-              </a:r>
-              <a:r>
-                <a:rPr lang="de-DE" dirty="0" err="1">
-                  <a:solidFill>
-                    <a:schemeClr val="bg2"/>
-                  </a:solidFill>
-                </a:rPr>
-                <a:t>of</a:t>
-              </a:r>
-              <a:r>
-                <a:rPr lang="de-DE" dirty="0">
-                  <a:solidFill>
-                    <a:schemeClr val="bg2"/>
-                  </a:solidFill>
-                </a:rPr>
-                <a:t> </a:t>
-              </a:r>
-              <a:r>
-                <a:rPr lang="de-DE" dirty="0" err="1">
-                  <a:solidFill>
-                    <a:schemeClr val="bg2"/>
-                  </a:solidFill>
-                </a:rPr>
-                <a:t>courses</a:t>
-              </a:r>
-              <a:r>
-                <a:rPr lang="de-DE" dirty="0">
-                  <a:solidFill>
-                    <a:schemeClr val="bg2"/>
-                  </a:solidFill>
-                </a:rPr>
-                <a:t> (professional </a:t>
-              </a:r>
-              <a:r>
-                <a:rPr lang="de-DE" dirty="0" err="1">
-                  <a:solidFill>
-                    <a:schemeClr val="bg2"/>
-                  </a:solidFill>
-                </a:rPr>
-                <a:t>training</a:t>
-              </a:r>
-              <a:r>
-                <a:rPr lang="de-DE" dirty="0">
-                  <a:solidFill>
-                    <a:schemeClr val="bg2"/>
-                  </a:solidFill>
-                </a:rPr>
-                <a:t> </a:t>
-              </a:r>
-              <a:r>
-                <a:rPr lang="de-DE" dirty="0" err="1">
-                  <a:solidFill>
-                    <a:schemeClr val="bg2"/>
-                  </a:solidFill>
-                </a:rPr>
-                <a:t>courses</a:t>
-              </a:r>
-              <a:r>
-                <a:rPr lang="de-DE" dirty="0">
-                  <a:solidFill>
-                    <a:schemeClr val="bg2"/>
-                  </a:solidFill>
-                </a:rPr>
-                <a:t>)</a:t>
-              </a:r>
-            </a:p>
-          </p:txBody>
-        </p:sp>
-        <p:sp>
-          <p:nvSpPr>
-            <p:cNvPr id="26" name="Rechteck 25">
-              <a:extLst>
-                <a:ext uri="{FF2B5EF4-FFF2-40B4-BE49-F238E27FC236}">
-                  <a16:creationId xmlns:a16="http://schemas.microsoft.com/office/drawing/2014/main" id="{92487B9E-8AE7-4B76-832C-FB506193E274}"/>
-                </a:ext>
-              </a:extLst>
-            </p:cNvPr>
-            <p:cNvSpPr/>
-            <p:nvPr/>
-          </p:nvSpPr>
-          <p:spPr>
-            <a:xfrm>
-              <a:off x="392226" y="4508377"/>
-              <a:ext cx="3552825" cy="1981200"/>
-            </a:xfrm>
-            <a:prstGeom prst="rect">
-              <a:avLst/>
-            </a:prstGeom>
-            <a:noFill/>
-            <a:ln>
-              <a:solidFill>
-                <a:schemeClr val="tx1"/>
-              </a:solidFill>
-            </a:ln>
-          </p:spPr>
-          <p:style>
-            <a:lnRef idx="2">
-              <a:schemeClr val="accent1">
-                <a:shade val="50000"/>
-              </a:schemeClr>
-            </a:lnRef>
-            <a:fillRef idx="1">
-              <a:schemeClr val="accent1"/>
-            </a:fillRef>
-            <a:effectRef idx="0">
-              <a:schemeClr val="accent1"/>
-            </a:effectRef>
-            <a:fontRef idx="minor">
-              <a:schemeClr val="lt1"/>
-            </a:fontRef>
-          </p:style>
-          <p:txBody>
-            <a:bodyPr rtlCol="0" anchor="ctr"/>
-            <a:lstStyle/>
-            <a:p>
-              <a:pPr algn="ctr"/>
-              <a:endParaRPr lang="de-DE" dirty="0"/>
-            </a:p>
-          </p:txBody>
-        </p:sp>
-        <p:sp>
-          <p:nvSpPr>
-            <p:cNvPr id="28" name="Textfeld 27">
-              <a:extLst>
-                <a:ext uri="{FF2B5EF4-FFF2-40B4-BE49-F238E27FC236}">
-                  <a16:creationId xmlns:a16="http://schemas.microsoft.com/office/drawing/2014/main" id="{FC0B8926-18F3-4F20-A56A-21171D88F254}"/>
-                </a:ext>
-              </a:extLst>
-            </p:cNvPr>
-            <p:cNvSpPr txBox="1"/>
-            <p:nvPr/>
-          </p:nvSpPr>
-          <p:spPr>
-            <a:xfrm>
-              <a:off x="515383" y="4647301"/>
-              <a:ext cx="2961242" cy="523220"/>
-            </a:xfrm>
-            <a:prstGeom prst="rect">
-              <a:avLst/>
-            </a:prstGeom>
-            <a:noFill/>
-          </p:spPr>
-          <p:txBody>
-            <a:bodyPr wrap="square" rtlCol="0">
-              <a:spAutoFit/>
-            </a:bodyPr>
-            <a:lstStyle/>
-            <a:p>
-              <a:r>
-                <a:rPr lang="de-DE" sz="2800" dirty="0">
-                  <a:solidFill>
-                    <a:srgbClr val="C00000"/>
-                  </a:solidFill>
-                </a:rPr>
-                <a:t>Utilities and SDK</a:t>
-              </a:r>
-            </a:p>
-          </p:txBody>
-        </p:sp>
-        <p:sp>
-          <p:nvSpPr>
-            <p:cNvPr id="29" name="Rechteck 28">
-              <a:extLst>
-                <a:ext uri="{FF2B5EF4-FFF2-40B4-BE49-F238E27FC236}">
-                  <a16:creationId xmlns:a16="http://schemas.microsoft.com/office/drawing/2014/main" id="{6439E24F-5637-4B90-B588-5801B4C0B58C}"/>
-                </a:ext>
-              </a:extLst>
-            </p:cNvPr>
-            <p:cNvSpPr/>
-            <p:nvPr/>
-          </p:nvSpPr>
-          <p:spPr>
-            <a:xfrm>
-              <a:off x="4317688" y="4508377"/>
-              <a:ext cx="3552825" cy="1981200"/>
-            </a:xfrm>
-            <a:prstGeom prst="rect">
-              <a:avLst/>
-            </a:prstGeom>
-            <a:noFill/>
-            <a:ln>
-              <a:solidFill>
-                <a:schemeClr val="tx1"/>
-              </a:solidFill>
-            </a:ln>
-          </p:spPr>
-          <p:style>
-            <a:lnRef idx="2">
-              <a:schemeClr val="accent1">
-                <a:shade val="50000"/>
-              </a:schemeClr>
-            </a:lnRef>
-            <a:fillRef idx="1">
-              <a:schemeClr val="accent1"/>
-            </a:fillRef>
-            <a:effectRef idx="0">
-              <a:schemeClr val="accent1"/>
-            </a:effectRef>
-            <a:fontRef idx="minor">
-              <a:schemeClr val="lt1"/>
-            </a:fontRef>
-          </p:style>
-          <p:txBody>
-            <a:bodyPr rtlCol="0" anchor="ctr"/>
-            <a:lstStyle/>
-            <a:p>
-              <a:pPr algn="ctr"/>
-              <a:endParaRPr lang="de-DE" dirty="0"/>
-            </a:p>
-          </p:txBody>
-        </p:sp>
-        <p:sp>
-          <p:nvSpPr>
-            <p:cNvPr id="3" name="Textfeld 2">
-              <a:extLst>
-                <a:ext uri="{FF2B5EF4-FFF2-40B4-BE49-F238E27FC236}">
-                  <a16:creationId xmlns:a16="http://schemas.microsoft.com/office/drawing/2014/main" id="{BC94B7E2-ABFB-452A-BBA0-CEA1559E82BE}"/>
-                </a:ext>
-              </a:extLst>
-            </p:cNvPr>
-            <p:cNvSpPr txBox="1"/>
-            <p:nvPr/>
-          </p:nvSpPr>
-          <p:spPr>
-            <a:xfrm>
-              <a:off x="4457178" y="4628007"/>
+              <a:off x="4436350" y="2667000"/>
               <a:ext cx="3038337" cy="1384995"/>
             </a:xfrm>
             <a:prstGeom prst="rect">
@@ -8234,97 +7053,6 @@
                   <a:srgbClr val="C00000"/>
                 </a:solidFill>
               </a:endParaRPr>
-            </a:p>
-          </p:txBody>
-        </p:sp>
-        <p:sp>
-          <p:nvSpPr>
-            <p:cNvPr id="30" name="Rechteck 29">
-              <a:extLst>
-                <a:ext uri="{FF2B5EF4-FFF2-40B4-BE49-F238E27FC236}">
-                  <a16:creationId xmlns:a16="http://schemas.microsoft.com/office/drawing/2014/main" id="{2BEE4F48-795E-4CAB-8AB4-2E5C9AA4B472}"/>
-                </a:ext>
-              </a:extLst>
-            </p:cNvPr>
-            <p:cNvSpPr/>
-            <p:nvPr/>
-          </p:nvSpPr>
-          <p:spPr>
-            <a:xfrm>
-              <a:off x="8242641" y="4501904"/>
-              <a:ext cx="3552825" cy="1981200"/>
-            </a:xfrm>
-            <a:prstGeom prst="rect">
-              <a:avLst/>
-            </a:prstGeom>
-            <a:noFill/>
-            <a:ln>
-              <a:solidFill>
-                <a:schemeClr val="tx1"/>
-              </a:solidFill>
-            </a:ln>
-          </p:spPr>
-          <p:style>
-            <a:lnRef idx="2">
-              <a:schemeClr val="accent1">
-                <a:shade val="50000"/>
-              </a:schemeClr>
-            </a:lnRef>
-            <a:fillRef idx="1">
-              <a:schemeClr val="accent1"/>
-            </a:fillRef>
-            <a:effectRef idx="0">
-              <a:schemeClr val="accent1"/>
-            </a:effectRef>
-            <a:fontRef idx="minor">
-              <a:schemeClr val="lt1"/>
-            </a:fontRef>
-          </p:style>
-          <p:txBody>
-            <a:bodyPr rtlCol="0" anchor="ctr"/>
-            <a:lstStyle/>
-            <a:p>
-              <a:pPr algn="ctr"/>
-              <a:endParaRPr lang="de-DE" dirty="0"/>
-            </a:p>
-          </p:txBody>
-        </p:sp>
-        <p:sp>
-          <p:nvSpPr>
-            <p:cNvPr id="7" name="Textfeld 6">
-              <a:extLst>
-                <a:ext uri="{FF2B5EF4-FFF2-40B4-BE49-F238E27FC236}">
-                  <a16:creationId xmlns:a16="http://schemas.microsoft.com/office/drawing/2014/main" id="{BF09A2E2-F107-44A4-B381-DFC2E50791F2}"/>
-                </a:ext>
-              </a:extLst>
-            </p:cNvPr>
-            <p:cNvSpPr txBox="1"/>
-            <p:nvPr/>
-          </p:nvSpPr>
-          <p:spPr>
-            <a:xfrm>
-              <a:off x="8471471" y="4611366"/>
-              <a:ext cx="2695854" cy="523220"/>
-            </a:xfrm>
-            <a:prstGeom prst="rect">
-              <a:avLst/>
-            </a:prstGeom>
-            <a:noFill/>
-          </p:spPr>
-          <p:txBody>
-            <a:bodyPr wrap="square" rtlCol="0">
-              <a:spAutoFit/>
-            </a:bodyPr>
-            <a:lstStyle/>
-            <a:p>
-              <a:r>
-                <a:rPr lang="de-DE" sz="2800" dirty="0">
-                  <a:solidFill>
-                    <a:schemeClr val="bg2"/>
-                  </a:solidFill>
-                </a:rPr>
-                <a:t>Consultants</a:t>
-              </a:r>
             </a:p>
           </p:txBody>
         </p:sp>
@@ -8654,10 +7382,18 @@
             <a:lstStyle/>
             <a:p>
               <a:r>
-                <a:rPr lang="de-DE" dirty="0" err="1"/>
-                <a:t>Specification</a:t>
-              </a:r>
-              <a:endParaRPr lang="de-DE" dirty="0"/>
+                <a:rPr lang="de-DE" i="1" dirty="0" err="1"/>
+                <a:t>eFMI</a:t>
+              </a:r>
+              <a:r>
+                <a:rPr lang="de-DE" i="1" dirty="0"/>
+                <a:t> </a:t>
+              </a:r>
+              <a:r>
+                <a:rPr lang="de-DE" i="1" dirty="0" smtClean="0"/>
+                <a:t>Standard</a:t>
+              </a:r>
+              <a:endParaRPr lang="de-DE" i="1" dirty="0"/>
             </a:p>
           </p:txBody>
         </p:sp>
@@ -8743,6 +7479,290 @@
           </p:txBody>
         </p:sp>
       </p:grpSp>
+      <p:sp>
+        <p:nvSpPr>
+          <p:cNvPr id="38" name="Rechteck 21">
+            <a:extLst>
+              <a:ext uri="{FF2B5EF4-FFF2-40B4-BE49-F238E27FC236}">
+                <a16:creationId xmlns:a16="http://schemas.microsoft.com/office/drawing/2014/main" id="{C63A4EDE-2826-4D19-98F8-CC737ACA97FF}"/>
+              </a:ext>
+            </a:extLst>
+          </p:cNvPr>
+          <p:cNvSpPr/>
+          <p:nvPr/>
+        </p:nvSpPr>
+        <p:spPr>
+          <a:xfrm>
+            <a:off x="387379" y="4164154"/>
+            <a:ext cx="3552825" cy="1981200"/>
+          </a:xfrm>
+          <a:prstGeom prst="rect">
+            <a:avLst/>
+          </a:prstGeom>
+          <a:noFill/>
+          <a:ln>
+            <a:solidFill>
+              <a:schemeClr val="tx1"/>
+            </a:solidFill>
+          </a:ln>
+        </p:spPr>
+        <p:style>
+          <a:lnRef idx="2">
+            <a:schemeClr val="accent1">
+              <a:shade val="50000"/>
+            </a:schemeClr>
+          </a:lnRef>
+          <a:fillRef idx="1">
+            <a:schemeClr val="accent1"/>
+          </a:fillRef>
+          <a:effectRef idx="0">
+            <a:schemeClr val="accent1"/>
+          </a:effectRef>
+          <a:fontRef idx="minor">
+            <a:schemeClr val="lt1"/>
+          </a:fontRef>
+        </p:style>
+        <p:txBody>
+          <a:bodyPr rtlCol="0" anchor="ctr"/>
+          <a:lstStyle/>
+          <a:p>
+            <a:pPr algn="ctr"/>
+            <a:endParaRPr lang="de-DE"/>
+          </a:p>
+        </p:txBody>
+      </p:sp>
+      <p:sp>
+        <p:nvSpPr>
+          <p:cNvPr id="39" name="Textfeld 27">
+            <a:extLst>
+              <a:ext uri="{FF2B5EF4-FFF2-40B4-BE49-F238E27FC236}">
+                <a16:creationId xmlns:a16="http://schemas.microsoft.com/office/drawing/2014/main" id="{FC0B8926-18F3-4F20-A56A-21171D88F254}"/>
+              </a:ext>
+            </a:extLst>
+          </p:cNvPr>
+          <p:cNvSpPr txBox="1"/>
+          <p:nvPr/>
+        </p:nvSpPr>
+        <p:spPr>
+          <a:xfrm>
+            <a:off x="477418" y="4392753"/>
+            <a:ext cx="2961242" cy="523220"/>
+          </a:xfrm>
+          <a:prstGeom prst="rect">
+            <a:avLst/>
+          </a:prstGeom>
+          <a:noFill/>
+        </p:spPr>
+        <p:txBody>
+          <a:bodyPr wrap="square" rtlCol="0">
+            <a:spAutoFit/>
+          </a:bodyPr>
+          <a:lstStyle/>
+          <a:p>
+            <a:r>
+              <a:rPr lang="de-DE" sz="2800" dirty="0" err="1" smtClean="0">
+                <a:solidFill>
+                  <a:srgbClr val="C00000"/>
+                </a:solidFill>
+              </a:rPr>
+              <a:t>Example</a:t>
+            </a:r>
+            <a:r>
+              <a:rPr lang="de-DE" sz="2800" dirty="0" smtClean="0">
+                <a:solidFill>
+                  <a:srgbClr val="C00000"/>
+                </a:solidFill>
+              </a:rPr>
+              <a:t> </a:t>
+            </a:r>
+            <a:r>
+              <a:rPr lang="de-DE" sz="2800" dirty="0" err="1" smtClean="0">
+                <a:solidFill>
+                  <a:srgbClr val="C00000"/>
+                </a:solidFill>
+              </a:rPr>
+              <a:t>eFMUs</a:t>
+            </a:r>
+            <a:endParaRPr lang="de-DE" sz="2800" dirty="0">
+              <a:solidFill>
+                <a:srgbClr val="C00000"/>
+              </a:solidFill>
+            </a:endParaRPr>
+          </a:p>
+        </p:txBody>
+      </p:sp>
+      <p:sp>
+        <p:nvSpPr>
+          <p:cNvPr id="40" name="Rechteck 21">
+            <a:extLst>
+              <a:ext uri="{FF2B5EF4-FFF2-40B4-BE49-F238E27FC236}">
+                <a16:creationId xmlns:a16="http://schemas.microsoft.com/office/drawing/2014/main" id="{C63A4EDE-2826-4D19-98F8-CC737ACA97FF}"/>
+              </a:ext>
+            </a:extLst>
+          </p:cNvPr>
+          <p:cNvSpPr/>
+          <p:nvPr/>
+        </p:nvSpPr>
+        <p:spPr>
+          <a:xfrm>
+            <a:off x="4326694" y="4168770"/>
+            <a:ext cx="3552825" cy="1981200"/>
+          </a:xfrm>
+          <a:prstGeom prst="rect">
+            <a:avLst/>
+          </a:prstGeom>
+          <a:noFill/>
+          <a:ln>
+            <a:solidFill>
+              <a:schemeClr val="tx1"/>
+            </a:solidFill>
+          </a:ln>
+        </p:spPr>
+        <p:style>
+          <a:lnRef idx="2">
+            <a:schemeClr val="accent1">
+              <a:shade val="50000"/>
+            </a:schemeClr>
+          </a:lnRef>
+          <a:fillRef idx="1">
+            <a:schemeClr val="accent1"/>
+          </a:fillRef>
+          <a:effectRef idx="0">
+            <a:schemeClr val="accent1"/>
+          </a:effectRef>
+          <a:fontRef idx="minor">
+            <a:schemeClr val="lt1"/>
+          </a:fontRef>
+        </p:style>
+        <p:txBody>
+          <a:bodyPr rtlCol="0" anchor="ctr"/>
+          <a:lstStyle/>
+          <a:p>
+            <a:pPr algn="ctr"/>
+            <a:endParaRPr lang="de-DE"/>
+          </a:p>
+        </p:txBody>
+      </p:sp>
+      <p:sp>
+        <p:nvSpPr>
+          <p:cNvPr id="41" name="Textfeld 27">
+            <a:extLst>
+              <a:ext uri="{FF2B5EF4-FFF2-40B4-BE49-F238E27FC236}">
+                <a16:creationId xmlns:a16="http://schemas.microsoft.com/office/drawing/2014/main" id="{FC0B8926-18F3-4F20-A56A-21171D88F254}"/>
+              </a:ext>
+            </a:extLst>
+          </p:cNvPr>
+          <p:cNvSpPr txBox="1"/>
+          <p:nvPr/>
+        </p:nvSpPr>
+        <p:spPr>
+          <a:xfrm>
+            <a:off x="4416733" y="4397369"/>
+            <a:ext cx="2961242" cy="954107"/>
+          </a:xfrm>
+          <a:prstGeom prst="rect">
+            <a:avLst/>
+          </a:prstGeom>
+          <a:noFill/>
+        </p:spPr>
+        <p:txBody>
+          <a:bodyPr wrap="square" rtlCol="0">
+            <a:spAutoFit/>
+          </a:bodyPr>
+          <a:lstStyle/>
+          <a:p>
+            <a:r>
+              <a:rPr lang="de-DE" sz="2800" dirty="0" smtClean="0">
+                <a:solidFill>
+                  <a:srgbClr val="C00000"/>
+                </a:solidFill>
+              </a:rPr>
+              <a:t>Project </a:t>
+            </a:r>
+            <a:r>
+              <a:rPr lang="de-DE" sz="2800" dirty="0" err="1" smtClean="0">
+                <a:solidFill>
+                  <a:srgbClr val="C00000"/>
+                </a:solidFill>
+              </a:rPr>
+              <a:t>organization</a:t>
+            </a:r>
+            <a:endParaRPr lang="de-DE" sz="2800" dirty="0">
+              <a:solidFill>
+                <a:srgbClr val="C00000"/>
+              </a:solidFill>
+            </a:endParaRPr>
+          </a:p>
+        </p:txBody>
+      </p:sp>
+      <p:sp>
+        <p:nvSpPr>
+          <p:cNvPr id="42" name="Textfeld 4">
+            <a:extLst>
+              <a:ext uri="{FF2B5EF4-FFF2-40B4-BE49-F238E27FC236}">
+                <a16:creationId xmlns:a16="http://schemas.microsoft.com/office/drawing/2014/main" id="{9C702006-C961-4C7A-9493-62BB11B3CA61}"/>
+              </a:ext>
+            </a:extLst>
+          </p:cNvPr>
+          <p:cNvSpPr txBox="1"/>
+          <p:nvPr/>
+        </p:nvSpPr>
+        <p:spPr>
+          <a:xfrm>
+            <a:off x="4435382" y="5295280"/>
+            <a:ext cx="3327356" cy="646331"/>
+          </a:xfrm>
+          <a:prstGeom prst="rect">
+            <a:avLst/>
+          </a:prstGeom>
+          <a:noFill/>
+        </p:spPr>
+        <p:txBody>
+          <a:bodyPr wrap="square" rtlCol="0">
+            <a:spAutoFit/>
+          </a:bodyPr>
+          <a:lstStyle/>
+          <a:p>
+            <a:r>
+              <a:rPr lang="de-DE" dirty="0" smtClean="0"/>
+              <a:t>Logo, </a:t>
+            </a:r>
+            <a:r>
+              <a:rPr lang="de-DE" dirty="0" err="1" smtClean="0"/>
+              <a:t>bylaws</a:t>
+            </a:r>
+            <a:r>
+              <a:rPr lang="de-DE" dirty="0" smtClean="0"/>
+              <a:t>, </a:t>
+            </a:r>
+            <a:r>
+              <a:rPr lang="de-DE" dirty="0" err="1" smtClean="0"/>
+              <a:t>membership</a:t>
+            </a:r>
+            <a:r>
+              <a:rPr lang="de-DE" dirty="0" smtClean="0"/>
+              <a:t> </a:t>
+            </a:r>
+            <a:r>
+              <a:rPr lang="de-DE" dirty="0" err="1" smtClean="0"/>
+              <a:t>application</a:t>
+            </a:r>
+            <a:r>
+              <a:rPr lang="de-DE" dirty="0" smtClean="0"/>
+              <a:t> </a:t>
+            </a:r>
+            <a:r>
+              <a:rPr lang="de-DE" dirty="0" err="1" smtClean="0"/>
+              <a:t>guidelines</a:t>
+            </a:r>
+            <a:r>
+              <a:rPr lang="de-DE" dirty="0" smtClean="0"/>
+              <a:t>.</a:t>
+            </a:r>
+            <a:endParaRPr lang="de-DE" dirty="0"/>
+          </a:p>
+        </p:txBody>
+      </p:sp>
     </p:spTree>
     <p:extLst>
       <p:ext uri="{BB962C8B-B14F-4D97-AF65-F5344CB8AC3E}">
@@ -8756,7 +7776,7 @@
 </p:sld>
 </file>
 
-<file path=ppt/slides/slide7.xml><?xml version="1.0" encoding="utf-8"?>
+<file path=ppt/slides/slide6.xml><?xml version="1.0" encoding="utf-8"?>
 <p:sld xmlns:a="http://schemas.openxmlformats.org/drawingml/2006/main" xmlns:r="http://schemas.openxmlformats.org/officeDocument/2006/relationships" xmlns:p="http://schemas.openxmlformats.org/presentationml/2006/main">
   <p:cSld>
     <p:spTree>
@@ -9358,10 +8378,18 @@
             <a:lstStyle/>
             <a:p>
               <a:r>
-                <a:rPr lang="de-DE" dirty="0" err="1"/>
-                <a:t>Specification</a:t>
-              </a:r>
-              <a:endParaRPr lang="de-DE" dirty="0"/>
+                <a:rPr lang="de-DE" i="1" dirty="0" err="1"/>
+                <a:t>eFMI</a:t>
+              </a:r>
+              <a:r>
+                <a:rPr lang="de-DE" i="1" dirty="0"/>
+                <a:t> </a:t>
+              </a:r>
+              <a:r>
+                <a:rPr lang="de-DE" i="1" dirty="0" smtClean="0"/>
+                <a:t>Standard</a:t>
+              </a:r>
+              <a:endParaRPr lang="de-DE" i="1" dirty="0"/>
             </a:p>
           </p:txBody>
         </p:sp>
@@ -9460,7 +8488,7 @@
 </p:sld>
 </file>
 
-<file path=ppt/slides/slide8.xml><?xml version="1.0" encoding="utf-8"?>
+<file path=ppt/slides/slide7.xml><?xml version="1.0" encoding="utf-8"?>
 <p:sld xmlns:a="http://schemas.openxmlformats.org/drawingml/2006/main" xmlns:r="http://schemas.openxmlformats.org/officeDocument/2006/relationships" xmlns:p="http://schemas.openxmlformats.org/presentationml/2006/main">
   <p:cSld>
     <p:spTree>
@@ -9491,7 +8519,7 @@
         </p:nvSpPr>
         <p:spPr>
           <a:xfrm>
-            <a:off x="667062" y="1962425"/>
+            <a:off x="667062" y="4017987"/>
             <a:ext cx="9767731" cy="1138773"/>
           </a:xfrm>
           <a:prstGeom prst="rect">
@@ -9506,13 +8534,66 @@
           <a:lstStyle/>
           <a:p>
             <a:r>
+              <a:rPr lang="de-DE" sz="2800" dirty="0" err="1">
+                <a:solidFill>
+                  <a:srgbClr val="C00000"/>
+                </a:solidFill>
+              </a:rPr>
+              <a:t>Question</a:t>
+            </a:r>
+            <a:r>
               <a:rPr lang="de-DE" sz="2800" dirty="0">
                 <a:solidFill>
                   <a:srgbClr val="C00000"/>
                 </a:solidFill>
               </a:rPr>
-              <a:t>Question 1</a:t>
-            </a:r>
+              <a:t> </a:t>
+            </a:r>
+            <a:r>
+              <a:rPr lang="de-DE" sz="2800" dirty="0" smtClean="0">
+                <a:solidFill>
+                  <a:srgbClr val="C00000"/>
+                </a:solidFill>
+              </a:rPr>
+              <a:t>1 </a:t>
+            </a:r>
+            <a:r>
+              <a:rPr lang="de-DE" sz="2800" dirty="0" err="1" smtClean="0">
+                <a:solidFill>
+                  <a:srgbClr val="C00000"/>
+                </a:solidFill>
+              </a:rPr>
+              <a:t>of</a:t>
+            </a:r>
+            <a:r>
+              <a:rPr lang="de-DE" sz="2800" dirty="0" smtClean="0">
+                <a:solidFill>
+                  <a:srgbClr val="C00000"/>
+                </a:solidFill>
+              </a:rPr>
+              <a:t> </a:t>
+            </a:r>
+            <a:r>
+              <a:rPr lang="de-DE" sz="2800" dirty="0" err="1" smtClean="0">
+                <a:solidFill>
+                  <a:srgbClr val="C00000"/>
+                </a:solidFill>
+              </a:rPr>
+              <a:t>category</a:t>
+            </a:r>
+            <a:r>
+              <a:rPr lang="de-DE" sz="2800" dirty="0" smtClean="0">
+                <a:solidFill>
+                  <a:srgbClr val="C00000"/>
+                </a:solidFill>
+              </a:rPr>
+              <a:t> X</a:t>
+            </a:r>
+            <a:endParaRPr lang="de-DE" sz="2800" dirty="0">
+              <a:solidFill>
+                <a:srgbClr val="C00000"/>
+              </a:solidFill>
+            </a:endParaRPr>
           </a:p>
           <a:p>
             <a:r>
@@ -9618,7 +8699,7 @@
         </p:nvSpPr>
         <p:spPr>
           <a:xfrm>
-            <a:off x="667062" y="3134000"/>
+            <a:off x="667062" y="5156760"/>
             <a:ext cx="9767731" cy="1138773"/>
           </a:xfrm>
           <a:prstGeom prst="rect">
@@ -9633,13 +8714,74 @@
           <a:lstStyle/>
           <a:p>
             <a:r>
+              <a:rPr lang="de-DE" sz="2800" dirty="0" err="1">
+                <a:solidFill>
+                  <a:srgbClr val="C00000"/>
+                </a:solidFill>
+              </a:rPr>
+              <a:t>Question</a:t>
+            </a:r>
+            <a:r>
               <a:rPr lang="de-DE" sz="2800" dirty="0">
                 <a:solidFill>
                   <a:srgbClr val="C00000"/>
                 </a:solidFill>
               </a:rPr>
-              <a:t>Question 2</a:t>
-            </a:r>
+              <a:t> </a:t>
+            </a:r>
+            <a:r>
+              <a:rPr lang="de-DE" sz="2800" dirty="0">
+                <a:solidFill>
+                  <a:srgbClr val="C00000"/>
+                </a:solidFill>
+              </a:rPr>
+              <a:t>2 </a:t>
+            </a:r>
+            <a:r>
+              <a:rPr lang="de-DE" sz="2800" dirty="0" err="1">
+                <a:solidFill>
+                  <a:srgbClr val="C00000"/>
+                </a:solidFill>
+              </a:rPr>
+              <a:t>of</a:t>
+            </a:r>
+            <a:r>
+              <a:rPr lang="de-DE" sz="2800" dirty="0">
+                <a:solidFill>
+                  <a:srgbClr val="C00000"/>
+                </a:solidFill>
+              </a:rPr>
+              <a:t> </a:t>
+            </a:r>
+            <a:r>
+              <a:rPr lang="de-DE" sz="2800" dirty="0" err="1">
+                <a:solidFill>
+                  <a:srgbClr val="C00000"/>
+                </a:solidFill>
+              </a:rPr>
+              <a:t>category</a:t>
+            </a:r>
+            <a:r>
+              <a:rPr lang="de-DE" sz="2800" dirty="0">
+                <a:solidFill>
+                  <a:srgbClr val="C00000"/>
+                </a:solidFill>
+              </a:rPr>
+              <a:t> </a:t>
+            </a:r>
+            <a:r>
+              <a:rPr lang="de-DE" sz="2800" dirty="0" smtClean="0">
+                <a:solidFill>
+                  <a:srgbClr val="C00000"/>
+                </a:solidFill>
+              </a:rPr>
+              <a:t>X</a:t>
+            </a:r>
+            <a:endParaRPr lang="de-DE" sz="2800" dirty="0">
+              <a:solidFill>
+                <a:srgbClr val="C00000"/>
+              </a:solidFill>
+            </a:endParaRPr>
           </a:p>
           <a:p>
             <a:r>
@@ -9707,214 +8849,6 @@
                 </a:solidFill>
               </a:rPr>
               <a:t> 2</a:t>
-            </a:r>
-          </a:p>
-        </p:txBody>
-      </p:sp>
-      <p:sp>
-        <p:nvSpPr>
-          <p:cNvPr id="28" name="Textfeld 27">
-            <a:extLst>
-              <a:ext uri="{FF2B5EF4-FFF2-40B4-BE49-F238E27FC236}">
-                <a16:creationId xmlns:a16="http://schemas.microsoft.com/office/drawing/2014/main" id="{E4C340B0-232C-45C2-B292-70BFC910039C}"/>
-              </a:ext>
-            </a:extLst>
-          </p:cNvPr>
-          <p:cNvSpPr txBox="1"/>
-          <p:nvPr/>
-        </p:nvSpPr>
-        <p:spPr>
-          <a:xfrm>
-            <a:off x="667062" y="4305575"/>
-            <a:ext cx="9767731" cy="1138773"/>
-          </a:xfrm>
-          <a:prstGeom prst="rect">
-            <a:avLst/>
-          </a:prstGeom>
-          <a:noFill/>
-        </p:spPr>
-        <p:txBody>
-          <a:bodyPr wrap="square" rtlCol="0">
-            <a:spAutoFit/>
-          </a:bodyPr>
-          <a:lstStyle/>
-          <a:p>
-            <a:r>
-              <a:rPr lang="de-DE" sz="2800" dirty="0">
-                <a:solidFill>
-                  <a:srgbClr val="C00000"/>
-                </a:solidFill>
-              </a:rPr>
-              <a:t>Question 3</a:t>
-            </a:r>
-          </a:p>
-          <a:p>
-            <a:r>
-              <a:rPr lang="de-DE" sz="2000" dirty="0"/>
-              <a:t>I </a:t>
-            </a:r>
-            <a:r>
-              <a:rPr lang="de-DE" sz="2000" dirty="0" err="1"/>
-              <a:t>want</a:t>
-            </a:r>
-            <a:r>
-              <a:rPr lang="de-DE" sz="2000" dirty="0"/>
-              <a:t> </a:t>
-            </a:r>
-            <a:r>
-              <a:rPr lang="de-DE" sz="2000" dirty="0" err="1"/>
-              <a:t>to</a:t>
-            </a:r>
-            <a:r>
-              <a:rPr lang="de-DE" sz="2000" dirty="0"/>
-              <a:t> </a:t>
-            </a:r>
-            <a:r>
-              <a:rPr lang="de-DE" sz="2000" dirty="0" err="1"/>
-              <a:t>contribute</a:t>
-            </a:r>
-            <a:r>
-              <a:rPr lang="de-DE" sz="2000" dirty="0"/>
-              <a:t> </a:t>
-            </a:r>
-            <a:r>
-              <a:rPr lang="de-DE" sz="2000" dirty="0" err="1"/>
-              <a:t>to</a:t>
-            </a:r>
-            <a:r>
-              <a:rPr lang="de-DE" sz="2000" dirty="0"/>
-              <a:t> </a:t>
-            </a:r>
-            <a:r>
-              <a:rPr lang="de-DE" sz="2000" dirty="0" err="1"/>
-              <a:t>the</a:t>
-            </a:r>
-            <a:r>
-              <a:rPr lang="de-DE" sz="2000" dirty="0"/>
-              <a:t> Project. What </a:t>
-            </a:r>
-            <a:r>
-              <a:rPr lang="de-DE" sz="2000" dirty="0" err="1"/>
-              <a:t>steps</a:t>
-            </a:r>
-            <a:r>
-              <a:rPr lang="de-DE" sz="2000" dirty="0"/>
-              <a:t> do I </a:t>
-            </a:r>
-            <a:r>
-              <a:rPr lang="de-DE" sz="2000" dirty="0" err="1"/>
-              <a:t>have</a:t>
-            </a:r>
-            <a:r>
-              <a:rPr lang="de-DE" sz="2000" dirty="0"/>
-              <a:t> </a:t>
-            </a:r>
-            <a:r>
-              <a:rPr lang="de-DE" sz="2000" dirty="0" err="1"/>
-              <a:t>to</a:t>
-            </a:r>
-            <a:r>
-              <a:rPr lang="de-DE" sz="2000" dirty="0"/>
-              <a:t> </a:t>
-            </a:r>
-            <a:r>
-              <a:rPr lang="de-DE" sz="2000" dirty="0" err="1"/>
-              <a:t>take</a:t>
-            </a:r>
-            <a:r>
-              <a:rPr lang="de-DE" sz="2000" dirty="0"/>
-              <a:t> in </a:t>
-            </a:r>
-            <a:r>
-              <a:rPr lang="de-DE" sz="2000" dirty="0" err="1"/>
-              <a:t>order</a:t>
-            </a:r>
-            <a:r>
-              <a:rPr lang="de-DE" sz="2000" dirty="0"/>
-              <a:t> </a:t>
-            </a:r>
-            <a:r>
-              <a:rPr lang="de-DE" sz="2000" dirty="0" err="1"/>
-              <a:t>to</a:t>
-            </a:r>
-            <a:r>
-              <a:rPr lang="de-DE" sz="2000" dirty="0"/>
-              <a:t> do so?</a:t>
-            </a:r>
-          </a:p>
-          <a:p>
-            <a:r>
-              <a:rPr lang="de-DE" sz="2000" dirty="0" err="1">
-                <a:solidFill>
-                  <a:srgbClr val="C00000"/>
-                </a:solidFill>
-              </a:rPr>
-              <a:t>Answere</a:t>
-            </a:r>
-            <a:r>
-              <a:rPr lang="de-DE" sz="2000" dirty="0">
-                <a:solidFill>
-                  <a:srgbClr val="C00000"/>
-                </a:solidFill>
-              </a:rPr>
-              <a:t> 3</a:t>
-            </a:r>
-          </a:p>
-        </p:txBody>
-      </p:sp>
-      <p:sp>
-        <p:nvSpPr>
-          <p:cNvPr id="29" name="Textfeld 28">
-            <a:extLst>
-              <a:ext uri="{FF2B5EF4-FFF2-40B4-BE49-F238E27FC236}">
-                <a16:creationId xmlns:a16="http://schemas.microsoft.com/office/drawing/2014/main" id="{2E055DE3-41A6-44DA-AAAE-1C231331DE63}"/>
-              </a:ext>
-            </a:extLst>
-          </p:cNvPr>
-          <p:cNvSpPr txBox="1"/>
-          <p:nvPr/>
-        </p:nvSpPr>
-        <p:spPr>
-          <a:xfrm>
-            <a:off x="667061" y="5477150"/>
-            <a:ext cx="9767731" cy="830997"/>
-          </a:xfrm>
-          <a:prstGeom prst="rect">
-            <a:avLst/>
-          </a:prstGeom>
-          <a:noFill/>
-        </p:spPr>
-        <p:txBody>
-          <a:bodyPr wrap="square" rtlCol="0">
-            <a:spAutoFit/>
-          </a:bodyPr>
-          <a:lstStyle/>
-          <a:p>
-            <a:r>
-              <a:rPr lang="de-DE" sz="2800" dirty="0">
-                <a:solidFill>
-                  <a:srgbClr val="C00000"/>
-                </a:solidFill>
-              </a:rPr>
-              <a:t>Question 4</a:t>
-            </a:r>
-          </a:p>
-          <a:p>
-            <a:r>
-              <a:rPr lang="de-DE" sz="2000" dirty="0" err="1">
-                <a:solidFill>
-                  <a:srgbClr val="C00000"/>
-                </a:solidFill>
-              </a:rPr>
-              <a:t>Answere</a:t>
-            </a:r>
-            <a:r>
-              <a:rPr lang="de-DE" sz="2000" dirty="0">
-                <a:solidFill>
-                  <a:srgbClr val="C00000"/>
-                </a:solidFill>
-              </a:rPr>
-              <a:t> 4</a:t>
             </a:r>
           </a:p>
         </p:txBody>
@@ -10244,10 +9178,18 @@
             <a:lstStyle/>
             <a:p>
               <a:r>
-                <a:rPr lang="de-DE" dirty="0" err="1"/>
-                <a:t>Specification</a:t>
-              </a:r>
-              <a:endParaRPr lang="de-DE" dirty="0"/>
+                <a:rPr lang="de-DE" i="1" dirty="0" err="1"/>
+                <a:t>eFMI</a:t>
+              </a:r>
+              <a:r>
+                <a:rPr lang="de-DE" i="1" dirty="0"/>
+                <a:t> </a:t>
+              </a:r>
+              <a:r>
+                <a:rPr lang="de-DE" i="1" dirty="0" smtClean="0"/>
+                <a:t>Standard</a:t>
+              </a:r>
+              <a:endParaRPr lang="de-DE" i="1" dirty="0"/>
             </a:p>
           </p:txBody>
         </p:sp>
@@ -10335,42 +9277,12 @@
           </p:txBody>
         </p:sp>
       </p:grpSp>
-    </p:spTree>
-    <p:extLst>
-      <p:ext uri="{BB962C8B-B14F-4D97-AF65-F5344CB8AC3E}">
-        <p14:creationId xmlns:p14="http://schemas.microsoft.com/office/powerpoint/2010/main" val="2862894535"/>
-      </p:ext>
-    </p:extLst>
-  </p:cSld>
-  <p:clrMapOvr>
-    <a:masterClrMapping/>
-  </p:clrMapOvr>
-</p:sld>
-</file>
-
-<file path=ppt/slides/slide9.xml><?xml version="1.0" encoding="utf-8"?>
-<p:sld xmlns:a="http://schemas.openxmlformats.org/drawingml/2006/main" xmlns:r="http://schemas.openxmlformats.org/officeDocument/2006/relationships" xmlns:p="http://schemas.openxmlformats.org/presentationml/2006/main">
-  <p:cSld>
-    <p:spTree>
-      <p:nvGrpSpPr>
-        <p:cNvPr id="1" name=""/>
-        <p:cNvGrpSpPr/>
-        <p:nvPr/>
-      </p:nvGrpSpPr>
-      <p:grpSpPr>
-        <a:xfrm>
-          <a:off x="0" y="0"/>
-          <a:ext cx="0" cy="0"/>
-          <a:chOff x="0" y="0"/>
-          <a:chExt cx="0" cy="0"/>
-        </a:xfrm>
-      </p:grpSpPr>
       <p:grpSp>
         <p:nvGrpSpPr>
-          <p:cNvPr id="34" name="Gruppieren 33">
+          <p:cNvPr id="17" name="Gruppieren 7">
             <a:extLst>
               <a:ext uri="{FF2B5EF4-FFF2-40B4-BE49-F238E27FC236}">
-                <a16:creationId xmlns:a16="http://schemas.microsoft.com/office/drawing/2014/main" id="{490DC3EC-FAC8-487D-A5F1-B57F7E77239F}"/>
+                <a16:creationId xmlns:a16="http://schemas.microsoft.com/office/drawing/2014/main" id="{A49D6D6D-D5C6-4554-861C-717288779528}"/>
               </a:ext>
             </a:extLst>
           </p:cNvPr>
@@ -10379,18 +9291,18 @@
         </p:nvGrpSpPr>
         <p:grpSpPr>
           <a:xfrm>
-            <a:off x="8146967" y="1843732"/>
-            <a:ext cx="3689134" cy="2290440"/>
-            <a:chOff x="670032" y="4285046"/>
-            <a:chExt cx="3689134" cy="2290440"/>
+            <a:off x="393130" y="1933575"/>
+            <a:ext cx="11411861" cy="1981200"/>
+            <a:chOff x="392227" y="2438400"/>
+            <a:chExt cx="11411861" cy="1981200"/>
           </a:xfrm>
         </p:grpSpPr>
         <p:sp>
           <p:nvSpPr>
-            <p:cNvPr id="11" name="Rechteck 10">
+            <p:cNvPr id="19" name="Rechteck 1">
               <a:extLst>
                 <a:ext uri="{FF2B5EF4-FFF2-40B4-BE49-F238E27FC236}">
-                  <a16:creationId xmlns:a16="http://schemas.microsoft.com/office/drawing/2014/main" id="{06E6DA9D-B421-4332-9884-30294516BA19}"/>
+                  <a16:creationId xmlns:a16="http://schemas.microsoft.com/office/drawing/2014/main" id="{C74F339A-E417-4A59-ACFE-B1560FFA775B}"/>
                 </a:ext>
               </a:extLst>
             </p:cNvPr>
@@ -10399,8 +9311,8 @@
           </p:nvSpPr>
           <p:spPr>
             <a:xfrm>
-              <a:off x="670032" y="4285046"/>
-              <a:ext cx="3689134" cy="2290440"/>
+              <a:off x="392227" y="2438400"/>
+              <a:ext cx="3552825" cy="1981200"/>
             </a:xfrm>
             <a:prstGeom prst="rect">
               <a:avLst/>
@@ -10441,233 +9353,10 @@
         </p:sp>
         <p:sp>
           <p:nvSpPr>
-            <p:cNvPr id="13" name="Textfeld 12">
+            <p:cNvPr id="21" name="Rechteck 20">
               <a:extLst>
                 <a:ext uri="{FF2B5EF4-FFF2-40B4-BE49-F238E27FC236}">
-                  <a16:creationId xmlns:a16="http://schemas.microsoft.com/office/drawing/2014/main" id="{1F2F169C-E398-4426-BD47-BF5A1D47C53D}"/>
-                </a:ext>
-              </a:extLst>
-            </p:cNvPr>
-            <p:cNvSpPr txBox="1"/>
-            <p:nvPr/>
-          </p:nvSpPr>
-          <p:spPr>
-            <a:xfrm>
-              <a:off x="881396" y="4487622"/>
-              <a:ext cx="2943225" cy="523220"/>
-            </a:xfrm>
-            <a:prstGeom prst="rect">
-              <a:avLst/>
-            </a:prstGeom>
-            <a:noFill/>
-          </p:spPr>
-          <p:txBody>
-            <a:bodyPr wrap="square" rtlCol="0">
-              <a:spAutoFit/>
-            </a:bodyPr>
-            <a:lstStyle/>
-            <a:p>
-              <a:r>
-                <a:rPr lang="de-DE" sz="2800" dirty="0">
-                  <a:solidFill>
-                    <a:srgbClr val="C00000"/>
-                  </a:solidFill>
-                </a:rPr>
-                <a:t>Community</a:t>
-              </a:r>
-            </a:p>
-          </p:txBody>
-        </p:sp>
-        <p:sp>
-          <p:nvSpPr>
-            <p:cNvPr id="15" name="Textfeld 14">
-              <a:extLst>
-                <a:ext uri="{FF2B5EF4-FFF2-40B4-BE49-F238E27FC236}">
-                  <a16:creationId xmlns:a16="http://schemas.microsoft.com/office/drawing/2014/main" id="{5A7564B4-75CA-4F10-82B7-F09A324E5D02}"/>
-                </a:ext>
-              </a:extLst>
-            </p:cNvPr>
-            <p:cNvSpPr txBox="1"/>
-            <p:nvPr/>
-          </p:nvSpPr>
-          <p:spPr>
-            <a:xfrm>
-              <a:off x="881396" y="5064011"/>
-              <a:ext cx="3087578" cy="1477328"/>
-            </a:xfrm>
-            <a:prstGeom prst="rect">
-              <a:avLst/>
-            </a:prstGeom>
-            <a:noFill/>
-          </p:spPr>
-          <p:txBody>
-            <a:bodyPr wrap="square" rtlCol="0">
-              <a:spAutoFit/>
-            </a:bodyPr>
-            <a:lstStyle/>
-            <a:p>
-              <a:r>
-                <a:rPr lang="de-DE" dirty="0"/>
-                <a:t>Text and Links </a:t>
-              </a:r>
-              <a:r>
-                <a:rPr lang="de-DE" dirty="0" err="1"/>
-                <a:t>to</a:t>
-              </a:r>
-              <a:r>
-                <a:rPr lang="de-DE" dirty="0"/>
-                <a:t> </a:t>
-              </a:r>
-              <a:r>
-                <a:rPr lang="de-DE" dirty="0" err="1">
-                  <a:solidFill>
-                    <a:schemeClr val="accent5">
-                      <a:lumMod val="75000"/>
-                    </a:schemeClr>
-                  </a:solidFill>
-                </a:rPr>
-                <a:t>Github</a:t>
-              </a:r>
-              <a:r>
-                <a:rPr lang="de-DE" dirty="0"/>
-                <a:t>, </a:t>
-              </a:r>
-              <a:r>
-                <a:rPr lang="de-DE" dirty="0" err="1"/>
-                <a:t>other</a:t>
-              </a:r>
-              <a:r>
-                <a:rPr lang="de-DE" dirty="0"/>
-                <a:t> </a:t>
-              </a:r>
-              <a:r>
-                <a:rPr lang="de-DE" dirty="0" err="1"/>
-                <a:t>community</a:t>
-              </a:r>
-              <a:r>
-                <a:rPr lang="de-DE" dirty="0"/>
-                <a:t> </a:t>
-              </a:r>
-              <a:r>
-                <a:rPr lang="de-DE" dirty="0" err="1">
-                  <a:solidFill>
-                    <a:schemeClr val="accent5">
-                      <a:lumMod val="75000"/>
-                    </a:schemeClr>
-                  </a:solidFill>
-                </a:rPr>
-                <a:t>channels</a:t>
-              </a:r>
-              <a:r>
-                <a:rPr lang="de-DE" dirty="0">
-                  <a:solidFill>
-                    <a:schemeClr val="accent5">
-                      <a:lumMod val="75000"/>
-                    </a:schemeClr>
-                  </a:solidFill>
-                </a:rPr>
-                <a:t> </a:t>
-              </a:r>
-              <a:r>
-                <a:rPr lang="de-DE" dirty="0"/>
-                <a:t>(</a:t>
-              </a:r>
-              <a:r>
-                <a:rPr lang="de-DE" dirty="0" err="1"/>
-                <a:t>forum</a:t>
-              </a:r>
-              <a:r>
-                <a:rPr lang="de-DE" dirty="0"/>
-                <a:t> and social </a:t>
-              </a:r>
-              <a:r>
-                <a:rPr lang="de-DE" dirty="0" err="1"/>
-                <a:t>media</a:t>
-              </a:r>
-              <a:r>
-                <a:rPr lang="de-DE" dirty="0"/>
-                <a:t>), </a:t>
-              </a:r>
-              <a:r>
-                <a:rPr lang="de-DE" dirty="0" err="1"/>
-                <a:t>user</a:t>
-              </a:r>
-              <a:r>
-                <a:rPr lang="de-DE" dirty="0"/>
-                <a:t> </a:t>
-              </a:r>
-              <a:r>
-                <a:rPr lang="de-DE" dirty="0" err="1"/>
-                <a:t>groups</a:t>
-              </a:r>
-              <a:r>
-                <a:rPr lang="de-DE" dirty="0"/>
-                <a:t> and </a:t>
-              </a:r>
-              <a:r>
-                <a:rPr lang="de-DE" dirty="0" err="1"/>
-                <a:t>the</a:t>
-              </a:r>
-              <a:r>
-                <a:rPr lang="de-DE" dirty="0"/>
-                <a:t> </a:t>
-              </a:r>
-              <a:r>
-                <a:rPr lang="de-DE" dirty="0" err="1"/>
-                <a:t>Modelica</a:t>
-              </a:r>
-              <a:r>
-                <a:rPr lang="de-DE" dirty="0"/>
-                <a:t> </a:t>
-              </a:r>
-              <a:r>
-                <a:rPr lang="de-DE" dirty="0" err="1"/>
-                <a:t>Association</a:t>
-              </a:r>
-              <a:r>
-                <a:rPr lang="de-DE" dirty="0"/>
-                <a:t> </a:t>
-              </a:r>
-              <a:r>
-                <a:rPr lang="de-DE" dirty="0">
-                  <a:solidFill>
-                    <a:schemeClr val="accent5">
-                      <a:lumMod val="75000"/>
-                    </a:schemeClr>
-                  </a:solidFill>
-                </a:rPr>
-                <a:t>Newsletter</a:t>
-              </a:r>
-            </a:p>
-          </p:txBody>
-        </p:sp>
-      </p:grpSp>
-      <p:grpSp>
-        <p:nvGrpSpPr>
-          <p:cNvPr id="33" name="Gruppieren 32">
-            <a:extLst>
-              <a:ext uri="{FF2B5EF4-FFF2-40B4-BE49-F238E27FC236}">
-                <a16:creationId xmlns:a16="http://schemas.microsoft.com/office/drawing/2014/main" id="{B9BBC8F2-49A9-423A-A0DB-7D3F768E9AF0}"/>
-              </a:ext>
-            </a:extLst>
-          </p:cNvPr>
-          <p:cNvGrpSpPr/>
-          <p:nvPr/>
-        </p:nvGrpSpPr>
-        <p:grpSpPr>
-          <a:xfrm>
-            <a:off x="656688" y="1843732"/>
-            <a:ext cx="3689134" cy="2290440"/>
-            <a:chOff x="4913086" y="1892002"/>
-            <a:chExt cx="3689134" cy="2290440"/>
-          </a:xfrm>
-        </p:grpSpPr>
-        <p:sp>
-          <p:nvSpPr>
-            <p:cNvPr id="25" name="Rechteck 24">
-              <a:extLst>
-                <a:ext uri="{FF2B5EF4-FFF2-40B4-BE49-F238E27FC236}">
-                  <a16:creationId xmlns:a16="http://schemas.microsoft.com/office/drawing/2014/main" id="{B682F92B-4774-4809-884F-37699465EE3F}"/>
+                  <a16:creationId xmlns:a16="http://schemas.microsoft.com/office/drawing/2014/main" id="{1C125254-E1BA-4BDA-BF9C-E7110471B9D7}"/>
                 </a:ext>
               </a:extLst>
             </p:cNvPr>
@@ -10676,8 +9365,8 @@
           </p:nvSpPr>
           <p:spPr>
             <a:xfrm>
-              <a:off x="4913086" y="1892002"/>
-              <a:ext cx="3689134" cy="2290440"/>
+              <a:off x="4321745" y="2438400"/>
+              <a:ext cx="3552825" cy="1981200"/>
             </a:xfrm>
             <a:prstGeom prst="rect">
               <a:avLst/>
@@ -10712,178 +9401,16 @@
             <a:lstStyle/>
             <a:p>
               <a:pPr algn="ctr"/>
-              <a:endParaRPr lang="de-DE" dirty="0"/>
+              <a:endParaRPr lang="de-DE"/>
             </a:p>
           </p:txBody>
         </p:sp>
         <p:sp>
           <p:nvSpPr>
-            <p:cNvPr id="12" name="Textfeld 11">
+            <p:cNvPr id="22" name="Rechteck 21">
               <a:extLst>
                 <a:ext uri="{FF2B5EF4-FFF2-40B4-BE49-F238E27FC236}">
-                  <a16:creationId xmlns:a16="http://schemas.microsoft.com/office/drawing/2014/main" id="{735FEF11-0D5D-42BC-9EEA-9DB14103FFDA}"/>
-                </a:ext>
-              </a:extLst>
-            </p:cNvPr>
-            <p:cNvSpPr txBox="1"/>
-            <p:nvPr/>
-          </p:nvSpPr>
-          <p:spPr>
-            <a:xfrm>
-              <a:off x="5115831" y="2094578"/>
-              <a:ext cx="3249169" cy="523220"/>
-            </a:xfrm>
-            <a:prstGeom prst="rect">
-              <a:avLst/>
-            </a:prstGeom>
-            <a:noFill/>
-          </p:spPr>
-          <p:txBody>
-            <a:bodyPr wrap="square" rtlCol="0">
-              <a:spAutoFit/>
-            </a:bodyPr>
-            <a:lstStyle/>
-            <a:p>
-              <a:r>
-                <a:rPr lang="de-DE" sz="2800" dirty="0">
-                  <a:solidFill>
-                    <a:srgbClr val="C00000"/>
-                  </a:solidFill>
-                </a:rPr>
-                <a:t>About </a:t>
-              </a:r>
-              <a:r>
-                <a:rPr lang="de-DE" sz="2800" dirty="0" err="1">
-                  <a:solidFill>
-                    <a:srgbClr val="C00000"/>
-                  </a:solidFill>
-                </a:rPr>
-                <a:t>the</a:t>
-              </a:r>
-              <a:r>
-                <a:rPr lang="de-DE" sz="2800" dirty="0">
-                  <a:solidFill>
-                    <a:srgbClr val="C00000"/>
-                  </a:solidFill>
-                </a:rPr>
-                <a:t> Project</a:t>
-              </a:r>
-            </a:p>
-          </p:txBody>
-        </p:sp>
-        <p:sp>
-          <p:nvSpPr>
-            <p:cNvPr id="27" name="Textfeld 26">
-              <a:extLst>
-                <a:ext uri="{FF2B5EF4-FFF2-40B4-BE49-F238E27FC236}">
-                  <a16:creationId xmlns:a16="http://schemas.microsoft.com/office/drawing/2014/main" id="{2B6EFB4F-52E0-4965-BE1B-63A4F4D3F14D}"/>
-                </a:ext>
-              </a:extLst>
-            </p:cNvPr>
-            <p:cNvSpPr txBox="1"/>
-            <p:nvPr/>
-          </p:nvSpPr>
-          <p:spPr>
-            <a:xfrm>
-              <a:off x="5115831" y="2648118"/>
-              <a:ext cx="2948443" cy="923330"/>
-            </a:xfrm>
-            <a:prstGeom prst="rect">
-              <a:avLst/>
-            </a:prstGeom>
-            <a:noFill/>
-          </p:spPr>
-          <p:txBody>
-            <a:bodyPr wrap="square" rtlCol="0">
-              <a:spAutoFit/>
-            </a:bodyPr>
-            <a:lstStyle/>
-            <a:p>
-              <a:r>
-                <a:rPr lang="de-DE" dirty="0"/>
-                <a:t>More </a:t>
-              </a:r>
-              <a:r>
-                <a:rPr lang="de-DE" dirty="0" err="1"/>
-                <a:t>detailed</a:t>
-              </a:r>
-              <a:r>
-                <a:rPr lang="de-DE" dirty="0"/>
-                <a:t> </a:t>
-              </a:r>
-              <a:r>
-                <a:rPr lang="de-DE" dirty="0" err="1"/>
-                <a:t>information</a:t>
-              </a:r>
-              <a:r>
-                <a:rPr lang="de-DE" dirty="0"/>
-                <a:t> </a:t>
-              </a:r>
-              <a:r>
-                <a:rPr lang="de-DE" dirty="0" err="1"/>
-                <a:t>about</a:t>
-              </a:r>
-              <a:r>
-                <a:rPr lang="de-DE" dirty="0"/>
-                <a:t> </a:t>
-              </a:r>
-              <a:r>
-                <a:rPr lang="de-DE" dirty="0" err="1"/>
-                <a:t>the</a:t>
-              </a:r>
-              <a:r>
-                <a:rPr lang="de-DE" dirty="0"/>
-                <a:t> </a:t>
-              </a:r>
-              <a:r>
-                <a:rPr lang="de-DE" dirty="0" err="1"/>
-                <a:t>project</a:t>
-              </a:r>
-              <a:r>
-                <a:rPr lang="de-DE" dirty="0"/>
-                <a:t>.</a:t>
-              </a:r>
-            </a:p>
-            <a:p>
-              <a:r>
-                <a:rPr lang="de-DE" dirty="0"/>
-                <a:t>Contact </a:t>
-              </a:r>
-              <a:r>
-                <a:rPr lang="de-DE" dirty="0" err="1"/>
-                <a:t>information</a:t>
-              </a:r>
-              <a:endParaRPr lang="de-DE" dirty="0"/>
-            </a:p>
-          </p:txBody>
-        </p:sp>
-      </p:grpSp>
-      <p:grpSp>
-        <p:nvGrpSpPr>
-          <p:cNvPr id="3" name="Gruppieren 2">
-            <a:extLst>
-              <a:ext uri="{FF2B5EF4-FFF2-40B4-BE49-F238E27FC236}">
-                <a16:creationId xmlns:a16="http://schemas.microsoft.com/office/drawing/2014/main" id="{9CA01CAA-D83D-4FA7-8BB2-A698F0B198BF}"/>
-              </a:ext>
-            </a:extLst>
-          </p:cNvPr>
-          <p:cNvGrpSpPr/>
-          <p:nvPr/>
-        </p:nvGrpSpPr>
-        <p:grpSpPr>
-          <a:xfrm>
-            <a:off x="2289891" y="4292417"/>
-            <a:ext cx="3689134" cy="2290440"/>
-            <a:chOff x="8072893" y="2005060"/>
-            <a:chExt cx="3689134" cy="2290440"/>
-          </a:xfrm>
-        </p:grpSpPr>
-        <p:sp>
-          <p:nvSpPr>
-            <p:cNvPr id="36" name="Rechteck 35">
-              <a:extLst>
-                <a:ext uri="{FF2B5EF4-FFF2-40B4-BE49-F238E27FC236}">
-                  <a16:creationId xmlns:a16="http://schemas.microsoft.com/office/drawing/2014/main" id="{1685F4FE-9BFE-41DF-A4C0-9C9FE91949AC}"/>
+                  <a16:creationId xmlns:a16="http://schemas.microsoft.com/office/drawing/2014/main" id="{C63A4EDE-2826-4D19-98F8-CC737ACA97FF}"/>
                 </a:ext>
               </a:extLst>
             </p:cNvPr>
@@ -10892,15 +9419,13 @@
           </p:nvSpPr>
           <p:spPr>
             <a:xfrm>
-              <a:off x="8072893" y="2005060"/>
-              <a:ext cx="3689134" cy="2290440"/>
+              <a:off x="8251263" y="2438400"/>
+              <a:ext cx="3552825" cy="1981200"/>
             </a:xfrm>
             <a:prstGeom prst="rect">
               <a:avLst/>
             </a:prstGeom>
-            <a:solidFill>
-              <a:schemeClr val="bg1"/>
-            </a:solidFill>
+            <a:noFill/>
             <a:ln>
               <a:solidFill>
                 <a:schemeClr val="tx1"/>
@@ -10928,16 +9453,16 @@
             <a:lstStyle/>
             <a:p>
               <a:pPr algn="ctr"/>
-              <a:endParaRPr lang="de-DE" dirty="0"/>
+              <a:endParaRPr lang="de-DE"/>
             </a:p>
           </p:txBody>
         </p:sp>
         <p:sp>
           <p:nvSpPr>
-            <p:cNvPr id="37" name="Textfeld 36">
+            <p:cNvPr id="23" name="Textfeld 3">
               <a:extLst>
                 <a:ext uri="{FF2B5EF4-FFF2-40B4-BE49-F238E27FC236}">
-                  <a16:creationId xmlns:a16="http://schemas.microsoft.com/office/drawing/2014/main" id="{B074EB6E-CFEE-4928-AE86-2CCA3A7FD4AA}"/>
+                  <a16:creationId xmlns:a16="http://schemas.microsoft.com/office/drawing/2014/main" id="{7099889C-6035-41BB-B23C-9EDAE7B10D5F}"/>
                 </a:ext>
               </a:extLst>
             </p:cNvPr>
@@ -10946,8 +9471,8 @@
           </p:nvSpPr>
           <p:spPr>
             <a:xfrm>
-              <a:off x="8284257" y="2207636"/>
-              <a:ext cx="2943225" cy="523220"/>
+              <a:off x="505513" y="2667000"/>
+              <a:ext cx="2793629" cy="954107"/>
             </a:xfrm>
             <a:prstGeom prst="rect">
               <a:avLst/>
@@ -10966,17 +9491,46 @@
                     <a:srgbClr val="C00000"/>
                   </a:solidFill>
                 </a:rPr>
-                <a:t>Membership</a:t>
-              </a:r>
+                <a:t>Project </a:t>
+              </a:r>
+              <a:r>
+                <a:rPr lang="de-DE" sz="2800" dirty="0" err="1">
+                  <a:solidFill>
+                    <a:srgbClr val="C00000"/>
+                  </a:solidFill>
+                </a:rPr>
+                <a:t>organization</a:t>
+              </a:r>
+              <a:r>
+                <a:rPr lang="de-DE" sz="2800" dirty="0">
+                  <a:solidFill>
+                    <a:srgbClr val="C00000"/>
+                  </a:solidFill>
+                </a:rPr>
+                <a:t> </a:t>
+              </a:r>
+              <a:r>
+                <a:rPr lang="de-DE" sz="2800" dirty="0" smtClean="0">
+                  <a:solidFill>
+                    <a:srgbClr val="C00000"/>
+                  </a:solidFill>
+                </a:rPr>
+                <a:t>FAQs</a:t>
+              </a:r>
+              <a:endParaRPr lang="de-DE" sz="2800" dirty="0">
+                <a:solidFill>
+                  <a:srgbClr val="C00000"/>
+                </a:solidFill>
+              </a:endParaRPr>
             </a:p>
           </p:txBody>
         </p:sp>
         <p:sp>
           <p:nvSpPr>
-            <p:cNvPr id="38" name="Textfeld 37">
+            <p:cNvPr id="25" name="Textfeld 27">
               <a:extLst>
                 <a:ext uri="{FF2B5EF4-FFF2-40B4-BE49-F238E27FC236}">
-                  <a16:creationId xmlns:a16="http://schemas.microsoft.com/office/drawing/2014/main" id="{4BC86AC7-C27E-4DD5-84C5-D7CFC061CD49}"/>
+                  <a16:creationId xmlns:a16="http://schemas.microsoft.com/office/drawing/2014/main" id="{FC0B8926-18F3-4F20-A56A-21171D88F254}"/>
                 </a:ext>
               </a:extLst>
             </p:cNvPr>
@@ -10985,8 +9539,8 @@
           </p:nvSpPr>
           <p:spPr>
             <a:xfrm>
-              <a:off x="8284257" y="2784025"/>
-              <a:ext cx="3087578" cy="369332"/>
+              <a:off x="8341302" y="2666999"/>
+              <a:ext cx="2961242" cy="1384995"/>
             </a:xfrm>
             <a:prstGeom prst="rect">
               <a:avLst/>
@@ -11000,40 +9554,160 @@
             <a:lstStyle/>
             <a:p>
               <a:r>
-                <a:rPr lang="de-DE" dirty="0"/>
-                <a:t>Text and </a:t>
-              </a:r>
-              <a:r>
-                <a:rPr lang="de-DE" dirty="0" err="1"/>
-                <a:t>list</a:t>
-              </a:r>
-              <a:r>
-                <a:rPr lang="de-DE" dirty="0"/>
+                <a:rPr lang="de-DE" sz="2800" dirty="0" smtClean="0">
+                  <a:solidFill>
+                    <a:srgbClr val="C00000"/>
+                  </a:solidFill>
+                </a:rPr>
+                <a:t>MAP </a:t>
+              </a:r>
+              <a:r>
+                <a:rPr lang="de-DE" sz="2800" dirty="0" err="1" smtClean="0">
+                  <a:solidFill>
+                    <a:srgbClr val="C00000"/>
+                  </a:solidFill>
+                </a:rPr>
+                <a:t>eFMI</a:t>
+              </a:r>
+              <a:r>
+                <a:rPr lang="de-DE" sz="2800" dirty="0" smtClean="0">
+                  <a:solidFill>
+                    <a:srgbClr val="C00000"/>
+                  </a:solidFill>
+                </a:rPr>
                 <a:t> </a:t>
               </a:r>
               <a:r>
-                <a:rPr lang="de-DE" dirty="0" err="1"/>
-                <a:t>of</a:t>
-              </a:r>
-              <a:r>
-                <a:rPr lang="de-DE" dirty="0"/>
-                <a:t> MAP </a:t>
-              </a:r>
-              <a:r>
-                <a:rPr lang="de-DE" dirty="0" err="1"/>
-                <a:t>members</a:t>
-              </a:r>
-              <a:endParaRPr lang="de-DE" dirty="0">
+                <a:rPr lang="de-DE" sz="2800" dirty="0" err="1" smtClean="0">
+                  <a:solidFill>
+                    <a:srgbClr val="C00000"/>
+                  </a:solidFill>
+                </a:rPr>
+                <a:t>published</a:t>
+              </a:r>
+              <a:r>
+                <a:rPr lang="de-DE" sz="2800" dirty="0" smtClean="0">
+                  <a:solidFill>
+                    <a:srgbClr val="C00000"/>
+                  </a:solidFill>
+                </a:rPr>
+                <a:t> </a:t>
+              </a:r>
+              <a:r>
+                <a:rPr lang="de-DE" sz="2800" dirty="0" err="1" smtClean="0">
+                  <a:solidFill>
+                    <a:srgbClr val="C00000"/>
+                  </a:solidFill>
+                </a:rPr>
+                <a:t>tooling</a:t>
+              </a:r>
+              <a:r>
+                <a:rPr lang="de-DE" sz="2800" dirty="0" smtClean="0">
+                  <a:solidFill>
+                    <a:srgbClr val="C00000"/>
+                  </a:solidFill>
+                </a:rPr>
+                <a:t> FAQs</a:t>
+              </a:r>
+              <a:endParaRPr lang="de-DE" sz="2800" dirty="0">
                 <a:solidFill>
-                  <a:schemeClr val="accent5">
-                    <a:lumMod val="75000"/>
-                  </a:schemeClr>
+                  <a:srgbClr val="C00000"/>
+                </a:solidFill>
+              </a:endParaRPr>
+            </a:p>
+          </p:txBody>
+        </p:sp>
+        <p:sp>
+          <p:nvSpPr>
+            <p:cNvPr id="27" name="Textfeld 2">
+              <a:extLst>
+                <a:ext uri="{FF2B5EF4-FFF2-40B4-BE49-F238E27FC236}">
+                  <a16:creationId xmlns:a16="http://schemas.microsoft.com/office/drawing/2014/main" id="{BC94B7E2-ABFB-452A-BBA0-CEA1559E82BE}"/>
+                </a:ext>
+              </a:extLst>
+            </p:cNvPr>
+            <p:cNvSpPr txBox="1"/>
+            <p:nvPr/>
+          </p:nvSpPr>
+          <p:spPr>
+            <a:xfrm>
+              <a:off x="4436350" y="2667000"/>
+              <a:ext cx="3038337" cy="954107"/>
+            </a:xfrm>
+            <a:prstGeom prst="rect">
+              <a:avLst/>
+            </a:prstGeom>
+            <a:noFill/>
+          </p:spPr>
+          <p:txBody>
+            <a:bodyPr wrap="square" rtlCol="0">
+              <a:spAutoFit/>
+            </a:bodyPr>
+            <a:lstStyle/>
+            <a:p>
+              <a:r>
+                <a:rPr lang="de-DE" sz="2800" i="1" dirty="0" err="1">
+                  <a:solidFill>
+                    <a:srgbClr val="C00000"/>
+                  </a:solidFill>
+                </a:rPr>
+                <a:t>eFMI</a:t>
+              </a:r>
+              <a:r>
+                <a:rPr lang="de-DE" sz="2800" i="1" dirty="0">
+                  <a:solidFill>
+                    <a:srgbClr val="C00000"/>
+                  </a:solidFill>
+                </a:rPr>
+                <a:t> Standard </a:t>
+              </a:r>
+              <a:r>
+                <a:rPr lang="de-DE" sz="2800" dirty="0">
+                  <a:solidFill>
+                    <a:srgbClr val="C00000"/>
+                  </a:solidFill>
+                </a:rPr>
+                <a:t>FAQs</a:t>
+              </a:r>
+              <a:endParaRPr lang="de-DE" sz="2800" dirty="0">
+                <a:solidFill>
+                  <a:srgbClr val="C00000"/>
                 </a:solidFill>
               </a:endParaRPr>
             </a:p>
           </p:txBody>
         </p:sp>
       </p:grpSp>
+    </p:spTree>
+    <p:extLst>
+      <p:ext uri="{BB962C8B-B14F-4D97-AF65-F5344CB8AC3E}">
+        <p14:creationId xmlns:p14="http://schemas.microsoft.com/office/powerpoint/2010/main" val="2862894535"/>
+      </p:ext>
+    </p:extLst>
+  </p:cSld>
+  <p:clrMapOvr>
+    <a:masterClrMapping/>
+  </p:clrMapOvr>
+</p:sld>
+</file>
+
+<file path=ppt/slides/slide8.xml><?xml version="1.0" encoding="utf-8"?>
+<p:sld xmlns:a="http://schemas.openxmlformats.org/drawingml/2006/main" xmlns:r="http://schemas.openxmlformats.org/officeDocument/2006/relationships" xmlns:p="http://schemas.openxmlformats.org/presentationml/2006/main">
+  <p:cSld>
+    <p:spTree>
+      <p:nvGrpSpPr>
+        <p:cNvPr id="1" name=""/>
+        <p:cNvGrpSpPr/>
+        <p:nvPr/>
+      </p:nvGrpSpPr>
+      <p:grpSpPr>
+        <a:xfrm>
+          <a:off x="0" y="0"/>
+          <a:ext cx="0" cy="0"/>
+          <a:chOff x="0" y="0"/>
+          <a:chExt cx="0" cy="0"/>
+        </a:xfrm>
+      </p:grpSpPr>
       <p:grpSp>
         <p:nvGrpSpPr>
           <p:cNvPr id="2" name="Gruppieren 1">
@@ -11048,7 +9722,7 @@
         </p:nvGrpSpPr>
         <p:grpSpPr>
           <a:xfrm>
-            <a:off x="6147209" y="4292417"/>
+            <a:off x="4429953" y="1842388"/>
             <a:ext cx="3689134" cy="2290440"/>
             <a:chOff x="2374952" y="4313694"/>
             <a:chExt cx="3689134" cy="2290440"/>
@@ -11175,7 +9849,7 @@
           <p:spPr>
             <a:xfrm>
               <a:off x="2614441" y="4959072"/>
-              <a:ext cx="2948443" cy="1200329"/>
+              <a:ext cx="2948443" cy="1477328"/>
             </a:xfrm>
             <a:prstGeom prst="rect">
               <a:avLst/>
@@ -11189,9 +9863,17 @@
             <a:lstStyle/>
             <a:p>
               <a:r>
-                <a:rPr lang="de-DE" dirty="0"/>
+                <a:rPr lang="de-DE" dirty="0" err="1" smtClean="0"/>
+                <a:t>Contact</a:t>
+              </a:r>
+              <a:endParaRPr lang="de-DE" dirty="0" smtClean="0"/>
+            </a:p>
+            <a:p>
+              <a:r>
+                <a:rPr lang="de-DE" dirty="0" smtClean="0"/>
                 <a:t>Trademark</a:t>
               </a:r>
+              <a:endParaRPr lang="de-DE" dirty="0"/>
             </a:p>
             <a:p>
               <a:r>
@@ -11247,7 +9929,7 @@
         </p:nvGrpSpPr>
         <p:grpSpPr>
           <a:xfrm>
-            <a:off x="4399493" y="1842388"/>
+            <a:off x="529455" y="1842388"/>
             <a:ext cx="3689134" cy="2290440"/>
             <a:chOff x="670032" y="4285046"/>
             <a:chExt cx="3689134" cy="2290440"/>
@@ -11496,8 +10178,12 @@
                 <a:t> MA </a:t>
               </a:r>
               <a:r>
-                <a:rPr lang="de-DE" dirty="0" err="1"/>
+                <a:rPr lang="de-DE" dirty="0" err="1" smtClean="0"/>
                 <a:t>umbrella</a:t>
+              </a:r>
+              <a:r>
+                <a:rPr lang="de-DE" dirty="0" smtClean="0"/>
+                <a:t>.</a:t>
               </a:r>
               <a:endParaRPr lang="de-DE" dirty="0"/>
             </a:p>
@@ -11829,10 +10515,18 @@
             <a:lstStyle/>
             <a:p>
               <a:r>
-                <a:rPr lang="de-DE" dirty="0" err="1"/>
-                <a:t>Specification</a:t>
-              </a:r>
-              <a:endParaRPr lang="de-DE" dirty="0"/>
+                <a:rPr lang="de-DE" i="1" dirty="0" err="1"/>
+                <a:t>eFMI</a:t>
+              </a:r>
+              <a:r>
+                <a:rPr lang="de-DE" i="1" dirty="0"/>
+                <a:t> </a:t>
+              </a:r>
+              <a:r>
+                <a:rPr lang="de-DE" i="1" dirty="0" smtClean="0"/>
+                <a:t>Standard</a:t>
+              </a:r>
+              <a:endParaRPr lang="de-DE" i="1" dirty="0"/>
             </a:p>
           </p:txBody>
         </p:sp>

--- a/documentation/2022-03-29_MAP-structure-draft.pptx
+++ b/documentation/2022-03-29_MAP-structure-draft.pptx
@@ -6,13 +6,14 @@
   </p:sldMasterIdLst>
   <p:sldIdLst>
     <p:sldId id="269" r:id="rId2"/>
-    <p:sldId id="271" r:id="rId3"/>
-    <p:sldId id="268" r:id="rId4"/>
-    <p:sldId id="265" r:id="rId5"/>
-    <p:sldId id="263" r:id="rId6"/>
-    <p:sldId id="261" r:id="rId7"/>
-    <p:sldId id="262" r:id="rId8"/>
-    <p:sldId id="260" r:id="rId9"/>
+    <p:sldId id="272" r:id="rId3"/>
+    <p:sldId id="271" r:id="rId4"/>
+    <p:sldId id="268" r:id="rId5"/>
+    <p:sldId id="265" r:id="rId6"/>
+    <p:sldId id="263" r:id="rId7"/>
+    <p:sldId id="261" r:id="rId8"/>
+    <p:sldId id="262" r:id="rId9"/>
+    <p:sldId id="260" r:id="rId10"/>
   </p:sldIdLst>
   <p:sldSz cx="12192000" cy="6858000"/>
   <p:notesSz cx="6858000" cy="9144000"/>
@@ -3641,6 +3642,710 @@
           <a:chExt cx="0" cy="0"/>
         </a:xfrm>
       </p:grpSpPr>
+      <p:pic>
+        <p:nvPicPr>
+          <p:cNvPr id="21" name="Grafik 20">
+            <a:extLst>
+              <a:ext uri="{FF2B5EF4-FFF2-40B4-BE49-F238E27FC236}">
+                <a16:creationId xmlns:a16="http://schemas.microsoft.com/office/drawing/2014/main" id="{0195732E-D772-4F81-A9E3-B9A6EB9EAF9B}"/>
+              </a:ext>
+            </a:extLst>
+          </p:cNvPr>
+          <p:cNvPicPr>
+            <a:picLocks noChangeAspect="1"/>
+          </p:cNvPicPr>
+          <p:nvPr/>
+        </p:nvPicPr>
+        <p:blipFill>
+          <a:blip r:embed="rId2"/>
+          <a:stretch>
+            <a:fillRect/>
+          </a:stretch>
+        </p:blipFill>
+        <p:spPr>
+          <a:xfrm>
+            <a:off x="186404" y="1856820"/>
+            <a:ext cx="8823310" cy="3640719"/>
+          </a:xfrm>
+          <a:prstGeom prst="rect">
+            <a:avLst/>
+          </a:prstGeom>
+          <a:ln>
+            <a:solidFill>
+              <a:schemeClr val="tx1"/>
+            </a:solidFill>
+          </a:ln>
+        </p:spPr>
+      </p:pic>
+      <p:sp>
+        <p:nvSpPr>
+          <p:cNvPr id="16" name="Textfeld 15">
+            <a:extLst>
+              <a:ext uri="{FF2B5EF4-FFF2-40B4-BE49-F238E27FC236}">
+                <a16:creationId xmlns:a16="http://schemas.microsoft.com/office/drawing/2014/main" id="{3D4985D2-5FEC-46A0-BB8A-D69492C1F545}"/>
+              </a:ext>
+            </a:extLst>
+          </p:cNvPr>
+          <p:cNvSpPr txBox="1"/>
+          <p:nvPr/>
+        </p:nvSpPr>
+        <p:spPr>
+          <a:xfrm>
+            <a:off x="5520779" y="833939"/>
+            <a:ext cx="2057523" cy="2862322"/>
+          </a:xfrm>
+          <a:prstGeom prst="rect">
+            <a:avLst/>
+          </a:prstGeom>
+          <a:solidFill>
+            <a:schemeClr val="bg1"/>
+          </a:solidFill>
+          <a:ln>
+            <a:solidFill>
+              <a:schemeClr val="tx1"/>
+            </a:solidFill>
+          </a:ln>
+        </p:spPr>
+        <p:txBody>
+          <a:bodyPr wrap="square" rtlCol="0">
+            <a:spAutoFit/>
+          </a:bodyPr>
+          <a:lstStyle/>
+          <a:p>
+            <a:pPr marL="285750" indent="-285750">
+              <a:buFont typeface="Arial" panose="020B0604020202020204" pitchFamily="34" charset="0"/>
+              <a:buChar char="•"/>
+            </a:pPr>
+            <a:r>
+              <a:rPr lang="de-DE" dirty="0" err="1" smtClean="0"/>
+              <a:t>Documentation</a:t>
+            </a:r>
+            <a:endParaRPr lang="de-DE" dirty="0" smtClean="0"/>
+          </a:p>
+          <a:p>
+            <a:pPr marL="285750" indent="-285750">
+              <a:buFont typeface="Arial" panose="020B0604020202020204" pitchFamily="34" charset="0"/>
+              <a:buChar char="•"/>
+            </a:pPr>
+            <a:r>
+              <a:rPr lang="en-US" dirty="0"/>
+              <a:t>Use cases and industrial </a:t>
+            </a:r>
+            <a:r>
+              <a:rPr lang="en-US" dirty="0" smtClean="0"/>
+              <a:t>references</a:t>
+            </a:r>
+          </a:p>
+          <a:p>
+            <a:pPr marL="285750" indent="-285750">
+              <a:buFont typeface="Arial" panose="020B0604020202020204" pitchFamily="34" charset="0"/>
+              <a:buChar char="•"/>
+            </a:pPr>
+            <a:r>
+              <a:rPr lang="en-US" dirty="0"/>
+              <a:t>MAP </a:t>
+            </a:r>
+            <a:r>
+              <a:rPr lang="en-US" dirty="0" err="1"/>
+              <a:t>eFMI</a:t>
+            </a:r>
+            <a:r>
+              <a:rPr lang="en-US" dirty="0"/>
+              <a:t> published </a:t>
+            </a:r>
+            <a:r>
+              <a:rPr lang="en-US" dirty="0" smtClean="0"/>
+              <a:t>tooling</a:t>
+            </a:r>
+          </a:p>
+          <a:p>
+            <a:pPr marL="285750" indent="-285750">
+              <a:buFont typeface="Arial" panose="020B0604020202020204" pitchFamily="34" charset="0"/>
+              <a:buChar char="•"/>
+            </a:pPr>
+            <a:r>
+              <a:rPr lang="en-US" dirty="0"/>
+              <a:t>Example </a:t>
+            </a:r>
+            <a:r>
+              <a:rPr lang="en-US" dirty="0" err="1" smtClean="0"/>
+              <a:t>eFMUs</a:t>
+            </a:r>
+            <a:endParaRPr lang="en-US" dirty="0" smtClean="0"/>
+          </a:p>
+          <a:p>
+            <a:pPr marL="285750" indent="-285750">
+              <a:buFont typeface="Arial" panose="020B0604020202020204" pitchFamily="34" charset="0"/>
+              <a:buChar char="•"/>
+            </a:pPr>
+            <a:r>
+              <a:rPr lang="en-US" dirty="0"/>
+              <a:t>Project </a:t>
+            </a:r>
+            <a:r>
+              <a:rPr lang="en-US" dirty="0" smtClean="0"/>
+              <a:t>organization</a:t>
+            </a:r>
+            <a:endParaRPr lang="en-US" dirty="0"/>
+          </a:p>
+        </p:txBody>
+      </p:sp>
+      <p:sp>
+        <p:nvSpPr>
+          <p:cNvPr id="29" name="Textfeld 28">
+            <a:extLst>
+              <a:ext uri="{FF2B5EF4-FFF2-40B4-BE49-F238E27FC236}">
+                <a16:creationId xmlns:a16="http://schemas.microsoft.com/office/drawing/2014/main" id="{C2C4F818-EDEB-43A2-918D-B21CA6A60BF8}"/>
+              </a:ext>
+            </a:extLst>
+          </p:cNvPr>
+          <p:cNvSpPr txBox="1"/>
+          <p:nvPr/>
+        </p:nvSpPr>
+        <p:spPr>
+          <a:xfrm>
+            <a:off x="9335141" y="850203"/>
+            <a:ext cx="1704975" cy="923330"/>
+          </a:xfrm>
+          <a:prstGeom prst="rect">
+            <a:avLst/>
+          </a:prstGeom>
+          <a:noFill/>
+          <a:ln>
+            <a:solidFill>
+              <a:schemeClr val="tx1"/>
+            </a:solidFill>
+          </a:ln>
+        </p:spPr>
+        <p:txBody>
+          <a:bodyPr wrap="square" rtlCol="0">
+            <a:spAutoFit/>
+          </a:bodyPr>
+          <a:lstStyle/>
+          <a:p>
+            <a:pPr marL="285750" indent="-285750">
+              <a:buFont typeface="Arial" panose="020B0604020202020204" pitchFamily="34" charset="0"/>
+              <a:buChar char="•"/>
+            </a:pPr>
+            <a:r>
+              <a:rPr lang="de-DE" dirty="0" err="1" smtClean="0"/>
+              <a:t>History</a:t>
+            </a:r>
+            <a:endParaRPr lang="de-DE" dirty="0" smtClean="0"/>
+          </a:p>
+          <a:p>
+            <a:pPr marL="285750" indent="-285750">
+              <a:buFont typeface="Arial" panose="020B0604020202020204" pitchFamily="34" charset="0"/>
+              <a:buChar char="•"/>
+            </a:pPr>
+            <a:r>
+              <a:rPr lang="de-DE" dirty="0"/>
+              <a:t>Legal </a:t>
+            </a:r>
+            <a:r>
+              <a:rPr lang="de-DE" dirty="0" err="1" smtClean="0"/>
+              <a:t>information</a:t>
+            </a:r>
+            <a:endParaRPr lang="de-DE" dirty="0"/>
+          </a:p>
+        </p:txBody>
+      </p:sp>
+      <p:cxnSp>
+        <p:nvCxnSpPr>
+          <p:cNvPr id="10" name="Gerader Verbinder 9">
+            <a:extLst>
+              <a:ext uri="{FF2B5EF4-FFF2-40B4-BE49-F238E27FC236}">
+                <a16:creationId xmlns:a16="http://schemas.microsoft.com/office/drawing/2014/main" id="{CD7BA7FB-5C06-4EC5-B2C8-F371A73A4FFF}"/>
+              </a:ext>
+            </a:extLst>
+          </p:cNvPr>
+          <p:cNvCxnSpPr>
+            <a:cxnSpLocks/>
+            <a:endCxn id="21" idx="0"/>
+          </p:cNvCxnSpPr>
+          <p:nvPr/>
+        </p:nvCxnSpPr>
+        <p:spPr>
+          <a:xfrm>
+            <a:off x="934995" y="966535"/>
+            <a:ext cx="3663064" cy="890285"/>
+          </a:xfrm>
+          <a:prstGeom prst="line">
+            <a:avLst/>
+          </a:prstGeom>
+          <a:ln>
+            <a:solidFill>
+              <a:schemeClr val="tx1"/>
+            </a:solidFill>
+          </a:ln>
+        </p:spPr>
+        <p:style>
+          <a:lnRef idx="1">
+            <a:schemeClr val="accent1"/>
+          </a:lnRef>
+          <a:fillRef idx="0">
+            <a:schemeClr val="accent1"/>
+          </a:fillRef>
+          <a:effectRef idx="0">
+            <a:schemeClr val="accent1"/>
+          </a:effectRef>
+          <a:fontRef idx="minor">
+            <a:schemeClr val="tx1"/>
+          </a:fontRef>
+        </p:style>
+      </p:cxnSp>
+      <p:grpSp>
+        <p:nvGrpSpPr>
+          <p:cNvPr id="23" name="Gruppieren 22">
+            <a:extLst>
+              <a:ext uri="{FF2B5EF4-FFF2-40B4-BE49-F238E27FC236}">
+                <a16:creationId xmlns:a16="http://schemas.microsoft.com/office/drawing/2014/main" id="{3B50AE8F-499C-44CF-81CF-F9DE7B420DC5}"/>
+              </a:ext>
+            </a:extLst>
+          </p:cNvPr>
+          <p:cNvGrpSpPr/>
+          <p:nvPr/>
+        </p:nvGrpSpPr>
+        <p:grpSpPr>
+          <a:xfrm>
+            <a:off x="441651" y="364538"/>
+            <a:ext cx="11394450" cy="601997"/>
+            <a:chOff x="441651" y="364538"/>
+            <a:chExt cx="11394450" cy="601997"/>
+          </a:xfrm>
+        </p:grpSpPr>
+        <p:pic>
+          <p:nvPicPr>
+            <p:cNvPr id="25" name="Grafik 24">
+              <a:extLst>
+                <a:ext uri="{FF2B5EF4-FFF2-40B4-BE49-F238E27FC236}">
+                  <a16:creationId xmlns:a16="http://schemas.microsoft.com/office/drawing/2014/main" id="{85119939-EDFA-430E-A79E-A6CCB91C083E}"/>
+                </a:ext>
+              </a:extLst>
+            </p:cNvPr>
+            <p:cNvPicPr>
+              <a:picLocks noChangeAspect="1"/>
+            </p:cNvPicPr>
+            <p:nvPr/>
+          </p:nvPicPr>
+          <p:blipFill rotWithShape="1">
+            <a:blip r:embed="rId3" cstate="hqprint">
+              <a:extLst>
+                <a:ext uri="{28A0092B-C50C-407E-A947-70E740481C1C}">
+                  <a14:useLocalDpi xmlns:a14="http://schemas.microsoft.com/office/drawing/2010/main" val="0"/>
+                </a:ext>
+              </a:extLst>
+            </a:blip>
+            <a:srcRect r="60746"/>
+            <a:stretch/>
+          </p:blipFill>
+          <p:spPr>
+            <a:xfrm>
+              <a:off x="441651" y="364538"/>
+              <a:ext cx="986688" cy="601997"/>
+            </a:xfrm>
+            <a:prstGeom prst="rect">
+              <a:avLst/>
+            </a:prstGeom>
+          </p:spPr>
+        </p:pic>
+        <p:pic>
+          <p:nvPicPr>
+            <p:cNvPr id="26" name="Grafik 25">
+              <a:extLst>
+                <a:ext uri="{FF2B5EF4-FFF2-40B4-BE49-F238E27FC236}">
+                  <a16:creationId xmlns:a16="http://schemas.microsoft.com/office/drawing/2014/main" id="{4D80DAF8-92BA-411D-9D65-1F6582CD260A}"/>
+                </a:ext>
+              </a:extLst>
+            </p:cNvPr>
+            <p:cNvPicPr>
+              <a:picLocks noChangeAspect="1"/>
+            </p:cNvPicPr>
+            <p:nvPr/>
+          </p:nvPicPr>
+          <p:blipFill>
+            <a:blip r:embed="rId4" cstate="hqprint">
+              <a:extLst>
+                <a:ext uri="{28A0092B-C50C-407E-A947-70E740481C1C}">
+                  <a14:useLocalDpi xmlns:a14="http://schemas.microsoft.com/office/drawing/2010/main" val="0"/>
+                </a:ext>
+              </a:extLst>
+            </a:blip>
+            <a:stretch>
+              <a:fillRect/>
+            </a:stretch>
+          </p:blipFill>
+          <p:spPr>
+            <a:xfrm>
+              <a:off x="10849413" y="364538"/>
+              <a:ext cx="986688" cy="469401"/>
+            </a:xfrm>
+            <a:prstGeom prst="rect">
+              <a:avLst/>
+            </a:prstGeom>
+          </p:spPr>
+        </p:pic>
+        <p:pic>
+          <p:nvPicPr>
+            <p:cNvPr id="27" name="Grafik 26">
+              <a:extLst>
+                <a:ext uri="{FF2B5EF4-FFF2-40B4-BE49-F238E27FC236}">
+                  <a16:creationId xmlns:a16="http://schemas.microsoft.com/office/drawing/2014/main" id="{4DA6220C-59D5-4E26-8C64-F378580DA4AE}"/>
+                </a:ext>
+              </a:extLst>
+            </p:cNvPr>
+            <p:cNvPicPr>
+              <a:picLocks noChangeAspect="1"/>
+            </p:cNvPicPr>
+            <p:nvPr/>
+          </p:nvPicPr>
+          <p:blipFill>
+            <a:blip r:embed="rId5"/>
+            <a:stretch>
+              <a:fillRect/>
+            </a:stretch>
+          </p:blipFill>
+          <p:spPr>
+            <a:xfrm>
+              <a:off x="10367387" y="439868"/>
+              <a:ext cx="396274" cy="426757"/>
+            </a:xfrm>
+            <a:prstGeom prst="rect">
+              <a:avLst/>
+            </a:prstGeom>
+          </p:spPr>
+        </p:pic>
+        <p:sp>
+          <p:nvSpPr>
+            <p:cNvPr id="28" name="Textfeld 27">
+              <a:extLst>
+                <a:ext uri="{FF2B5EF4-FFF2-40B4-BE49-F238E27FC236}">
+                  <a16:creationId xmlns:a16="http://schemas.microsoft.com/office/drawing/2014/main" id="{3E6BF4A1-3C38-40CE-A54C-31D5D8436193}"/>
+                </a:ext>
+              </a:extLst>
+            </p:cNvPr>
+            <p:cNvSpPr txBox="1"/>
+            <p:nvPr/>
+          </p:nvSpPr>
+          <p:spPr>
+            <a:xfrm>
+              <a:off x="4888724" y="480871"/>
+              <a:ext cx="946491" cy="369332"/>
+            </a:xfrm>
+            <a:prstGeom prst="rect">
+              <a:avLst/>
+            </a:prstGeom>
+            <a:solidFill>
+              <a:schemeClr val="bg1"/>
+            </a:solidFill>
+            <a:ln>
+              <a:solidFill>
+                <a:schemeClr val="tx1"/>
+              </a:solidFill>
+            </a:ln>
+          </p:spPr>
+          <p:txBody>
+            <a:bodyPr wrap="square" rtlCol="0">
+              <a:spAutoFit/>
+            </a:bodyPr>
+            <a:lstStyle/>
+            <a:p>
+              <a:r>
+                <a:rPr lang="de-DE" dirty="0"/>
+                <a:t>Tools</a:t>
+              </a:r>
+            </a:p>
+          </p:txBody>
+        </p:sp>
+        <p:sp>
+          <p:nvSpPr>
+            <p:cNvPr id="30" name="Textfeld 29">
+              <a:extLst>
+                <a:ext uri="{FF2B5EF4-FFF2-40B4-BE49-F238E27FC236}">
+                  <a16:creationId xmlns:a16="http://schemas.microsoft.com/office/drawing/2014/main" id="{BB2DEA15-2AF5-469E-8F2C-6FB00411C759}"/>
+                </a:ext>
+              </a:extLst>
+            </p:cNvPr>
+            <p:cNvSpPr txBox="1"/>
+            <p:nvPr/>
+          </p:nvSpPr>
+          <p:spPr>
+            <a:xfrm>
+              <a:off x="5521569" y="480871"/>
+              <a:ext cx="1266093" cy="369332"/>
+            </a:xfrm>
+            <a:prstGeom prst="rect">
+              <a:avLst/>
+            </a:prstGeom>
+            <a:solidFill>
+              <a:schemeClr val="bg1"/>
+            </a:solidFill>
+            <a:ln>
+              <a:solidFill>
+                <a:schemeClr val="tx1"/>
+              </a:solidFill>
+            </a:ln>
+          </p:spPr>
+          <p:txBody>
+            <a:bodyPr wrap="square" rtlCol="0">
+              <a:spAutoFit/>
+            </a:bodyPr>
+            <a:lstStyle/>
+            <a:p>
+              <a:r>
+                <a:rPr lang="de-DE" dirty="0"/>
+                <a:t>Resources</a:t>
+              </a:r>
+            </a:p>
+          </p:txBody>
+        </p:sp>
+        <p:sp>
+          <p:nvSpPr>
+            <p:cNvPr id="31" name="Textfeld 30">
+              <a:extLst>
+                <a:ext uri="{FF2B5EF4-FFF2-40B4-BE49-F238E27FC236}">
+                  <a16:creationId xmlns:a16="http://schemas.microsoft.com/office/drawing/2014/main" id="{0E998D3D-A71D-4906-98AD-92BBF1B45CD5}"/>
+                </a:ext>
+              </a:extLst>
+            </p:cNvPr>
+            <p:cNvSpPr txBox="1"/>
+            <p:nvPr/>
+          </p:nvSpPr>
+          <p:spPr>
+            <a:xfrm>
+              <a:off x="6632372" y="480871"/>
+              <a:ext cx="1905612" cy="369332"/>
+            </a:xfrm>
+            <a:prstGeom prst="rect">
+              <a:avLst/>
+            </a:prstGeom>
+            <a:solidFill>
+              <a:schemeClr val="bg1"/>
+            </a:solidFill>
+            <a:ln>
+              <a:solidFill>
+                <a:schemeClr val="tx1"/>
+              </a:solidFill>
+            </a:ln>
+          </p:spPr>
+          <p:txBody>
+            <a:bodyPr wrap="square" rtlCol="0">
+              <a:spAutoFit/>
+            </a:bodyPr>
+            <a:lstStyle/>
+            <a:p>
+              <a:r>
+                <a:rPr lang="de-DE" dirty="0"/>
+                <a:t>News and Events</a:t>
+              </a:r>
+            </a:p>
+          </p:txBody>
+        </p:sp>
+        <p:sp>
+          <p:nvSpPr>
+            <p:cNvPr id="38" name="Textfeld 37">
+              <a:extLst>
+                <a:ext uri="{FF2B5EF4-FFF2-40B4-BE49-F238E27FC236}">
+                  <a16:creationId xmlns:a16="http://schemas.microsoft.com/office/drawing/2014/main" id="{A8D7E10C-FD2B-4F9F-8CD0-C39294F7C55F}"/>
+                </a:ext>
+              </a:extLst>
+            </p:cNvPr>
+            <p:cNvSpPr txBox="1"/>
+            <p:nvPr/>
+          </p:nvSpPr>
+          <p:spPr>
+            <a:xfrm>
+              <a:off x="9335141" y="480871"/>
+              <a:ext cx="975370" cy="369332"/>
+            </a:xfrm>
+            <a:prstGeom prst="rect">
+              <a:avLst/>
+            </a:prstGeom>
+            <a:solidFill>
+              <a:schemeClr val="bg1"/>
+            </a:solidFill>
+            <a:ln>
+              <a:solidFill>
+                <a:schemeClr val="tx1"/>
+              </a:solidFill>
+            </a:ln>
+          </p:spPr>
+          <p:txBody>
+            <a:bodyPr wrap="square" rtlCol="0">
+              <a:spAutoFit/>
+            </a:bodyPr>
+            <a:lstStyle/>
+            <a:p>
+              <a:r>
+                <a:rPr lang="de-DE" dirty="0"/>
+                <a:t>About</a:t>
+              </a:r>
+            </a:p>
+          </p:txBody>
+        </p:sp>
+        <p:sp>
+          <p:nvSpPr>
+            <p:cNvPr id="40" name="Textfeld 39">
+              <a:extLst>
+                <a:ext uri="{FF2B5EF4-FFF2-40B4-BE49-F238E27FC236}">
+                  <a16:creationId xmlns:a16="http://schemas.microsoft.com/office/drawing/2014/main" id="{F6E91EC2-75A4-436A-9CED-E60FCEFFF8CB}"/>
+                </a:ext>
+              </a:extLst>
+            </p:cNvPr>
+            <p:cNvSpPr txBox="1"/>
+            <p:nvPr/>
+          </p:nvSpPr>
+          <p:spPr>
+            <a:xfrm>
+              <a:off x="3151485" y="480871"/>
+              <a:ext cx="1736449" cy="369332"/>
+            </a:xfrm>
+            <a:prstGeom prst="rect">
+              <a:avLst/>
+            </a:prstGeom>
+            <a:solidFill>
+              <a:schemeClr val="bg1"/>
+            </a:solidFill>
+            <a:ln>
+              <a:solidFill>
+                <a:schemeClr val="tx1"/>
+              </a:solidFill>
+            </a:ln>
+          </p:spPr>
+          <p:txBody>
+            <a:bodyPr wrap="square" rtlCol="0">
+              <a:spAutoFit/>
+            </a:bodyPr>
+            <a:lstStyle/>
+            <a:p>
+              <a:r>
+                <a:rPr lang="de-DE" i="1" dirty="0" err="1"/>
+                <a:t>eFMI</a:t>
+              </a:r>
+              <a:r>
+                <a:rPr lang="de-DE" i="1" dirty="0"/>
+                <a:t> </a:t>
+              </a:r>
+              <a:r>
+                <a:rPr lang="de-DE" i="1" dirty="0" smtClean="0"/>
+                <a:t>Standard</a:t>
+              </a:r>
+              <a:endParaRPr lang="de-DE" i="1" dirty="0"/>
+            </a:p>
+          </p:txBody>
+        </p:sp>
+        <p:sp>
+          <p:nvSpPr>
+            <p:cNvPr id="41" name="Textfeld 40">
+              <a:extLst>
+                <a:ext uri="{FF2B5EF4-FFF2-40B4-BE49-F238E27FC236}">
+                  <a16:creationId xmlns:a16="http://schemas.microsoft.com/office/drawing/2014/main" id="{10BD50A2-AE96-4DE9-890D-4D1D8C439686}"/>
+                </a:ext>
+              </a:extLst>
+            </p:cNvPr>
+            <p:cNvSpPr txBox="1"/>
+            <p:nvPr/>
+          </p:nvSpPr>
+          <p:spPr>
+            <a:xfrm>
+              <a:off x="8537984" y="480871"/>
+              <a:ext cx="797157" cy="369332"/>
+            </a:xfrm>
+            <a:prstGeom prst="rect">
+              <a:avLst/>
+            </a:prstGeom>
+            <a:noFill/>
+            <a:ln>
+              <a:solidFill>
+                <a:schemeClr val="tx1"/>
+              </a:solidFill>
+            </a:ln>
+          </p:spPr>
+          <p:txBody>
+            <a:bodyPr wrap="square" rtlCol="0">
+              <a:spAutoFit/>
+            </a:bodyPr>
+            <a:lstStyle/>
+            <a:p>
+              <a:r>
+                <a:rPr lang="de-DE" dirty="0"/>
+                <a:t>FAQ</a:t>
+              </a:r>
+            </a:p>
+          </p:txBody>
+        </p:sp>
+        <p:sp>
+          <p:nvSpPr>
+            <p:cNvPr id="42" name="Textfeld 41">
+              <a:extLst>
+                <a:ext uri="{FF2B5EF4-FFF2-40B4-BE49-F238E27FC236}">
+                  <a16:creationId xmlns:a16="http://schemas.microsoft.com/office/drawing/2014/main" id="{6BC16EBF-775D-41A0-9296-504CE005D37C}"/>
+                </a:ext>
+              </a:extLst>
+            </p:cNvPr>
+            <p:cNvSpPr txBox="1"/>
+            <p:nvPr/>
+          </p:nvSpPr>
+          <p:spPr>
+            <a:xfrm>
+              <a:off x="1684821" y="480871"/>
+              <a:ext cx="1477982" cy="369332"/>
+            </a:xfrm>
+            <a:prstGeom prst="rect">
+              <a:avLst/>
+            </a:prstGeom>
+            <a:noFill/>
+            <a:ln>
+              <a:solidFill>
+                <a:schemeClr val="tx1"/>
+              </a:solidFill>
+            </a:ln>
+          </p:spPr>
+          <p:txBody>
+            <a:bodyPr wrap="square" rtlCol="0">
+              <a:spAutoFit/>
+            </a:bodyPr>
+            <a:lstStyle/>
+            <a:p>
+              <a:r>
+                <a:rPr lang="de-DE" dirty="0" err="1"/>
+                <a:t>Introduction</a:t>
+              </a:r>
+              <a:endParaRPr lang="de-DE" dirty="0"/>
+            </a:p>
+          </p:txBody>
+        </p:sp>
+      </p:grpSp>
+    </p:spTree>
+    <p:extLst>
+      <p:ext uri="{BB962C8B-B14F-4D97-AF65-F5344CB8AC3E}">
+        <p14:creationId xmlns:p14="http://schemas.microsoft.com/office/powerpoint/2010/main" val="1475061712"/>
+      </p:ext>
+    </p:extLst>
+  </p:cSld>
+  <p:clrMapOvr>
+    <a:masterClrMapping/>
+  </p:clrMapOvr>
+</p:sld>
+</file>
+
+<file path=ppt/slides/slide3.xml><?xml version="1.0" encoding="utf-8"?>
+<p:sld xmlns:a="http://schemas.openxmlformats.org/drawingml/2006/main" xmlns:r="http://schemas.openxmlformats.org/officeDocument/2006/relationships" xmlns:p="http://schemas.openxmlformats.org/presentationml/2006/main">
+  <p:cSld>
+    <p:spTree>
+      <p:nvGrpSpPr>
+        <p:cNvPr id="1" name=""/>
+        <p:cNvGrpSpPr/>
+        <p:nvPr/>
+      </p:nvGrpSpPr>
+      <p:grpSpPr>
+        <a:xfrm>
+          <a:off x="0" y="0"/>
+          <a:ext cx="0" cy="0"/>
+          <a:chOff x="0" y="0"/>
+          <a:chExt cx="0" cy="0"/>
+        </a:xfrm>
+      </p:grpSpPr>
       <p:grpSp>
         <p:nvGrpSpPr>
           <p:cNvPr id="18" name="Gruppieren 17">
@@ -4508,11 +5213,7 @@
             </a:r>
             <a:r>
               <a:rPr lang="de-DE" dirty="0" err="1" smtClean="0"/>
-              <a:t>b</a:t>
-            </a:r>
-            <a:r>
-              <a:rPr lang="de-DE" dirty="0" err="1" smtClean="0"/>
-              <a:t>ylaws</a:t>
+              <a:t>bylaws</a:t>
             </a:r>
             <a:r>
               <a:rPr lang="de-DE" dirty="0" smtClean="0"/>
@@ -4759,7 +5460,7 @@
 </p:sld>
 </file>
 
-<file path=ppt/slides/slide3.xml><?xml version="1.0" encoding="utf-8"?>
+<file path=ppt/slides/slide4.xml><?xml version="1.0" encoding="utf-8"?>
 <p:sld xmlns:a="http://schemas.openxmlformats.org/drawingml/2006/main" xmlns:r="http://schemas.openxmlformats.org/officeDocument/2006/relationships" xmlns:p="http://schemas.openxmlformats.org/presentationml/2006/main">
   <p:cSld>
     <p:spTree>
@@ -5988,7 +6689,7 @@
 </p:sld>
 </file>
 
-<file path=ppt/slides/slide4.xml><?xml version="1.0" encoding="utf-8"?>
+<file path=ppt/slides/slide5.xml><?xml version="1.0" encoding="utf-8"?>
 <p:sld xmlns:a="http://schemas.openxmlformats.org/drawingml/2006/main" xmlns:r="http://schemas.openxmlformats.org/officeDocument/2006/relationships" xmlns:p="http://schemas.openxmlformats.org/presentationml/2006/main">
   <p:cSld>
     <p:spTree>
@@ -6525,7 +7226,7 @@
 </p:sld>
 </file>
 
-<file path=ppt/slides/slide5.xml><?xml version="1.0" encoding="utf-8"?>
+<file path=ppt/slides/slide6.xml><?xml version="1.0" encoding="utf-8"?>
 <p:sld xmlns:a="http://schemas.openxmlformats.org/drawingml/2006/main" xmlns:r="http://schemas.openxmlformats.org/officeDocument/2006/relationships" xmlns:p="http://schemas.openxmlformats.org/presentationml/2006/main">
   <p:cSld>
     <p:spTree>
@@ -7776,7 +8477,7 @@
 </p:sld>
 </file>
 
-<file path=ppt/slides/slide6.xml><?xml version="1.0" encoding="utf-8"?>
+<file path=ppt/slides/slide7.xml><?xml version="1.0" encoding="utf-8"?>
 <p:sld xmlns:a="http://schemas.openxmlformats.org/drawingml/2006/main" xmlns:r="http://schemas.openxmlformats.org/officeDocument/2006/relationships" xmlns:p="http://schemas.openxmlformats.org/presentationml/2006/main">
   <p:cSld>
     <p:spTree>
@@ -8488,7 +9189,7 @@
 </p:sld>
 </file>
 
-<file path=ppt/slides/slide7.xml><?xml version="1.0" encoding="utf-8"?>
+<file path=ppt/slides/slide8.xml><?xml version="1.0" encoding="utf-8"?>
 <p:sld xmlns:a="http://schemas.openxmlformats.org/drawingml/2006/main" xmlns:r="http://schemas.openxmlformats.org/officeDocument/2006/relationships" xmlns:p="http://schemas.openxmlformats.org/presentationml/2006/main">
   <p:cSld>
     <p:spTree>
@@ -8727,15 +9428,7 @@
                   <a:srgbClr val="C00000"/>
                 </a:solidFill>
               </a:rPr>
-              <a:t> </a:t>
-            </a:r>
-            <a:r>
-              <a:rPr lang="de-DE" sz="2800" dirty="0">
-                <a:solidFill>
-                  <a:srgbClr val="C00000"/>
-                </a:solidFill>
-              </a:rPr>
-              <a:t>2 </a:t>
+              <a:t> 2 </a:t>
             </a:r>
             <a:r>
               <a:rPr lang="de-DE" sz="2800" dirty="0" err="1">
@@ -9471,7 +10164,7 @@
           </p:nvSpPr>
           <p:spPr>
             <a:xfrm>
-              <a:off x="505513" y="2667000"/>
+              <a:off x="4541804" y="2717032"/>
               <a:ext cx="2793629" cy="954107"/>
             </a:xfrm>
             <a:prstGeom prst="rect">
@@ -9631,7 +10324,7 @@
           </p:nvSpPr>
           <p:spPr>
             <a:xfrm>
-              <a:off x="4436350" y="2667000"/>
+              <a:off x="649470" y="2717032"/>
               <a:ext cx="3038337" cy="954107"/>
             </a:xfrm>
             <a:prstGeom prst="rect">
@@ -9669,11 +10362,6 @@
                 </a:rPr>
                 <a:t>FAQs</a:t>
               </a:r>
-              <a:endParaRPr lang="de-DE" sz="2800" dirty="0">
-                <a:solidFill>
-                  <a:srgbClr val="C00000"/>
-                </a:solidFill>
-              </a:endParaRPr>
             </a:p>
           </p:txBody>
         </p:sp>
@@ -9691,7 +10379,7 @@
 </p:sld>
 </file>
 
-<file path=ppt/slides/slide8.xml><?xml version="1.0" encoding="utf-8"?>
+<file path=ppt/slides/slide9.xml><?xml version="1.0" encoding="utf-8"?>
 <p:sld xmlns:a="http://schemas.openxmlformats.org/drawingml/2006/main" xmlns:r="http://schemas.openxmlformats.org/officeDocument/2006/relationships" xmlns:p="http://schemas.openxmlformats.org/presentationml/2006/main">
   <p:cSld>
     <p:spTree>

--- a/documentation/2022-03-29_MAP-structure-draft.pptx
+++ b/documentation/2022-03-29_MAP-structure-draft.pptx
@@ -279,7 +279,7 @@
           <a:p>
             <a:fld id="{62F3D5BE-FB1C-4CCB-95C2-71F9060ACFEB}" type="datetimeFigureOut">
               <a:rPr lang="de-DE" smtClean="0"/>
-              <a:t>12.05.2022</a:t>
+              <a:t>16.05.2022</a:t>
             </a:fld>
             <a:endParaRPr lang="de-DE"/>
           </a:p>
@@ -477,7 +477,7 @@
           <a:p>
             <a:fld id="{62F3D5BE-FB1C-4CCB-95C2-71F9060ACFEB}" type="datetimeFigureOut">
               <a:rPr lang="de-DE" smtClean="0"/>
-              <a:t>12.05.2022</a:t>
+              <a:t>16.05.2022</a:t>
             </a:fld>
             <a:endParaRPr lang="de-DE"/>
           </a:p>
@@ -685,7 +685,7 @@
           <a:p>
             <a:fld id="{62F3D5BE-FB1C-4CCB-95C2-71F9060ACFEB}" type="datetimeFigureOut">
               <a:rPr lang="de-DE" smtClean="0"/>
-              <a:t>12.05.2022</a:t>
+              <a:t>16.05.2022</a:t>
             </a:fld>
             <a:endParaRPr lang="de-DE"/>
           </a:p>
@@ -883,7 +883,7 @@
           <a:p>
             <a:fld id="{62F3D5BE-FB1C-4CCB-95C2-71F9060ACFEB}" type="datetimeFigureOut">
               <a:rPr lang="de-DE" smtClean="0"/>
-              <a:t>12.05.2022</a:t>
+              <a:t>16.05.2022</a:t>
             </a:fld>
             <a:endParaRPr lang="de-DE"/>
           </a:p>
@@ -1158,7 +1158,7 @@
           <a:p>
             <a:fld id="{62F3D5BE-FB1C-4CCB-95C2-71F9060ACFEB}" type="datetimeFigureOut">
               <a:rPr lang="de-DE" smtClean="0"/>
-              <a:t>12.05.2022</a:t>
+              <a:t>16.05.2022</a:t>
             </a:fld>
             <a:endParaRPr lang="de-DE"/>
           </a:p>
@@ -1423,7 +1423,7 @@
           <a:p>
             <a:fld id="{62F3D5BE-FB1C-4CCB-95C2-71F9060ACFEB}" type="datetimeFigureOut">
               <a:rPr lang="de-DE" smtClean="0"/>
-              <a:t>12.05.2022</a:t>
+              <a:t>16.05.2022</a:t>
             </a:fld>
             <a:endParaRPr lang="de-DE"/>
           </a:p>
@@ -1835,7 +1835,7 @@
           <a:p>
             <a:fld id="{62F3D5BE-FB1C-4CCB-95C2-71F9060ACFEB}" type="datetimeFigureOut">
               <a:rPr lang="de-DE" smtClean="0"/>
-              <a:t>12.05.2022</a:t>
+              <a:t>16.05.2022</a:t>
             </a:fld>
             <a:endParaRPr lang="de-DE"/>
           </a:p>
@@ -1976,7 +1976,7 @@
           <a:p>
             <a:fld id="{62F3D5BE-FB1C-4CCB-95C2-71F9060ACFEB}" type="datetimeFigureOut">
               <a:rPr lang="de-DE" smtClean="0"/>
-              <a:t>12.05.2022</a:t>
+              <a:t>16.05.2022</a:t>
             </a:fld>
             <a:endParaRPr lang="de-DE"/>
           </a:p>
@@ -2089,7 +2089,7 @@
           <a:p>
             <a:fld id="{62F3D5BE-FB1C-4CCB-95C2-71F9060ACFEB}" type="datetimeFigureOut">
               <a:rPr lang="de-DE" smtClean="0"/>
-              <a:t>12.05.2022</a:t>
+              <a:t>16.05.2022</a:t>
             </a:fld>
             <a:endParaRPr lang="de-DE"/>
           </a:p>
@@ -2400,7 +2400,7 @@
           <a:p>
             <a:fld id="{62F3D5BE-FB1C-4CCB-95C2-71F9060ACFEB}" type="datetimeFigureOut">
               <a:rPr lang="de-DE" smtClean="0"/>
-              <a:t>12.05.2022</a:t>
+              <a:t>16.05.2022</a:t>
             </a:fld>
             <a:endParaRPr lang="de-DE"/>
           </a:p>
@@ -2688,7 +2688,7 @@
           <a:p>
             <a:fld id="{62F3D5BE-FB1C-4CCB-95C2-71F9060ACFEB}" type="datetimeFigureOut">
               <a:rPr lang="de-DE" smtClean="0"/>
-              <a:t>12.05.2022</a:t>
+              <a:t>16.05.2022</a:t>
             </a:fld>
             <a:endParaRPr lang="de-DE"/>
           </a:p>
@@ -2929,7 +2929,7 @@
           <a:p>
             <a:fld id="{62F3D5BE-FB1C-4CCB-95C2-71F9060ACFEB}" type="datetimeFigureOut">
               <a:rPr lang="de-DE" smtClean="0"/>
-              <a:t>12.05.2022</a:t>
+              <a:t>16.05.2022</a:t>
             </a:fld>
             <a:endParaRPr lang="de-DE"/>
           </a:p>
@@ -3384,7 +3384,7 @@
                   </a:schemeClr>
                 </a:solidFill>
               </a:rPr>
-              <a:t>2022-05-12</a:t>
+              <a:t>2022-05-16</a:t>
             </a:r>
             <a:endParaRPr lang="de-DE" dirty="0">
               <a:solidFill>
@@ -5001,7 +5001,7 @@
           <p:spPr>
             <a:xfrm>
               <a:off x="8281186" y="2454573"/>
-              <a:ext cx="3429619" cy="523220"/>
+              <a:ext cx="3429619" cy="954107"/>
             </a:xfrm>
             <a:prstGeom prst="rect">
               <a:avLst/>
@@ -5015,12 +5015,46 @@
             <a:lstStyle/>
             <a:p>
               <a:r>
-                <a:rPr lang="en-US" sz="2800" dirty="0" smtClean="0">
+                <a:rPr lang="sv-SE" sz="2800" dirty="0">
                   <a:solidFill>
                     <a:srgbClr val="C00000"/>
                   </a:solidFill>
                 </a:rPr>
-                <a:t>Community</a:t>
+                <a:t>Project </a:t>
+              </a:r>
+              <a:r>
+                <a:rPr lang="sv-SE" sz="2800" dirty="0" err="1" smtClean="0">
+                  <a:solidFill>
+                    <a:srgbClr val="C00000"/>
+                  </a:solidFill>
+                </a:rPr>
+                <a:t>organization</a:t>
+              </a:r>
+              <a:r>
+                <a:rPr lang="sv-SE" sz="2800" dirty="0" smtClean="0">
+                  <a:solidFill>
+                    <a:srgbClr val="C00000"/>
+                  </a:solidFill>
+                </a:rPr>
+                <a:t> &amp;</a:t>
+              </a:r>
+            </a:p>
+            <a:p>
+              <a:r>
+                <a:rPr lang="sv-SE" sz="2800" dirty="0" err="1">
+                  <a:solidFill>
+                    <a:srgbClr val="C00000"/>
+                  </a:solidFill>
+                </a:rPr>
+                <a:t>c</a:t>
+              </a:r>
+              <a:r>
+                <a:rPr lang="sv-SE" sz="2800" dirty="0" err="1" smtClean="0">
+                  <a:solidFill>
+                    <a:srgbClr val="C00000"/>
+                  </a:solidFill>
+                </a:rPr>
+                <a:t>ommunity</a:t>
               </a:r>
               <a:endParaRPr lang="de-DE" sz="2800" dirty="0">
                 <a:solidFill>
@@ -5098,7 +5132,7 @@
         <p:spPr>
           <a:xfrm>
             <a:off x="4318591" y="1949834"/>
-            <a:ext cx="3038337" cy="954107"/>
+            <a:ext cx="3038337" cy="523220"/>
           </a:xfrm>
           <a:prstGeom prst="rect">
             <a:avLst/>
@@ -5112,20 +5146,12 @@
           <a:lstStyle/>
           <a:p>
             <a:r>
-              <a:rPr lang="sv-SE" sz="2800" dirty="0" smtClean="0">
-                <a:solidFill>
-                  <a:srgbClr val="C00000"/>
-                </a:solidFill>
-              </a:rPr>
-              <a:t>Project </a:t>
-            </a:r>
-            <a:r>
               <a:rPr lang="sv-SE" sz="2800" dirty="0" err="1" smtClean="0">
                 <a:solidFill>
                   <a:srgbClr val="C00000"/>
                 </a:solidFill>
               </a:rPr>
-              <a:t>organization</a:t>
+              <a:t>Highlights</a:t>
             </a:r>
             <a:endParaRPr lang="de-DE" sz="2800" dirty="0">
               <a:solidFill>
@@ -5150,7 +5176,7 @@
         <p:spPr>
           <a:xfrm>
             <a:off x="4360993" y="2873078"/>
-            <a:ext cx="2948443" cy="923330"/>
+            <a:ext cx="2948443" cy="646331"/>
           </a:xfrm>
           <a:prstGeom prst="rect">
             <a:avLst/>
@@ -5164,56 +5190,8 @@
           <a:lstStyle/>
           <a:p>
             <a:r>
-              <a:rPr lang="de-DE" dirty="0"/>
-              <a:t>More </a:t>
-            </a:r>
-            <a:r>
-              <a:rPr lang="de-DE" dirty="0" err="1"/>
-              <a:t>detailed</a:t>
-            </a:r>
-            <a:r>
-              <a:rPr lang="de-DE" dirty="0"/>
-              <a:t> </a:t>
-            </a:r>
-            <a:r>
-              <a:rPr lang="de-DE" dirty="0" err="1"/>
-              <a:t>information</a:t>
-            </a:r>
-            <a:r>
-              <a:rPr lang="de-DE" dirty="0"/>
-              <a:t> </a:t>
-            </a:r>
-            <a:r>
-              <a:rPr lang="de-DE" dirty="0" err="1"/>
-              <a:t>about</a:t>
-            </a:r>
-            <a:r>
-              <a:rPr lang="de-DE" dirty="0"/>
-              <a:t> </a:t>
-            </a:r>
-            <a:r>
-              <a:rPr lang="de-DE" dirty="0" err="1"/>
-              <a:t>the</a:t>
-            </a:r>
-            <a:r>
-              <a:rPr lang="de-DE" dirty="0"/>
-              <a:t> </a:t>
-            </a:r>
-            <a:r>
               <a:rPr lang="de-DE" dirty="0" err="1" smtClean="0"/>
-              <a:t>project</a:t>
-            </a:r>
-            <a:r>
-              <a:rPr lang="de-DE" dirty="0" smtClean="0"/>
-              <a:t>, e.g.,</a:t>
-            </a:r>
-            <a:r>
-              <a:rPr lang="de-DE" dirty="0"/>
-              <a:t> </a:t>
-            </a:r>
-            <a:r>
-              <a:rPr lang="de-DE" dirty="0" err="1" smtClean="0"/>
-              <a:t>bylaws</a:t>
+              <a:t>Overview</a:t>
             </a:r>
             <a:r>
               <a:rPr lang="de-DE" dirty="0" smtClean="0"/>
@@ -5221,7 +5199,7 @@
             </a:r>
             <a:r>
               <a:rPr lang="de-DE" dirty="0" err="1" smtClean="0"/>
-              <a:t>and</a:t>
+              <a:t>of</a:t>
             </a:r>
             <a:r>
               <a:rPr lang="de-DE" dirty="0" smtClean="0"/>
@@ -5229,7 +5207,7 @@
             </a:r>
             <a:r>
               <a:rPr lang="de-DE" dirty="0" err="1" smtClean="0"/>
-              <a:t>current</a:t>
+              <a:t>highlight</a:t>
             </a:r>
             <a:r>
               <a:rPr lang="de-DE" dirty="0" smtClean="0"/>
@@ -5237,7 +5215,27 @@
             </a:r>
             <a:r>
               <a:rPr lang="de-DE" dirty="0" err="1" smtClean="0"/>
-              <a:t>members</a:t>
+              <a:t>of</a:t>
+            </a:r>
+            <a:r>
+              <a:rPr lang="de-DE" dirty="0" smtClean="0"/>
+              <a:t> </a:t>
+            </a:r>
+            <a:r>
+              <a:rPr lang="de-DE" dirty="0" err="1" smtClean="0"/>
+              <a:t>the</a:t>
+            </a:r>
+            <a:r>
+              <a:rPr lang="de-DE" dirty="0" smtClean="0"/>
+              <a:t> </a:t>
+            </a:r>
+            <a:r>
+              <a:rPr lang="de-DE" i="1" dirty="0" err="1" smtClean="0"/>
+              <a:t>eFMI</a:t>
+            </a:r>
+            <a:r>
+              <a:rPr lang="de-DE" i="1" dirty="0" smtClean="0"/>
+              <a:t> Standard</a:t>
             </a:r>
             <a:r>
               <a:rPr lang="de-DE" dirty="0" smtClean="0"/>
@@ -5384,32 +5382,80 @@
           <a:lstStyle/>
           <a:p>
             <a:r>
+              <a:rPr lang="de-DE" dirty="0" err="1" smtClean="0"/>
+              <a:t>About</a:t>
+            </a:r>
+            <a:r>
+              <a:rPr lang="de-DE" dirty="0" smtClean="0"/>
+              <a:t> </a:t>
+            </a:r>
+            <a:r>
               <a:rPr lang="de-DE" dirty="0" err="1"/>
-              <a:t>How</a:t>
+              <a:t>the</a:t>
             </a:r>
             <a:r>
               <a:rPr lang="de-DE" dirty="0"/>
               <a:t> </a:t>
             </a:r>
             <a:r>
-              <a:rPr lang="de-DE" dirty="0" err="1"/>
+              <a:rPr lang="de-DE" dirty="0" err="1" smtClean="0"/>
+              <a:t>project</a:t>
+            </a:r>
+            <a:r>
+              <a:rPr lang="de-DE" dirty="0" smtClean="0"/>
+              <a:t> (</a:t>
+            </a:r>
+            <a:r>
+              <a:rPr lang="de-DE" dirty="0" err="1" smtClean="0"/>
+              <a:t>bylaws</a:t>
+            </a:r>
+            <a:r>
+              <a:rPr lang="de-DE" dirty="0" smtClean="0"/>
+              <a:t>, </a:t>
+            </a:r>
+            <a:r>
+              <a:rPr lang="de-DE" dirty="0" err="1" smtClean="0"/>
+              <a:t>current</a:t>
+            </a:r>
+            <a:r>
+              <a:rPr lang="de-DE" dirty="0" smtClean="0"/>
+              <a:t> </a:t>
+            </a:r>
+            <a:r>
+              <a:rPr lang="de-DE" dirty="0" err="1" smtClean="0"/>
+              <a:t>members</a:t>
+            </a:r>
+            <a:r>
+              <a:rPr lang="de-DE" dirty="0"/>
+              <a:t>)</a:t>
+            </a:r>
+            <a:r>
+              <a:rPr lang="de-DE" dirty="0" smtClean="0"/>
+              <a:t>, </a:t>
+            </a:r>
+            <a:r>
+              <a:rPr lang="de-DE" dirty="0" err="1" smtClean="0"/>
+              <a:t>how</a:t>
+            </a:r>
+            <a:r>
+              <a:rPr lang="de-DE" dirty="0" smtClean="0"/>
+              <a:t> </a:t>
+            </a:r>
+            <a:r>
+              <a:rPr lang="de-DE" dirty="0" err="1" smtClean="0"/>
               <a:t>to</a:t>
             </a:r>
             <a:r>
-              <a:rPr lang="de-DE" dirty="0"/>
+              <a:rPr lang="de-DE" dirty="0" smtClean="0"/>
               <a:t> </a:t>
             </a:r>
             <a:r>
-              <a:rPr lang="de-DE" dirty="0" err="1"/>
+              <a:rPr lang="de-DE" dirty="0" err="1" smtClean="0"/>
               <a:t>get</a:t>
             </a:r>
             <a:r>
-              <a:rPr lang="de-DE" dirty="0"/>
-              <a:t> </a:t>
-            </a:r>
-            <a:r>
               <a:rPr lang="de-DE" dirty="0" smtClean="0"/>
-              <a:t>in </a:t>
+              <a:t> in </a:t>
             </a:r>
             <a:r>
               <a:rPr lang="de-DE" dirty="0" err="1" smtClean="0"/>
@@ -5417,27 +5463,19 @@
             </a:r>
             <a:r>
               <a:rPr lang="de-DE" dirty="0" smtClean="0"/>
-              <a:t>, </a:t>
-            </a:r>
-            <a:r>
-              <a:rPr lang="en-US" dirty="0" smtClean="0"/>
-              <a:t>contribute </a:t>
-            </a:r>
-            <a:r>
-              <a:rPr lang="en-US" dirty="0"/>
-              <a:t>and </a:t>
-            </a:r>
-            <a:r>
-              <a:rPr lang="en-US" dirty="0" smtClean="0"/>
-              <a:t>become </a:t>
-            </a:r>
-            <a:r>
-              <a:rPr lang="en-US" dirty="0"/>
-              <a:t>a </a:t>
-            </a:r>
-            <a:r>
-              <a:rPr lang="en-US" dirty="0" smtClean="0"/>
-              <a:t>member</a:t>
+              <a:t> </a:t>
+            </a:r>
+            <a:r>
+              <a:rPr lang="de-DE" dirty="0" err="1" smtClean="0"/>
+              <a:t>and</a:t>
+            </a:r>
+            <a:r>
+              <a:rPr lang="de-DE" dirty="0" smtClean="0"/>
+              <a:t> </a:t>
+            </a:r>
+            <a:r>
+              <a:rPr lang="de-DE" dirty="0" err="1" smtClean="0"/>
+              <a:t>contribute</a:t>
             </a:r>
             <a:r>
               <a:rPr lang="de-DE" dirty="0" smtClean="0"/>

--- a/documentation/2022-03-29_MAP-structure-draft.pptx
+++ b/documentation/2022-03-29_MAP-structure-draft.pptx
@@ -279,7 +279,7 @@
           <a:p>
             <a:fld id="{62F3D5BE-FB1C-4CCB-95C2-71F9060ACFEB}" type="datetimeFigureOut">
               <a:rPr lang="de-DE" smtClean="0"/>
-              <a:t>16.05.2022</a:t>
+              <a:t>17.05.2022</a:t>
             </a:fld>
             <a:endParaRPr lang="de-DE"/>
           </a:p>
@@ -477,7 +477,7 @@
           <a:p>
             <a:fld id="{62F3D5BE-FB1C-4CCB-95C2-71F9060ACFEB}" type="datetimeFigureOut">
               <a:rPr lang="de-DE" smtClean="0"/>
-              <a:t>16.05.2022</a:t>
+              <a:t>17.05.2022</a:t>
             </a:fld>
             <a:endParaRPr lang="de-DE"/>
           </a:p>
@@ -685,7 +685,7 @@
           <a:p>
             <a:fld id="{62F3D5BE-FB1C-4CCB-95C2-71F9060ACFEB}" type="datetimeFigureOut">
               <a:rPr lang="de-DE" smtClean="0"/>
-              <a:t>16.05.2022</a:t>
+              <a:t>17.05.2022</a:t>
             </a:fld>
             <a:endParaRPr lang="de-DE"/>
           </a:p>
@@ -883,7 +883,7 @@
           <a:p>
             <a:fld id="{62F3D5BE-FB1C-4CCB-95C2-71F9060ACFEB}" type="datetimeFigureOut">
               <a:rPr lang="de-DE" smtClean="0"/>
-              <a:t>16.05.2022</a:t>
+              <a:t>17.05.2022</a:t>
             </a:fld>
             <a:endParaRPr lang="de-DE"/>
           </a:p>
@@ -1158,7 +1158,7 @@
           <a:p>
             <a:fld id="{62F3D5BE-FB1C-4CCB-95C2-71F9060ACFEB}" type="datetimeFigureOut">
               <a:rPr lang="de-DE" smtClean="0"/>
-              <a:t>16.05.2022</a:t>
+              <a:t>17.05.2022</a:t>
             </a:fld>
             <a:endParaRPr lang="de-DE"/>
           </a:p>
@@ -1423,7 +1423,7 @@
           <a:p>
             <a:fld id="{62F3D5BE-FB1C-4CCB-95C2-71F9060ACFEB}" type="datetimeFigureOut">
               <a:rPr lang="de-DE" smtClean="0"/>
-              <a:t>16.05.2022</a:t>
+              <a:t>17.05.2022</a:t>
             </a:fld>
             <a:endParaRPr lang="de-DE"/>
           </a:p>
@@ -1835,7 +1835,7 @@
           <a:p>
             <a:fld id="{62F3D5BE-FB1C-4CCB-95C2-71F9060ACFEB}" type="datetimeFigureOut">
               <a:rPr lang="de-DE" smtClean="0"/>
-              <a:t>16.05.2022</a:t>
+              <a:t>17.05.2022</a:t>
             </a:fld>
             <a:endParaRPr lang="de-DE"/>
           </a:p>
@@ -1976,7 +1976,7 @@
           <a:p>
             <a:fld id="{62F3D5BE-FB1C-4CCB-95C2-71F9060ACFEB}" type="datetimeFigureOut">
               <a:rPr lang="de-DE" smtClean="0"/>
-              <a:t>16.05.2022</a:t>
+              <a:t>17.05.2022</a:t>
             </a:fld>
             <a:endParaRPr lang="de-DE"/>
           </a:p>
@@ -2089,7 +2089,7 @@
           <a:p>
             <a:fld id="{62F3D5BE-FB1C-4CCB-95C2-71F9060ACFEB}" type="datetimeFigureOut">
               <a:rPr lang="de-DE" smtClean="0"/>
-              <a:t>16.05.2022</a:t>
+              <a:t>17.05.2022</a:t>
             </a:fld>
             <a:endParaRPr lang="de-DE"/>
           </a:p>
@@ -2400,7 +2400,7 @@
           <a:p>
             <a:fld id="{62F3D5BE-FB1C-4CCB-95C2-71F9060ACFEB}" type="datetimeFigureOut">
               <a:rPr lang="de-DE" smtClean="0"/>
-              <a:t>16.05.2022</a:t>
+              <a:t>17.05.2022</a:t>
             </a:fld>
             <a:endParaRPr lang="de-DE"/>
           </a:p>
@@ -2688,7 +2688,7 @@
           <a:p>
             <a:fld id="{62F3D5BE-FB1C-4CCB-95C2-71F9060ACFEB}" type="datetimeFigureOut">
               <a:rPr lang="de-DE" smtClean="0"/>
-              <a:t>16.05.2022</a:t>
+              <a:t>17.05.2022</a:t>
             </a:fld>
             <a:endParaRPr lang="de-DE"/>
           </a:p>
@@ -2929,7 +2929,7 @@
           <a:p>
             <a:fld id="{62F3D5BE-FB1C-4CCB-95C2-71F9060ACFEB}" type="datetimeFigureOut">
               <a:rPr lang="de-DE" smtClean="0"/>
-              <a:t>16.05.2022</a:t>
+              <a:t>17.05.2022</a:t>
             </a:fld>
             <a:endParaRPr lang="de-DE"/>
           </a:p>
@@ -10448,7 +10448,7 @@
         </p:nvGrpSpPr>
         <p:grpSpPr>
           <a:xfrm>
-            <a:off x="4429953" y="1842388"/>
+            <a:off x="867292" y="1907042"/>
             <a:ext cx="3689134" cy="2290440"/>
             <a:chOff x="2374952" y="4313694"/>
             <a:chExt cx="3689134" cy="2290440"/>
@@ -10655,7 +10655,7 @@
         </p:nvGrpSpPr>
         <p:grpSpPr>
           <a:xfrm>
-            <a:off x="529455" y="1842388"/>
+            <a:off x="4887934" y="1907042"/>
             <a:ext cx="3689134" cy="2290440"/>
             <a:chOff x="670032" y="4285046"/>
             <a:chExt cx="3689134" cy="2290440"/>
